--- a/Cammi's work/final graphs.pptx
+++ b/Cammi's work/final graphs.pptx
@@ -7,22 +7,6 @@
   <p:sldIdLst>
     <p:sldId id="256" r:id="rId6"/>
     <p:sldId id="257" r:id="rId7"/>
-    <p:sldId id="258" r:id="rId8"/>
-    <p:sldId id="259" r:id="rId9"/>
-    <p:sldId id="260" r:id="rId10"/>
-    <p:sldId id="261" r:id="rId11"/>
-    <p:sldId id="262" r:id="rId12"/>
-    <p:sldId id="263" r:id="rId13"/>
-    <p:sldId id="264" r:id="rId14"/>
-    <p:sldId id="265" r:id="rId15"/>
-    <p:sldId id="266" r:id="rId16"/>
-    <p:sldId id="267" r:id="rId17"/>
-    <p:sldId id="268" r:id="rId18"/>
-    <p:sldId id="269" r:id="rId19"/>
-    <p:sldId id="270" r:id="rId20"/>
-    <p:sldId id="271" r:id="rId21"/>
-    <p:sldId id="272" r:id="rId22"/>
-    <p:sldId id="273" r:id="rId23"/>
   </p:sldIdLst>
   <p:sldSz cx="12192000" cy="6858000"/>
   <p:notesSz cx="6858000" cy="9144000"/>
@@ -3343,7 +3327,7 @@
           <p:cNvPr id="0" name="slide1">
             <a:extLst>
               <a:ext uri="{FF2B5EF4-FFF2-40B4-BE49-F238E27FC236}">
-                <a16:creationId xmlns:a16="http://schemas.microsoft.com/office/drawing/2014/main" id="{4704B9E3-755A-4CBE-9E28-A6B21283A3EE}"/>
+                <a16:creationId xmlns:a16="http://schemas.microsoft.com/office/drawing/2014/main" id="{977609B8-EC21-4CB8-A9D3-D682A50F0461}"/>
               </a:ext>
             </a:extLst>
           </p:cNvPr>
@@ -3360,634 +3344,42 @@
           <a:lstStyle/>
           <a:p>
             <a:r>
+              <a:rPr dirty="0" lang="en-us">
+                <a:hlinkClick r:id="rId6"/>
+              </a:rPr>
+              <a:t>Final Graphs</a:t>
+            </a:r>
+          </a:p>
+        </p:txBody>
+      </p:sp>
+      <p:sp>
+        <p:nvSpPr>
+          <p:cNvPr id="1" name="slide1">
+            <a:extLst>
+              <a:ext uri="{FF2B5EF4-FFF2-40B4-BE49-F238E27FC236}">
+                <a16:creationId xmlns:a16="http://schemas.microsoft.com/office/drawing/2014/main" id="{344C935D-8AC1-4C06-AFD9-5A60B37B2306}"/>
+              </a:ext>
+            </a:extLst>
+          </p:cNvPr>
+          <p:cNvSpPr>
+            <a:spLocks noGrp="1"/>
+          </p:cNvSpPr>
+          <p:nvPr>
+            <p:ph idx="1" type="subTitle"/>
+          </p:nvPr>
+        </p:nvSpPr>
+        <p:spPr/>
+        <p:txBody>
+          <a:bodyPr/>
+          <a:lstStyle/>
+          <a:p>
+            <a:r>
               <a:rPr/>
-              <a:t>Final Graphs</a:t>
-            </a:r>
-          </a:p>
-        </p:txBody>
-      </p:sp>
-      <p:sp>
-        <p:nvSpPr>
-          <p:cNvPr id="1" name="slide1">
-            <a:extLst>
-              <a:ext uri="{FF2B5EF4-FFF2-40B4-BE49-F238E27FC236}">
-                <a16:creationId xmlns:a16="http://schemas.microsoft.com/office/drawing/2014/main" id="{24F83FE8-4D17-4D4A-A666-F4E226903670}"/>
-              </a:ext>
-            </a:extLst>
-          </p:cNvPr>
-          <p:cNvSpPr>
-            <a:spLocks noGrp="1"/>
-          </p:cNvSpPr>
-          <p:nvPr>
-            <p:ph idx="1" type="subTitle"/>
-          </p:nvPr>
-        </p:nvSpPr>
-        <p:spPr/>
-        <p:txBody>
-          <a:bodyPr/>
-          <a:lstStyle/>
-          <a:p>
-            <a:r>
-              <a:rPr/>
-              <a:t>File created on: 5/14/2019 3:59:40 PM</a:t>
-            </a:r>
-          </a:p>
-        </p:txBody>
-      </p:sp>
-    </p:spTree>
-    <p:extLst>
-      <p:ext uri="{BB962C8B-B14F-4D97-AF65-F5344CB8AC3E}">
-        <p14:creationId xmlns:p14="http://schemas.microsoft.com/office/powerpoint/2010/main" val="95992585"/>
-      </p:ext>
-    </p:extLst>
-  </p:cSld>
-  <p:clrMapOvr>
-    <a:masterClrMapping/>
-  </p:clrMapOvr>
-</p:sld>
-</file>
-
-<file path=ppt/slides/slide10.xml><?xml version="1.0" encoding="utf-8"?>
-<p:sld xmlns:a="http://schemas.openxmlformats.org/drawingml/2006/main" xmlns:p="http://schemas.openxmlformats.org/presentationml/2006/main" xmlns:r="http://schemas.openxmlformats.org/officeDocument/2006/relationships">
-  <p:cSld>
-    <p:spTree>
-      <p:nvGrpSpPr>
-        <p:cNvPr id="1" name=""/>
-        <p:cNvGrpSpPr/>
-        <p:nvPr/>
-      </p:nvGrpSpPr>
-      <p:grpSpPr>
-        <a:xfrm>
-          <a:off x="0" y="0"/>
-          <a:ext cx="0" cy="0"/>
-          <a:chOff x="0" y="0"/>
-          <a:chExt cx="0" cy="0"/>
-        </a:xfrm>
-      </p:grpSpPr>
-      <p:pic>
-        <p:nvPicPr>
-          <p:cNvPr id="10" name="slide10">
-            <a:extLst>
-              <a:ext uri="{FF2B5EF4-FFF2-40B4-BE49-F238E27FC236}">
-                <a16:creationId xmlns:a16="http://schemas.microsoft.com/office/drawing/2014/main" id="{3E7F531B-3183-4D4B-86FC-ECA67C61C159}"/>
-              </a:ext>
-            </a:extLst>
-          </p:cNvPr>
-          <p:cNvPicPr>
-            <a:picLocks noChangeAspect="1"/>
-          </p:cNvPicPr>
-          <p:nvPr/>
-        </p:nvPicPr>
-        <p:blipFill>
-          <a:blip r:embed="rId15">
-            <a:extLst>
-              <a:ext uri="{28A0092B-C50C-407E-A947-70E740481C1C}">
-                <a14:useLocalDpi xmlns:a14="http://schemas.microsoft.com/office/drawing/2010/main" val="0"/>
-              </a:ext>
-            </a:extLst>
-          </a:blip>
-          <a:stretch>
-            <a:fillRect/>
-          </a:stretch>
-        </p:blipFill>
-        <p:spPr>
-          <a:xfrm>
-            <a:off x="1509712" y="881062"/>
-            <a:ext cx="9172575" cy="5095875"/>
-          </a:xfrm>
-          <a:prstGeom prst="rect">
-            <a:avLst/>
-          </a:prstGeom>
-        </p:spPr>
-      </p:pic>
-    </p:spTree>
-    <p:extLst>
-      <p:ext uri="{BB962C8B-B14F-4D97-AF65-F5344CB8AC3E}">
-        <p14:creationId xmlns:p14="http://schemas.microsoft.com/office/powerpoint/2010/main" val="95992585"/>
-      </p:ext>
-    </p:extLst>
-  </p:cSld>
-  <p:clrMapOvr>
-    <a:masterClrMapping/>
-  </p:clrMapOvr>
-</p:sld>
-</file>
-
-<file path=ppt/slides/slide11.xml><?xml version="1.0" encoding="utf-8"?>
-<p:sld xmlns:a="http://schemas.openxmlformats.org/drawingml/2006/main" xmlns:p="http://schemas.openxmlformats.org/presentationml/2006/main" xmlns:r="http://schemas.openxmlformats.org/officeDocument/2006/relationships">
-  <p:cSld>
-    <p:spTree>
-      <p:nvGrpSpPr>
-        <p:cNvPr id="1" name=""/>
-        <p:cNvGrpSpPr/>
-        <p:nvPr/>
-      </p:nvGrpSpPr>
-      <p:grpSpPr>
-        <a:xfrm>
-          <a:off x="0" y="0"/>
-          <a:ext cx="0" cy="0"/>
-          <a:chOff x="0" y="0"/>
-          <a:chExt cx="0" cy="0"/>
-        </a:xfrm>
-      </p:grpSpPr>
-      <p:pic>
-        <p:nvPicPr>
-          <p:cNvPr id="11" name="slide11">
-            <a:extLst>
-              <a:ext uri="{FF2B5EF4-FFF2-40B4-BE49-F238E27FC236}">
-                <a16:creationId xmlns:a16="http://schemas.microsoft.com/office/drawing/2014/main" id="{74CC7247-B10B-46CB-814E-0A5CB6044E84}"/>
-              </a:ext>
-            </a:extLst>
-          </p:cNvPr>
-          <p:cNvPicPr>
-            <a:picLocks noChangeAspect="1"/>
-          </p:cNvPicPr>
-          <p:nvPr/>
-        </p:nvPicPr>
-        <p:blipFill>
-          <a:blip r:embed="rId16">
-            <a:extLst>
-              <a:ext uri="{28A0092B-C50C-407E-A947-70E740481C1C}">
-                <a14:useLocalDpi xmlns:a14="http://schemas.microsoft.com/office/drawing/2010/main" val="0"/>
-              </a:ext>
-            </a:extLst>
-          </a:blip>
-          <a:stretch>
-            <a:fillRect/>
-          </a:stretch>
-        </p:blipFill>
-        <p:spPr>
-          <a:xfrm>
-            <a:off x="1509712" y="881062"/>
-            <a:ext cx="9172575" cy="5095875"/>
-          </a:xfrm>
-          <a:prstGeom prst="rect">
-            <a:avLst/>
-          </a:prstGeom>
-        </p:spPr>
-      </p:pic>
-    </p:spTree>
-    <p:extLst>
-      <p:ext uri="{BB962C8B-B14F-4D97-AF65-F5344CB8AC3E}">
-        <p14:creationId xmlns:p14="http://schemas.microsoft.com/office/powerpoint/2010/main" val="95992585"/>
-      </p:ext>
-    </p:extLst>
-  </p:cSld>
-  <p:clrMapOvr>
-    <a:masterClrMapping/>
-  </p:clrMapOvr>
-</p:sld>
-</file>
-
-<file path=ppt/slides/slide12.xml><?xml version="1.0" encoding="utf-8"?>
-<p:sld xmlns:a="http://schemas.openxmlformats.org/drawingml/2006/main" xmlns:p="http://schemas.openxmlformats.org/presentationml/2006/main" xmlns:r="http://schemas.openxmlformats.org/officeDocument/2006/relationships">
-  <p:cSld>
-    <p:spTree>
-      <p:nvGrpSpPr>
-        <p:cNvPr id="1" name=""/>
-        <p:cNvGrpSpPr/>
-        <p:nvPr/>
-      </p:nvGrpSpPr>
-      <p:grpSpPr>
-        <a:xfrm>
-          <a:off x="0" y="0"/>
-          <a:ext cx="0" cy="0"/>
-          <a:chOff x="0" y="0"/>
-          <a:chExt cx="0" cy="0"/>
-        </a:xfrm>
-      </p:grpSpPr>
-      <p:pic>
-        <p:nvPicPr>
-          <p:cNvPr id="12" name="slide12">
-            <a:extLst>
-              <a:ext uri="{FF2B5EF4-FFF2-40B4-BE49-F238E27FC236}">
-                <a16:creationId xmlns:a16="http://schemas.microsoft.com/office/drawing/2014/main" id="{A2001259-EA51-4533-8911-5D5884221E54}"/>
-              </a:ext>
-            </a:extLst>
-          </p:cNvPr>
-          <p:cNvPicPr>
-            <a:picLocks noChangeAspect="1"/>
-          </p:cNvPicPr>
-          <p:nvPr/>
-        </p:nvPicPr>
-        <p:blipFill>
-          <a:blip r:embed="rId17">
-            <a:extLst>
-              <a:ext uri="{28A0092B-C50C-407E-A947-70E740481C1C}">
-                <a14:useLocalDpi xmlns:a14="http://schemas.microsoft.com/office/drawing/2010/main" val="0"/>
-              </a:ext>
-            </a:extLst>
-          </a:blip>
-          <a:stretch>
-            <a:fillRect/>
-          </a:stretch>
-        </p:blipFill>
-        <p:spPr>
-          <a:xfrm>
-            <a:off x="1509712" y="881062"/>
-            <a:ext cx="9172575" cy="5095875"/>
-          </a:xfrm>
-          <a:prstGeom prst="rect">
-            <a:avLst/>
-          </a:prstGeom>
-        </p:spPr>
-      </p:pic>
-    </p:spTree>
-    <p:extLst>
-      <p:ext uri="{BB962C8B-B14F-4D97-AF65-F5344CB8AC3E}">
-        <p14:creationId xmlns:p14="http://schemas.microsoft.com/office/powerpoint/2010/main" val="95992585"/>
-      </p:ext>
-    </p:extLst>
-  </p:cSld>
-  <p:clrMapOvr>
-    <a:masterClrMapping/>
-  </p:clrMapOvr>
-</p:sld>
-</file>
-
-<file path=ppt/slides/slide13.xml><?xml version="1.0" encoding="utf-8"?>
-<p:sld xmlns:a="http://schemas.openxmlformats.org/drawingml/2006/main" xmlns:p="http://schemas.openxmlformats.org/presentationml/2006/main" xmlns:r="http://schemas.openxmlformats.org/officeDocument/2006/relationships">
-  <p:cSld>
-    <p:spTree>
-      <p:nvGrpSpPr>
-        <p:cNvPr id="1" name=""/>
-        <p:cNvGrpSpPr/>
-        <p:nvPr/>
-      </p:nvGrpSpPr>
-      <p:grpSpPr>
-        <a:xfrm>
-          <a:off x="0" y="0"/>
-          <a:ext cx="0" cy="0"/>
-          <a:chOff x="0" y="0"/>
-          <a:chExt cx="0" cy="0"/>
-        </a:xfrm>
-      </p:grpSpPr>
-      <p:pic>
-        <p:nvPicPr>
-          <p:cNvPr id="13" name="slide13">
-            <a:extLst>
-              <a:ext uri="{FF2B5EF4-FFF2-40B4-BE49-F238E27FC236}">
-                <a16:creationId xmlns:a16="http://schemas.microsoft.com/office/drawing/2014/main" id="{C440C79D-F81B-4B14-8045-2262333BA1B9}"/>
-              </a:ext>
-            </a:extLst>
-          </p:cNvPr>
-          <p:cNvPicPr>
-            <a:picLocks noChangeAspect="1"/>
-          </p:cNvPicPr>
-          <p:nvPr/>
-        </p:nvPicPr>
-        <p:blipFill>
-          <a:blip r:embed="rId18">
-            <a:extLst>
-              <a:ext uri="{28A0092B-C50C-407E-A947-70E740481C1C}">
-                <a14:useLocalDpi xmlns:a14="http://schemas.microsoft.com/office/drawing/2010/main" val="0"/>
-              </a:ext>
-            </a:extLst>
-          </a:blip>
-          <a:stretch>
-            <a:fillRect/>
-          </a:stretch>
-        </p:blipFill>
-        <p:spPr>
-          <a:xfrm>
-            <a:off x="1509712" y="881062"/>
-            <a:ext cx="9172575" cy="5095875"/>
-          </a:xfrm>
-          <a:prstGeom prst="rect">
-            <a:avLst/>
-          </a:prstGeom>
-        </p:spPr>
-      </p:pic>
-    </p:spTree>
-    <p:extLst>
-      <p:ext uri="{BB962C8B-B14F-4D97-AF65-F5344CB8AC3E}">
-        <p14:creationId xmlns:p14="http://schemas.microsoft.com/office/powerpoint/2010/main" val="95992585"/>
-      </p:ext>
-    </p:extLst>
-  </p:cSld>
-  <p:clrMapOvr>
-    <a:masterClrMapping/>
-  </p:clrMapOvr>
-</p:sld>
-</file>
-
-<file path=ppt/slides/slide14.xml><?xml version="1.0" encoding="utf-8"?>
-<p:sld xmlns:a="http://schemas.openxmlformats.org/drawingml/2006/main" xmlns:p="http://schemas.openxmlformats.org/presentationml/2006/main" xmlns:r="http://schemas.openxmlformats.org/officeDocument/2006/relationships">
-  <p:cSld>
-    <p:spTree>
-      <p:nvGrpSpPr>
-        <p:cNvPr id="1" name=""/>
-        <p:cNvGrpSpPr/>
-        <p:nvPr/>
-      </p:nvGrpSpPr>
-      <p:grpSpPr>
-        <a:xfrm>
-          <a:off x="0" y="0"/>
-          <a:ext cx="0" cy="0"/>
-          <a:chOff x="0" y="0"/>
-          <a:chExt cx="0" cy="0"/>
-        </a:xfrm>
-      </p:grpSpPr>
-      <p:pic>
-        <p:nvPicPr>
-          <p:cNvPr id="14" name="slide14">
-            <a:extLst>
-              <a:ext uri="{FF2B5EF4-FFF2-40B4-BE49-F238E27FC236}">
-                <a16:creationId xmlns:a16="http://schemas.microsoft.com/office/drawing/2014/main" id="{81C0E959-7DF3-4946-84BE-3EF34AEC830E}"/>
-              </a:ext>
-            </a:extLst>
-          </p:cNvPr>
-          <p:cNvPicPr>
-            <a:picLocks noChangeAspect="1"/>
-          </p:cNvPicPr>
-          <p:nvPr/>
-        </p:nvPicPr>
-        <p:blipFill>
-          <a:blip r:embed="rId19">
-            <a:extLst>
-              <a:ext uri="{28A0092B-C50C-407E-A947-70E740481C1C}">
-                <a14:useLocalDpi xmlns:a14="http://schemas.microsoft.com/office/drawing/2010/main" val="0"/>
-              </a:ext>
-            </a:extLst>
-          </a:blip>
-          <a:stretch>
-            <a:fillRect/>
-          </a:stretch>
-        </p:blipFill>
-        <p:spPr>
-          <a:xfrm>
-            <a:off x="1509712" y="881062"/>
-            <a:ext cx="9172575" cy="5095875"/>
-          </a:xfrm>
-          <a:prstGeom prst="rect">
-            <a:avLst/>
-          </a:prstGeom>
-        </p:spPr>
-      </p:pic>
-    </p:spTree>
-    <p:extLst>
-      <p:ext uri="{BB962C8B-B14F-4D97-AF65-F5344CB8AC3E}">
-        <p14:creationId xmlns:p14="http://schemas.microsoft.com/office/powerpoint/2010/main" val="95992585"/>
-      </p:ext>
-    </p:extLst>
-  </p:cSld>
-  <p:clrMapOvr>
-    <a:masterClrMapping/>
-  </p:clrMapOvr>
-</p:sld>
-</file>
-
-<file path=ppt/slides/slide15.xml><?xml version="1.0" encoding="utf-8"?>
-<p:sld xmlns:a="http://schemas.openxmlformats.org/drawingml/2006/main" xmlns:p="http://schemas.openxmlformats.org/presentationml/2006/main" xmlns:r="http://schemas.openxmlformats.org/officeDocument/2006/relationships">
-  <p:cSld>
-    <p:spTree>
-      <p:nvGrpSpPr>
-        <p:cNvPr id="1" name=""/>
-        <p:cNvGrpSpPr/>
-        <p:nvPr/>
-      </p:nvGrpSpPr>
-      <p:grpSpPr>
-        <a:xfrm>
-          <a:off x="0" y="0"/>
-          <a:ext cx="0" cy="0"/>
-          <a:chOff x="0" y="0"/>
-          <a:chExt cx="0" cy="0"/>
-        </a:xfrm>
-      </p:grpSpPr>
-      <p:pic>
-        <p:nvPicPr>
-          <p:cNvPr id="15" name="slide15">
-            <a:extLst>
-              <a:ext uri="{FF2B5EF4-FFF2-40B4-BE49-F238E27FC236}">
-                <a16:creationId xmlns:a16="http://schemas.microsoft.com/office/drawing/2014/main" id="{58CED9B5-DD4A-49FE-8A6F-B6D3D67996F9}"/>
-              </a:ext>
-            </a:extLst>
-          </p:cNvPr>
-          <p:cNvPicPr>
-            <a:picLocks noChangeAspect="1"/>
-          </p:cNvPicPr>
-          <p:nvPr/>
-        </p:nvPicPr>
-        <p:blipFill>
-          <a:blip r:embed="rId20">
-            <a:extLst>
-              <a:ext uri="{28A0092B-C50C-407E-A947-70E740481C1C}">
-                <a14:useLocalDpi xmlns:a14="http://schemas.microsoft.com/office/drawing/2010/main" val="0"/>
-              </a:ext>
-            </a:extLst>
-          </a:blip>
-          <a:stretch>
-            <a:fillRect/>
-          </a:stretch>
-        </p:blipFill>
-        <p:spPr>
-          <a:xfrm>
-            <a:off x="1509712" y="881062"/>
-            <a:ext cx="9172575" cy="5095875"/>
-          </a:xfrm>
-          <a:prstGeom prst="rect">
-            <a:avLst/>
-          </a:prstGeom>
-        </p:spPr>
-      </p:pic>
-    </p:spTree>
-    <p:extLst>
-      <p:ext uri="{BB962C8B-B14F-4D97-AF65-F5344CB8AC3E}">
-        <p14:creationId xmlns:p14="http://schemas.microsoft.com/office/powerpoint/2010/main" val="95992585"/>
-      </p:ext>
-    </p:extLst>
-  </p:cSld>
-  <p:clrMapOvr>
-    <a:masterClrMapping/>
-  </p:clrMapOvr>
-</p:sld>
-</file>
-
-<file path=ppt/slides/slide16.xml><?xml version="1.0" encoding="utf-8"?>
-<p:sld xmlns:a="http://schemas.openxmlformats.org/drawingml/2006/main" xmlns:p="http://schemas.openxmlformats.org/presentationml/2006/main" xmlns:r="http://schemas.openxmlformats.org/officeDocument/2006/relationships">
-  <p:cSld>
-    <p:spTree>
-      <p:nvGrpSpPr>
-        <p:cNvPr id="1" name=""/>
-        <p:cNvGrpSpPr/>
-        <p:nvPr/>
-      </p:nvGrpSpPr>
-      <p:grpSpPr>
-        <a:xfrm>
-          <a:off x="0" y="0"/>
-          <a:ext cx="0" cy="0"/>
-          <a:chOff x="0" y="0"/>
-          <a:chExt cx="0" cy="0"/>
-        </a:xfrm>
-      </p:grpSpPr>
-      <p:pic>
-        <p:nvPicPr>
-          <p:cNvPr id="16" name="slide16">
-            <a:extLst>
-              <a:ext uri="{FF2B5EF4-FFF2-40B4-BE49-F238E27FC236}">
-                <a16:creationId xmlns:a16="http://schemas.microsoft.com/office/drawing/2014/main" id="{B8DBAE12-2552-4ED6-9F49-D650AD9DB010}"/>
-              </a:ext>
-            </a:extLst>
-          </p:cNvPr>
-          <p:cNvPicPr>
-            <a:picLocks noChangeAspect="1"/>
-          </p:cNvPicPr>
-          <p:nvPr/>
-        </p:nvPicPr>
-        <p:blipFill>
-          <a:blip r:embed="rId21">
-            <a:extLst>
-              <a:ext uri="{28A0092B-C50C-407E-A947-70E740481C1C}">
-                <a14:useLocalDpi xmlns:a14="http://schemas.microsoft.com/office/drawing/2010/main" val="0"/>
-              </a:ext>
-            </a:extLst>
-          </a:blip>
-          <a:stretch>
-            <a:fillRect/>
-          </a:stretch>
-        </p:blipFill>
-        <p:spPr>
-          <a:xfrm>
-            <a:off x="1509712" y="881062"/>
-            <a:ext cx="9172575" cy="5095875"/>
-          </a:xfrm>
-          <a:prstGeom prst="rect">
-            <a:avLst/>
-          </a:prstGeom>
-        </p:spPr>
-      </p:pic>
-    </p:spTree>
-    <p:extLst>
-      <p:ext uri="{BB962C8B-B14F-4D97-AF65-F5344CB8AC3E}">
-        <p14:creationId xmlns:p14="http://schemas.microsoft.com/office/powerpoint/2010/main" val="95992585"/>
-      </p:ext>
-    </p:extLst>
-  </p:cSld>
-  <p:clrMapOvr>
-    <a:masterClrMapping/>
-  </p:clrMapOvr>
-</p:sld>
-</file>
-
-<file path=ppt/slides/slide17.xml><?xml version="1.0" encoding="utf-8"?>
-<p:sld xmlns:a="http://schemas.openxmlformats.org/drawingml/2006/main" xmlns:p="http://schemas.openxmlformats.org/presentationml/2006/main" xmlns:r="http://schemas.openxmlformats.org/officeDocument/2006/relationships">
-  <p:cSld>
-    <p:spTree>
-      <p:nvGrpSpPr>
-        <p:cNvPr id="1" name=""/>
-        <p:cNvGrpSpPr/>
-        <p:nvPr/>
-      </p:nvGrpSpPr>
-      <p:grpSpPr>
-        <a:xfrm>
-          <a:off x="0" y="0"/>
-          <a:ext cx="0" cy="0"/>
-          <a:chOff x="0" y="0"/>
-          <a:chExt cx="0" cy="0"/>
-        </a:xfrm>
-      </p:grpSpPr>
-      <p:pic>
-        <p:nvPicPr>
-          <p:cNvPr id="17" name="slide17">
-            <a:extLst>
-              <a:ext uri="{FF2B5EF4-FFF2-40B4-BE49-F238E27FC236}">
-                <a16:creationId xmlns:a16="http://schemas.microsoft.com/office/drawing/2014/main" id="{AE3AEE41-8371-4571-9DB4-0E7C6A5A2564}"/>
-              </a:ext>
-            </a:extLst>
-          </p:cNvPr>
-          <p:cNvPicPr>
-            <a:picLocks noChangeAspect="1"/>
-          </p:cNvPicPr>
-          <p:nvPr/>
-        </p:nvPicPr>
-        <p:blipFill>
-          <a:blip r:embed="rId22">
-            <a:extLst>
-              <a:ext uri="{28A0092B-C50C-407E-A947-70E740481C1C}">
-                <a14:useLocalDpi xmlns:a14="http://schemas.microsoft.com/office/drawing/2010/main" val="0"/>
-              </a:ext>
-            </a:extLst>
-          </a:blip>
-          <a:stretch>
-            <a:fillRect/>
-          </a:stretch>
-        </p:blipFill>
-        <p:spPr>
-          <a:xfrm>
-            <a:off x="1509712" y="881062"/>
-            <a:ext cx="9172575" cy="5095875"/>
-          </a:xfrm>
-          <a:prstGeom prst="rect">
-            <a:avLst/>
-          </a:prstGeom>
-        </p:spPr>
-      </p:pic>
-    </p:spTree>
-    <p:extLst>
-      <p:ext uri="{BB962C8B-B14F-4D97-AF65-F5344CB8AC3E}">
-        <p14:creationId xmlns:p14="http://schemas.microsoft.com/office/powerpoint/2010/main" val="95992585"/>
-      </p:ext>
-    </p:extLst>
-  </p:cSld>
-  <p:clrMapOvr>
-    <a:masterClrMapping/>
-  </p:clrMapOvr>
-</p:sld>
-</file>
-
-<file path=ppt/slides/slide18.xml><?xml version="1.0" encoding="utf-8"?>
-<p:sld xmlns:a="http://schemas.openxmlformats.org/drawingml/2006/main" xmlns:p="http://schemas.openxmlformats.org/presentationml/2006/main" xmlns:r="http://schemas.openxmlformats.org/officeDocument/2006/relationships">
-  <p:cSld>
-    <p:spTree>
-      <p:nvGrpSpPr>
-        <p:cNvPr id="1" name=""/>
-        <p:cNvGrpSpPr/>
-        <p:nvPr/>
-      </p:nvGrpSpPr>
-      <p:grpSpPr>
-        <a:xfrm>
-          <a:off x="0" y="0"/>
-          <a:ext cx="0" cy="0"/>
-          <a:chOff x="0" y="0"/>
-          <a:chExt cx="0" cy="0"/>
-        </a:xfrm>
-      </p:grpSpPr>
-      <p:pic>
-        <p:nvPicPr>
-          <p:cNvPr id="18" name="slide18">
-            <a:extLst>
-              <a:ext uri="{FF2B5EF4-FFF2-40B4-BE49-F238E27FC236}">
-                <a16:creationId xmlns:a16="http://schemas.microsoft.com/office/drawing/2014/main" id="{D4788E94-6CE2-4ED3-BD5E-447C0D662D28}"/>
-              </a:ext>
-            </a:extLst>
-          </p:cNvPr>
-          <p:cNvPicPr>
-            <a:picLocks noChangeAspect="1"/>
-          </p:cNvPicPr>
-          <p:nvPr/>
-        </p:nvPicPr>
-        <p:blipFill>
-          <a:blip r:embed="rId23">
-            <a:extLst>
-              <a:ext uri="{28A0092B-C50C-407E-A947-70E740481C1C}">
-                <a14:useLocalDpi xmlns:a14="http://schemas.microsoft.com/office/drawing/2010/main" val="0"/>
-              </a:ext>
-            </a:extLst>
-          </a:blip>
-          <a:stretch>
-            <a:fillRect/>
-          </a:stretch>
-        </p:blipFill>
-        <p:spPr>
-          <a:xfrm>
-            <a:off x="1509712" y="881062"/>
-            <a:ext cx="9172575" cy="5095875"/>
-          </a:xfrm>
-          <a:prstGeom prst="rect">
-            <a:avLst/>
-          </a:prstGeom>
-        </p:spPr>
-      </p:pic>
+              <a:t>File created on: 5/14/2019 8:24:32 PM</a:t>
+            </a:r>
+          </a:p>
+        </p:txBody>
+      </p:sp>
     </p:spTree>
     <p:extLst>
       <p:ext uri="{BB962C8B-B14F-4D97-AF65-F5344CB8AC3E}">
@@ -4023,7 +3415,7 @@
           <p:cNvPr id="2" name="slide2">
             <a:extLst>
               <a:ext uri="{FF2B5EF4-FFF2-40B4-BE49-F238E27FC236}">
-                <a16:creationId xmlns:a16="http://schemas.microsoft.com/office/drawing/2014/main" id="{5AF6DDB9-A976-4F51-9494-F34B83A1A034}"/>
+                <a16:creationId xmlns:a16="http://schemas.microsoft.com/office/drawing/2014/main" id="{A48D286B-AEAE-447D-AD9C-14571A6B8E75}"/>
               </a:ext>
             </a:extLst>
           </p:cNvPr>
@@ -4046,470 +3438,8 @@
         </p:blipFill>
         <p:spPr>
           <a:xfrm>
-            <a:off x="4556449" y="0"/>
-            <a:ext cx="3079102" cy="6858000"/>
-          </a:xfrm>
-          <a:prstGeom prst="rect">
-            <a:avLst/>
-          </a:prstGeom>
-        </p:spPr>
-      </p:pic>
-    </p:spTree>
-    <p:extLst>
-      <p:ext uri="{BB962C8B-B14F-4D97-AF65-F5344CB8AC3E}">
-        <p14:creationId xmlns:p14="http://schemas.microsoft.com/office/powerpoint/2010/main" val="95992585"/>
-      </p:ext>
-    </p:extLst>
-  </p:cSld>
-  <p:clrMapOvr>
-    <a:masterClrMapping/>
-  </p:clrMapOvr>
-</p:sld>
-</file>
-
-<file path=ppt/slides/slide3.xml><?xml version="1.0" encoding="utf-8"?>
-<p:sld xmlns:a="http://schemas.openxmlformats.org/drawingml/2006/main" xmlns:p="http://schemas.openxmlformats.org/presentationml/2006/main" xmlns:r="http://schemas.openxmlformats.org/officeDocument/2006/relationships">
-  <p:cSld>
-    <p:spTree>
-      <p:nvGrpSpPr>
-        <p:cNvPr id="1" name=""/>
-        <p:cNvGrpSpPr/>
-        <p:nvPr/>
-      </p:nvGrpSpPr>
-      <p:grpSpPr>
-        <a:xfrm>
-          <a:off x="0" y="0"/>
-          <a:ext cx="0" cy="0"/>
-          <a:chOff x="0" y="0"/>
-          <a:chExt cx="0" cy="0"/>
-        </a:xfrm>
-      </p:grpSpPr>
-      <p:pic>
-        <p:nvPicPr>
-          <p:cNvPr id="3" name="slide3">
-            <a:extLst>
-              <a:ext uri="{FF2B5EF4-FFF2-40B4-BE49-F238E27FC236}">
-                <a16:creationId xmlns:a16="http://schemas.microsoft.com/office/drawing/2014/main" id="{330BF7D1-3DDA-438E-90E6-13CDB6D7FB16}"/>
-              </a:ext>
-            </a:extLst>
-          </p:cNvPr>
-          <p:cNvPicPr>
-            <a:picLocks noChangeAspect="1"/>
-          </p:cNvPicPr>
-          <p:nvPr/>
-        </p:nvPicPr>
-        <p:blipFill>
-          <a:blip r:embed="rId8">
-            <a:extLst>
-              <a:ext uri="{28A0092B-C50C-407E-A947-70E740481C1C}">
-                <a14:useLocalDpi xmlns:a14="http://schemas.microsoft.com/office/drawing/2010/main" val="0"/>
-              </a:ext>
-            </a:extLst>
-          </a:blip>
-          <a:stretch>
-            <a:fillRect/>
-          </a:stretch>
-        </p:blipFill>
-        <p:spPr>
-          <a:xfrm>
-            <a:off x="2224087" y="638175"/>
-            <a:ext cx="7743825" cy="5581650"/>
-          </a:xfrm>
-          <a:prstGeom prst="rect">
-            <a:avLst/>
-          </a:prstGeom>
-        </p:spPr>
-      </p:pic>
-    </p:spTree>
-    <p:extLst>
-      <p:ext uri="{BB962C8B-B14F-4D97-AF65-F5344CB8AC3E}">
-        <p14:creationId xmlns:p14="http://schemas.microsoft.com/office/powerpoint/2010/main" val="95992585"/>
-      </p:ext>
-    </p:extLst>
-  </p:cSld>
-  <p:clrMapOvr>
-    <a:masterClrMapping/>
-  </p:clrMapOvr>
-</p:sld>
-</file>
-
-<file path=ppt/slides/slide4.xml><?xml version="1.0" encoding="utf-8"?>
-<p:sld xmlns:a="http://schemas.openxmlformats.org/drawingml/2006/main" xmlns:p="http://schemas.openxmlformats.org/presentationml/2006/main" xmlns:r="http://schemas.openxmlformats.org/officeDocument/2006/relationships">
-  <p:cSld>
-    <p:spTree>
-      <p:nvGrpSpPr>
-        <p:cNvPr id="1" name=""/>
-        <p:cNvGrpSpPr/>
-        <p:nvPr/>
-      </p:nvGrpSpPr>
-      <p:grpSpPr>
-        <a:xfrm>
-          <a:off x="0" y="0"/>
-          <a:ext cx="0" cy="0"/>
-          <a:chOff x="0" y="0"/>
-          <a:chExt cx="0" cy="0"/>
-        </a:xfrm>
-      </p:grpSpPr>
-      <p:pic>
-        <p:nvPicPr>
-          <p:cNvPr id="4" name="slide4">
-            <a:extLst>
-              <a:ext uri="{FF2B5EF4-FFF2-40B4-BE49-F238E27FC236}">
-                <a16:creationId xmlns:a16="http://schemas.microsoft.com/office/drawing/2014/main" id="{2B8E0D20-0DF7-4D07-A757-32C105082E03}"/>
-              </a:ext>
-            </a:extLst>
-          </p:cNvPr>
-          <p:cNvPicPr>
-            <a:picLocks noChangeAspect="1"/>
-          </p:cNvPicPr>
-          <p:nvPr/>
-        </p:nvPicPr>
-        <p:blipFill>
-          <a:blip r:embed="rId9">
-            <a:extLst>
-              <a:ext uri="{28A0092B-C50C-407E-A947-70E740481C1C}">
-                <a14:useLocalDpi xmlns:a14="http://schemas.microsoft.com/office/drawing/2010/main" val="0"/>
-              </a:ext>
-            </a:extLst>
-          </a:blip>
-          <a:stretch>
-            <a:fillRect/>
-          </a:stretch>
-        </p:blipFill>
-        <p:spPr>
-          <a:xfrm>
-            <a:off x="2276475" y="719137"/>
-            <a:ext cx="7639050" cy="5419725"/>
-          </a:xfrm>
-          <a:prstGeom prst="rect">
-            <a:avLst/>
-          </a:prstGeom>
-        </p:spPr>
-      </p:pic>
-    </p:spTree>
-    <p:extLst>
-      <p:ext uri="{BB962C8B-B14F-4D97-AF65-F5344CB8AC3E}">
-        <p14:creationId xmlns:p14="http://schemas.microsoft.com/office/powerpoint/2010/main" val="95992585"/>
-      </p:ext>
-    </p:extLst>
-  </p:cSld>
-  <p:clrMapOvr>
-    <a:masterClrMapping/>
-  </p:clrMapOvr>
-</p:sld>
-</file>
-
-<file path=ppt/slides/slide5.xml><?xml version="1.0" encoding="utf-8"?>
-<p:sld xmlns:a="http://schemas.openxmlformats.org/drawingml/2006/main" xmlns:p="http://schemas.openxmlformats.org/presentationml/2006/main" xmlns:r="http://schemas.openxmlformats.org/officeDocument/2006/relationships">
-  <p:cSld>
-    <p:spTree>
-      <p:nvGrpSpPr>
-        <p:cNvPr id="1" name=""/>
-        <p:cNvGrpSpPr/>
-        <p:nvPr/>
-      </p:nvGrpSpPr>
-      <p:grpSpPr>
-        <a:xfrm>
-          <a:off x="0" y="0"/>
-          <a:ext cx="0" cy="0"/>
-          <a:chOff x="0" y="0"/>
-          <a:chExt cx="0" cy="0"/>
-        </a:xfrm>
-      </p:grpSpPr>
-      <p:pic>
-        <p:nvPicPr>
-          <p:cNvPr id="5" name="slide5">
-            <a:extLst>
-              <a:ext uri="{FF2B5EF4-FFF2-40B4-BE49-F238E27FC236}">
-                <a16:creationId xmlns:a16="http://schemas.microsoft.com/office/drawing/2014/main" id="{6FBAEC90-2997-4A7D-935D-5836C6CC35CB}"/>
-              </a:ext>
-            </a:extLst>
-          </p:cNvPr>
-          <p:cNvPicPr>
-            <a:picLocks noChangeAspect="1"/>
-          </p:cNvPicPr>
-          <p:nvPr/>
-        </p:nvPicPr>
-        <p:blipFill>
-          <a:blip r:embed="rId10">
-            <a:extLst>
-              <a:ext uri="{28A0092B-C50C-407E-A947-70E740481C1C}">
-                <a14:useLocalDpi xmlns:a14="http://schemas.microsoft.com/office/drawing/2010/main" val="0"/>
-              </a:ext>
-            </a:extLst>
-          </a:blip>
-          <a:stretch>
-            <a:fillRect/>
-          </a:stretch>
-        </p:blipFill>
-        <p:spPr>
-          <a:xfrm>
-            <a:off x="1509712" y="800100"/>
-            <a:ext cx="9172575" cy="5257800"/>
-          </a:xfrm>
-          <a:prstGeom prst="rect">
-            <a:avLst/>
-          </a:prstGeom>
-        </p:spPr>
-      </p:pic>
-    </p:spTree>
-    <p:extLst>
-      <p:ext uri="{BB962C8B-B14F-4D97-AF65-F5344CB8AC3E}">
-        <p14:creationId xmlns:p14="http://schemas.microsoft.com/office/powerpoint/2010/main" val="95992585"/>
-      </p:ext>
-    </p:extLst>
-  </p:cSld>
-  <p:clrMapOvr>
-    <a:masterClrMapping/>
-  </p:clrMapOvr>
-</p:sld>
-</file>
-
-<file path=ppt/slides/slide6.xml><?xml version="1.0" encoding="utf-8"?>
-<p:sld xmlns:a="http://schemas.openxmlformats.org/drawingml/2006/main" xmlns:p="http://schemas.openxmlformats.org/presentationml/2006/main" xmlns:r="http://schemas.openxmlformats.org/officeDocument/2006/relationships">
-  <p:cSld>
-    <p:spTree>
-      <p:nvGrpSpPr>
-        <p:cNvPr id="1" name=""/>
-        <p:cNvGrpSpPr/>
-        <p:nvPr/>
-      </p:nvGrpSpPr>
-      <p:grpSpPr>
-        <a:xfrm>
-          <a:off x="0" y="0"/>
-          <a:ext cx="0" cy="0"/>
-          <a:chOff x="0" y="0"/>
-          <a:chExt cx="0" cy="0"/>
-        </a:xfrm>
-      </p:grpSpPr>
-      <p:pic>
-        <p:nvPicPr>
-          <p:cNvPr id="6" name="slide6">
-            <a:extLst>
-              <a:ext uri="{FF2B5EF4-FFF2-40B4-BE49-F238E27FC236}">
-                <a16:creationId xmlns:a16="http://schemas.microsoft.com/office/drawing/2014/main" id="{F1609BAD-C35F-4AA5-8323-F43BC8A03E24}"/>
-              </a:ext>
-            </a:extLst>
-          </p:cNvPr>
-          <p:cNvPicPr>
-            <a:picLocks noChangeAspect="1"/>
-          </p:cNvPicPr>
-          <p:nvPr/>
-        </p:nvPicPr>
-        <p:blipFill>
-          <a:blip r:embed="rId11">
-            <a:extLst>
-              <a:ext uri="{28A0092B-C50C-407E-A947-70E740481C1C}">
-                <a14:useLocalDpi xmlns:a14="http://schemas.microsoft.com/office/drawing/2010/main" val="0"/>
-              </a:ext>
-            </a:extLst>
-          </a:blip>
-          <a:stretch>
-            <a:fillRect/>
-          </a:stretch>
-        </p:blipFill>
-        <p:spPr>
-          <a:xfrm>
-            <a:off x="1509712" y="881062"/>
-            <a:ext cx="9172575" cy="5095875"/>
-          </a:xfrm>
-          <a:prstGeom prst="rect">
-            <a:avLst/>
-          </a:prstGeom>
-        </p:spPr>
-      </p:pic>
-    </p:spTree>
-    <p:extLst>
-      <p:ext uri="{BB962C8B-B14F-4D97-AF65-F5344CB8AC3E}">
-        <p14:creationId xmlns:p14="http://schemas.microsoft.com/office/powerpoint/2010/main" val="95992585"/>
-      </p:ext>
-    </p:extLst>
-  </p:cSld>
-  <p:clrMapOvr>
-    <a:masterClrMapping/>
-  </p:clrMapOvr>
-</p:sld>
-</file>
-
-<file path=ppt/slides/slide7.xml><?xml version="1.0" encoding="utf-8"?>
-<p:sld xmlns:a="http://schemas.openxmlformats.org/drawingml/2006/main" xmlns:p="http://schemas.openxmlformats.org/presentationml/2006/main" xmlns:r="http://schemas.openxmlformats.org/officeDocument/2006/relationships">
-  <p:cSld>
-    <p:spTree>
-      <p:nvGrpSpPr>
-        <p:cNvPr id="1" name=""/>
-        <p:cNvGrpSpPr/>
-        <p:nvPr/>
-      </p:nvGrpSpPr>
-      <p:grpSpPr>
-        <a:xfrm>
-          <a:off x="0" y="0"/>
-          <a:ext cx="0" cy="0"/>
-          <a:chOff x="0" y="0"/>
-          <a:chExt cx="0" cy="0"/>
-        </a:xfrm>
-      </p:grpSpPr>
-      <p:pic>
-        <p:nvPicPr>
-          <p:cNvPr id="7" name="slide7">
-            <a:extLst>
-              <a:ext uri="{FF2B5EF4-FFF2-40B4-BE49-F238E27FC236}">
-                <a16:creationId xmlns:a16="http://schemas.microsoft.com/office/drawing/2014/main" id="{712153A6-BC3A-4203-AFEE-1EC0365A9D8B}"/>
-              </a:ext>
-            </a:extLst>
-          </p:cNvPr>
-          <p:cNvPicPr>
-            <a:picLocks noChangeAspect="1"/>
-          </p:cNvPicPr>
-          <p:nvPr/>
-        </p:nvPicPr>
-        <p:blipFill>
-          <a:blip r:embed="rId12">
-            <a:extLst>
-              <a:ext uri="{28A0092B-C50C-407E-A947-70E740481C1C}">
-                <a14:useLocalDpi xmlns:a14="http://schemas.microsoft.com/office/drawing/2010/main" val="0"/>
-              </a:ext>
-            </a:extLst>
-          </a:blip>
-          <a:stretch>
-            <a:fillRect/>
-          </a:stretch>
-        </p:blipFill>
-        <p:spPr>
-          <a:xfrm>
-            <a:off x="1509712" y="881062"/>
-            <a:ext cx="9172575" cy="5095875"/>
-          </a:xfrm>
-          <a:prstGeom prst="rect">
-            <a:avLst/>
-          </a:prstGeom>
-        </p:spPr>
-      </p:pic>
-    </p:spTree>
-    <p:extLst>
-      <p:ext uri="{BB962C8B-B14F-4D97-AF65-F5344CB8AC3E}">
-        <p14:creationId xmlns:p14="http://schemas.microsoft.com/office/powerpoint/2010/main" val="95992585"/>
-      </p:ext>
-    </p:extLst>
-  </p:cSld>
-  <p:clrMapOvr>
-    <a:masterClrMapping/>
-  </p:clrMapOvr>
-</p:sld>
-</file>
-
-<file path=ppt/slides/slide8.xml><?xml version="1.0" encoding="utf-8"?>
-<p:sld xmlns:a="http://schemas.openxmlformats.org/drawingml/2006/main" xmlns:p="http://schemas.openxmlformats.org/presentationml/2006/main" xmlns:r="http://schemas.openxmlformats.org/officeDocument/2006/relationships">
-  <p:cSld>
-    <p:spTree>
-      <p:nvGrpSpPr>
-        <p:cNvPr id="1" name=""/>
-        <p:cNvGrpSpPr/>
-        <p:nvPr/>
-      </p:nvGrpSpPr>
-      <p:grpSpPr>
-        <a:xfrm>
-          <a:off x="0" y="0"/>
-          <a:ext cx="0" cy="0"/>
-          <a:chOff x="0" y="0"/>
-          <a:chExt cx="0" cy="0"/>
-        </a:xfrm>
-      </p:grpSpPr>
-      <p:pic>
-        <p:nvPicPr>
-          <p:cNvPr id="8" name="slide8">
-            <a:extLst>
-              <a:ext uri="{FF2B5EF4-FFF2-40B4-BE49-F238E27FC236}">
-                <a16:creationId xmlns:a16="http://schemas.microsoft.com/office/drawing/2014/main" id="{6418AED5-49A9-4294-B9E1-BCF032AABFFC}"/>
-              </a:ext>
-            </a:extLst>
-          </p:cNvPr>
-          <p:cNvPicPr>
-            <a:picLocks noChangeAspect="1"/>
-          </p:cNvPicPr>
-          <p:nvPr/>
-        </p:nvPicPr>
-        <p:blipFill>
-          <a:blip r:embed="rId13">
-            <a:extLst>
-              <a:ext uri="{28A0092B-C50C-407E-A947-70E740481C1C}">
-                <a14:useLocalDpi xmlns:a14="http://schemas.microsoft.com/office/drawing/2010/main" val="0"/>
-              </a:ext>
-            </a:extLst>
-          </a:blip>
-          <a:stretch>
-            <a:fillRect/>
-          </a:stretch>
-        </p:blipFill>
-        <p:spPr>
-          <a:xfrm>
-            <a:off x="1509712" y="881062"/>
-            <a:ext cx="9172575" cy="5095875"/>
-          </a:xfrm>
-          <a:prstGeom prst="rect">
-            <a:avLst/>
-          </a:prstGeom>
-        </p:spPr>
-      </p:pic>
-    </p:spTree>
-    <p:extLst>
-      <p:ext uri="{BB962C8B-B14F-4D97-AF65-F5344CB8AC3E}">
-        <p14:creationId xmlns:p14="http://schemas.microsoft.com/office/powerpoint/2010/main" val="95992585"/>
-      </p:ext>
-    </p:extLst>
-  </p:cSld>
-  <p:clrMapOvr>
-    <a:masterClrMapping/>
-  </p:clrMapOvr>
-</p:sld>
-</file>
-
-<file path=ppt/slides/slide9.xml><?xml version="1.0" encoding="utf-8"?>
-<p:sld xmlns:a="http://schemas.openxmlformats.org/drawingml/2006/main" xmlns:p="http://schemas.openxmlformats.org/presentationml/2006/main" xmlns:r="http://schemas.openxmlformats.org/officeDocument/2006/relationships">
-  <p:cSld>
-    <p:spTree>
-      <p:nvGrpSpPr>
-        <p:cNvPr id="1" name=""/>
-        <p:cNvGrpSpPr/>
-        <p:nvPr/>
-      </p:nvGrpSpPr>
-      <p:grpSpPr>
-        <a:xfrm>
-          <a:off x="0" y="0"/>
-          <a:ext cx="0" cy="0"/>
-          <a:chOff x="0" y="0"/>
-          <a:chExt cx="0" cy="0"/>
-        </a:xfrm>
-      </p:grpSpPr>
-      <p:pic>
-        <p:nvPicPr>
-          <p:cNvPr id="9" name="slide9">
-            <a:extLst>
-              <a:ext uri="{FF2B5EF4-FFF2-40B4-BE49-F238E27FC236}">
-                <a16:creationId xmlns:a16="http://schemas.microsoft.com/office/drawing/2014/main" id="{4B601560-7C69-4DD9-A34C-90CA07F7FF0B}"/>
-              </a:ext>
-            </a:extLst>
-          </p:cNvPr>
-          <p:cNvPicPr>
-            <a:picLocks noChangeAspect="1"/>
-          </p:cNvPicPr>
-          <p:nvPr/>
-        </p:nvPicPr>
-        <p:blipFill>
-          <a:blip r:embed="rId14">
-            <a:extLst>
-              <a:ext uri="{28A0092B-C50C-407E-A947-70E740481C1C}">
-                <a14:useLocalDpi xmlns:a14="http://schemas.microsoft.com/office/drawing/2010/main" val="0"/>
-              </a:ext>
-            </a:extLst>
-          </a:blip>
-          <a:stretch>
-            <a:fillRect/>
-          </a:stretch>
-        </p:blipFill>
-        <p:spPr>
-          <a:xfrm>
-            <a:off x="1509712" y="881062"/>
-            <a:ext cx="9172575" cy="5095875"/>
+            <a:off x="3724275" y="852487"/>
+            <a:ext cx="4743450" cy="5153025"/>
           </a:xfrm>
           <a:prstGeom prst="rect">
             <a:avLst/>

--- a/Cammi's work/final graphs.pptx
+++ b/Cammi's work/final graphs.pptx
@@ -7,6 +7,31 @@
   <p:sldIdLst>
     <p:sldId id="256" r:id="rId6"/>
     <p:sldId id="257" r:id="rId7"/>
+    <p:sldId id="258" r:id="rId8"/>
+    <p:sldId id="259" r:id="rId9"/>
+    <p:sldId id="260" r:id="rId10"/>
+    <p:sldId id="261" r:id="rId11"/>
+    <p:sldId id="262" r:id="rId12"/>
+    <p:sldId id="263" r:id="rId13"/>
+    <p:sldId id="264" r:id="rId14"/>
+    <p:sldId id="265" r:id="rId15"/>
+    <p:sldId id="266" r:id="rId16"/>
+    <p:sldId id="267" r:id="rId17"/>
+    <p:sldId id="268" r:id="rId18"/>
+    <p:sldId id="269" r:id="rId19"/>
+    <p:sldId id="270" r:id="rId20"/>
+    <p:sldId id="271" r:id="rId21"/>
+    <p:sldId id="272" r:id="rId22"/>
+    <p:sldId id="273" r:id="rId23"/>
+    <p:sldId id="274" r:id="rId24"/>
+    <p:sldId id="275" r:id="rId25"/>
+    <p:sldId id="276" r:id="rId26"/>
+    <p:sldId id="277" r:id="rId27"/>
+    <p:sldId id="278" r:id="rId28"/>
+    <p:sldId id="279" r:id="rId29"/>
+    <p:sldId id="280" r:id="rId30"/>
+    <p:sldId id="281" r:id="rId31"/>
+    <p:sldId id="282" r:id="rId32"/>
   </p:sldIdLst>
   <p:sldSz cx="12192000" cy="6858000"/>
   <p:notesSz cx="6858000" cy="9144000"/>
@@ -3327,7 +3352,7 @@
           <p:cNvPr id="0" name="slide1">
             <a:extLst>
               <a:ext uri="{FF2B5EF4-FFF2-40B4-BE49-F238E27FC236}">
-                <a16:creationId xmlns:a16="http://schemas.microsoft.com/office/drawing/2014/main" id="{977609B8-EC21-4CB8-A9D3-D682A50F0461}"/>
+                <a16:creationId xmlns:a16="http://schemas.microsoft.com/office/drawing/2014/main" id="{EA6F9FDA-0B3B-41CE-8928-B844021B05E5}"/>
               </a:ext>
             </a:extLst>
           </p:cNvPr>
@@ -3344,9 +3369,7 @@
           <a:lstStyle/>
           <a:p>
             <a:r>
-              <a:rPr dirty="0" lang="en-us">
-                <a:hlinkClick r:id="rId6"/>
-              </a:rPr>
+              <a:rPr/>
               <a:t>Final Graphs</a:t>
             </a:r>
           </a:p>
@@ -3357,7 +3380,7 @@
           <p:cNvPr id="1" name="slide1">
             <a:extLst>
               <a:ext uri="{FF2B5EF4-FFF2-40B4-BE49-F238E27FC236}">
-                <a16:creationId xmlns:a16="http://schemas.microsoft.com/office/drawing/2014/main" id="{344C935D-8AC1-4C06-AFD9-5A60B37B2306}"/>
+                <a16:creationId xmlns:a16="http://schemas.microsoft.com/office/drawing/2014/main" id="{4A49FD66-5EF4-48EA-A3CE-6FD3ABF258DD}"/>
               </a:ext>
             </a:extLst>
           </p:cNvPr>
@@ -3375,11 +3398,671 @@
           <a:p>
             <a:r>
               <a:rPr/>
-              <a:t>File created on: 5/14/2019 8:24:32 PM</a:t>
-            </a:r>
-          </a:p>
-        </p:txBody>
-      </p:sp>
+              <a:t>File created on: 5/14/2019 9:39:03 PM</a:t>
+            </a:r>
+          </a:p>
+        </p:txBody>
+      </p:sp>
+    </p:spTree>
+    <p:extLst>
+      <p:ext uri="{BB962C8B-B14F-4D97-AF65-F5344CB8AC3E}">
+        <p14:creationId xmlns:p14="http://schemas.microsoft.com/office/powerpoint/2010/main" val="95992585"/>
+      </p:ext>
+    </p:extLst>
+  </p:cSld>
+  <p:clrMapOvr>
+    <a:masterClrMapping/>
+  </p:clrMapOvr>
+</p:sld>
+</file>
+
+<file path=ppt/slides/slide10.xml><?xml version="1.0" encoding="utf-8"?>
+<p:sld xmlns:a="http://schemas.openxmlformats.org/drawingml/2006/main" xmlns:p="http://schemas.openxmlformats.org/presentationml/2006/main" xmlns:r="http://schemas.openxmlformats.org/officeDocument/2006/relationships">
+  <p:cSld>
+    <p:spTree>
+      <p:nvGrpSpPr>
+        <p:cNvPr id="1" name=""/>
+        <p:cNvGrpSpPr/>
+        <p:nvPr/>
+      </p:nvGrpSpPr>
+      <p:grpSpPr>
+        <a:xfrm>
+          <a:off x="0" y="0"/>
+          <a:ext cx="0" cy="0"/>
+          <a:chOff x="0" y="0"/>
+          <a:chExt cx="0" cy="0"/>
+        </a:xfrm>
+      </p:grpSpPr>
+      <p:pic>
+        <p:nvPicPr>
+          <p:cNvPr id="10" name="slide10">
+            <a:extLst>
+              <a:ext uri="{FF2B5EF4-FFF2-40B4-BE49-F238E27FC236}">
+                <a16:creationId xmlns:a16="http://schemas.microsoft.com/office/drawing/2014/main" id="{20FCD5B0-2571-4CEC-819E-A30185DEBB1F}"/>
+              </a:ext>
+            </a:extLst>
+          </p:cNvPr>
+          <p:cNvPicPr>
+            <a:picLocks noChangeAspect="1"/>
+          </p:cNvPicPr>
+          <p:nvPr/>
+        </p:nvPicPr>
+        <p:blipFill>
+          <a:blip r:embed="rId15">
+            <a:extLst>
+              <a:ext uri="{28A0092B-C50C-407E-A947-70E740481C1C}">
+                <a14:useLocalDpi xmlns:a14="http://schemas.microsoft.com/office/drawing/2010/main" val="0"/>
+              </a:ext>
+            </a:extLst>
+          </a:blip>
+          <a:stretch>
+            <a:fillRect/>
+          </a:stretch>
+        </p:blipFill>
+        <p:spPr>
+          <a:xfrm>
+            <a:off x="5324475" y="2043112"/>
+            <a:ext cx="1543050" cy="2771775"/>
+          </a:xfrm>
+          <a:prstGeom prst="rect">
+            <a:avLst/>
+          </a:prstGeom>
+        </p:spPr>
+      </p:pic>
+    </p:spTree>
+    <p:extLst>
+      <p:ext uri="{BB962C8B-B14F-4D97-AF65-F5344CB8AC3E}">
+        <p14:creationId xmlns:p14="http://schemas.microsoft.com/office/powerpoint/2010/main" val="95992585"/>
+      </p:ext>
+    </p:extLst>
+  </p:cSld>
+  <p:clrMapOvr>
+    <a:masterClrMapping/>
+  </p:clrMapOvr>
+</p:sld>
+</file>
+
+<file path=ppt/slides/slide11.xml><?xml version="1.0" encoding="utf-8"?>
+<p:sld xmlns:a="http://schemas.openxmlformats.org/drawingml/2006/main" xmlns:p="http://schemas.openxmlformats.org/presentationml/2006/main" xmlns:r="http://schemas.openxmlformats.org/officeDocument/2006/relationships">
+  <p:cSld>
+    <p:spTree>
+      <p:nvGrpSpPr>
+        <p:cNvPr id="1" name=""/>
+        <p:cNvGrpSpPr/>
+        <p:nvPr/>
+      </p:nvGrpSpPr>
+      <p:grpSpPr>
+        <a:xfrm>
+          <a:off x="0" y="0"/>
+          <a:ext cx="0" cy="0"/>
+          <a:chOff x="0" y="0"/>
+          <a:chExt cx="0" cy="0"/>
+        </a:xfrm>
+      </p:grpSpPr>
+      <p:pic>
+        <p:nvPicPr>
+          <p:cNvPr id="11" name="slide11">
+            <a:extLst>
+              <a:ext uri="{FF2B5EF4-FFF2-40B4-BE49-F238E27FC236}">
+                <a16:creationId xmlns:a16="http://schemas.microsoft.com/office/drawing/2014/main" id="{A96B079D-2E19-4D9D-A55A-1A4A04CDC0E7}"/>
+              </a:ext>
+            </a:extLst>
+          </p:cNvPr>
+          <p:cNvPicPr>
+            <a:picLocks noChangeAspect="1"/>
+          </p:cNvPicPr>
+          <p:nvPr/>
+        </p:nvPicPr>
+        <p:blipFill>
+          <a:blip r:embed="rId16">
+            <a:extLst>
+              <a:ext uri="{28A0092B-C50C-407E-A947-70E740481C1C}">
+                <a14:useLocalDpi xmlns:a14="http://schemas.microsoft.com/office/drawing/2010/main" val="0"/>
+              </a:ext>
+            </a:extLst>
+          </a:blip>
+          <a:stretch>
+            <a:fillRect/>
+          </a:stretch>
+        </p:blipFill>
+        <p:spPr>
+          <a:xfrm>
+            <a:off x="5324475" y="2043112"/>
+            <a:ext cx="1543050" cy="2771775"/>
+          </a:xfrm>
+          <a:prstGeom prst="rect">
+            <a:avLst/>
+          </a:prstGeom>
+        </p:spPr>
+      </p:pic>
+    </p:spTree>
+    <p:extLst>
+      <p:ext uri="{BB962C8B-B14F-4D97-AF65-F5344CB8AC3E}">
+        <p14:creationId xmlns:p14="http://schemas.microsoft.com/office/powerpoint/2010/main" val="95992585"/>
+      </p:ext>
+    </p:extLst>
+  </p:cSld>
+  <p:clrMapOvr>
+    <a:masterClrMapping/>
+  </p:clrMapOvr>
+</p:sld>
+</file>
+
+<file path=ppt/slides/slide12.xml><?xml version="1.0" encoding="utf-8"?>
+<p:sld xmlns:a="http://schemas.openxmlformats.org/drawingml/2006/main" xmlns:p="http://schemas.openxmlformats.org/presentationml/2006/main" xmlns:r="http://schemas.openxmlformats.org/officeDocument/2006/relationships">
+  <p:cSld>
+    <p:spTree>
+      <p:nvGrpSpPr>
+        <p:cNvPr id="1" name=""/>
+        <p:cNvGrpSpPr/>
+        <p:nvPr/>
+      </p:nvGrpSpPr>
+      <p:grpSpPr>
+        <a:xfrm>
+          <a:off x="0" y="0"/>
+          <a:ext cx="0" cy="0"/>
+          <a:chOff x="0" y="0"/>
+          <a:chExt cx="0" cy="0"/>
+        </a:xfrm>
+      </p:grpSpPr>
+      <p:pic>
+        <p:nvPicPr>
+          <p:cNvPr id="12" name="slide12">
+            <a:extLst>
+              <a:ext uri="{FF2B5EF4-FFF2-40B4-BE49-F238E27FC236}">
+                <a16:creationId xmlns:a16="http://schemas.microsoft.com/office/drawing/2014/main" id="{2238B4AA-65F7-4234-AE5C-FDCA9AA1E471}"/>
+              </a:ext>
+            </a:extLst>
+          </p:cNvPr>
+          <p:cNvPicPr>
+            <a:picLocks noChangeAspect="1"/>
+          </p:cNvPicPr>
+          <p:nvPr/>
+        </p:nvPicPr>
+        <p:blipFill>
+          <a:blip r:embed="rId17">
+            <a:extLst>
+              <a:ext uri="{28A0092B-C50C-407E-A947-70E740481C1C}">
+                <a14:useLocalDpi xmlns:a14="http://schemas.microsoft.com/office/drawing/2010/main" val="0"/>
+              </a:ext>
+            </a:extLst>
+          </a:blip>
+          <a:stretch>
+            <a:fillRect/>
+          </a:stretch>
+        </p:blipFill>
+        <p:spPr>
+          <a:xfrm>
+            <a:off x="2224087" y="666750"/>
+            <a:ext cx="7743825" cy="5524500"/>
+          </a:xfrm>
+          <a:prstGeom prst="rect">
+            <a:avLst/>
+          </a:prstGeom>
+        </p:spPr>
+      </p:pic>
+    </p:spTree>
+    <p:extLst>
+      <p:ext uri="{BB962C8B-B14F-4D97-AF65-F5344CB8AC3E}">
+        <p14:creationId xmlns:p14="http://schemas.microsoft.com/office/powerpoint/2010/main" val="95992585"/>
+      </p:ext>
+    </p:extLst>
+  </p:cSld>
+  <p:clrMapOvr>
+    <a:masterClrMapping/>
+  </p:clrMapOvr>
+</p:sld>
+</file>
+
+<file path=ppt/slides/slide13.xml><?xml version="1.0" encoding="utf-8"?>
+<p:sld xmlns:a="http://schemas.openxmlformats.org/drawingml/2006/main" xmlns:p="http://schemas.openxmlformats.org/presentationml/2006/main" xmlns:r="http://schemas.openxmlformats.org/officeDocument/2006/relationships">
+  <p:cSld>
+    <p:spTree>
+      <p:nvGrpSpPr>
+        <p:cNvPr id="1" name=""/>
+        <p:cNvGrpSpPr/>
+        <p:nvPr/>
+      </p:nvGrpSpPr>
+      <p:grpSpPr>
+        <a:xfrm>
+          <a:off x="0" y="0"/>
+          <a:ext cx="0" cy="0"/>
+          <a:chOff x="0" y="0"/>
+          <a:chExt cx="0" cy="0"/>
+        </a:xfrm>
+      </p:grpSpPr>
+      <p:pic>
+        <p:nvPicPr>
+          <p:cNvPr id="13" name="slide13">
+            <a:extLst>
+              <a:ext uri="{FF2B5EF4-FFF2-40B4-BE49-F238E27FC236}">
+                <a16:creationId xmlns:a16="http://schemas.microsoft.com/office/drawing/2014/main" id="{6A4239A3-A544-475D-AA2B-A29C1BD18624}"/>
+              </a:ext>
+            </a:extLst>
+          </p:cNvPr>
+          <p:cNvPicPr>
+            <a:picLocks noChangeAspect="1"/>
+          </p:cNvPicPr>
+          <p:nvPr/>
+        </p:nvPicPr>
+        <p:blipFill>
+          <a:blip r:embed="rId18">
+            <a:extLst>
+              <a:ext uri="{28A0092B-C50C-407E-A947-70E740481C1C}">
+                <a14:useLocalDpi xmlns:a14="http://schemas.microsoft.com/office/drawing/2010/main" val="0"/>
+              </a:ext>
+            </a:extLst>
+          </a:blip>
+          <a:stretch>
+            <a:fillRect/>
+          </a:stretch>
+        </p:blipFill>
+        <p:spPr>
+          <a:xfrm>
+            <a:off x="2276475" y="666750"/>
+            <a:ext cx="7639050" cy="5524500"/>
+          </a:xfrm>
+          <a:prstGeom prst="rect">
+            <a:avLst/>
+          </a:prstGeom>
+        </p:spPr>
+      </p:pic>
+    </p:spTree>
+    <p:extLst>
+      <p:ext uri="{BB962C8B-B14F-4D97-AF65-F5344CB8AC3E}">
+        <p14:creationId xmlns:p14="http://schemas.microsoft.com/office/powerpoint/2010/main" val="95992585"/>
+      </p:ext>
+    </p:extLst>
+  </p:cSld>
+  <p:clrMapOvr>
+    <a:masterClrMapping/>
+  </p:clrMapOvr>
+</p:sld>
+</file>
+
+<file path=ppt/slides/slide14.xml><?xml version="1.0" encoding="utf-8"?>
+<p:sld xmlns:a="http://schemas.openxmlformats.org/drawingml/2006/main" xmlns:p="http://schemas.openxmlformats.org/presentationml/2006/main" xmlns:r="http://schemas.openxmlformats.org/officeDocument/2006/relationships">
+  <p:cSld>
+    <p:spTree>
+      <p:nvGrpSpPr>
+        <p:cNvPr id="1" name=""/>
+        <p:cNvGrpSpPr/>
+        <p:nvPr/>
+      </p:nvGrpSpPr>
+      <p:grpSpPr>
+        <a:xfrm>
+          <a:off x="0" y="0"/>
+          <a:ext cx="0" cy="0"/>
+          <a:chOff x="0" y="0"/>
+          <a:chExt cx="0" cy="0"/>
+        </a:xfrm>
+      </p:grpSpPr>
+      <p:pic>
+        <p:nvPicPr>
+          <p:cNvPr id="14" name="slide14">
+            <a:extLst>
+              <a:ext uri="{FF2B5EF4-FFF2-40B4-BE49-F238E27FC236}">
+                <a16:creationId xmlns:a16="http://schemas.microsoft.com/office/drawing/2014/main" id="{66748A26-B0D4-4F93-989E-E3EBCDD37C12}"/>
+              </a:ext>
+            </a:extLst>
+          </p:cNvPr>
+          <p:cNvPicPr>
+            <a:picLocks noChangeAspect="1"/>
+          </p:cNvPicPr>
+          <p:nvPr/>
+        </p:nvPicPr>
+        <p:blipFill>
+          <a:blip r:embed="rId19">
+            <a:extLst>
+              <a:ext uri="{28A0092B-C50C-407E-A947-70E740481C1C}">
+                <a14:useLocalDpi xmlns:a14="http://schemas.microsoft.com/office/drawing/2010/main" val="0"/>
+              </a:ext>
+            </a:extLst>
+          </a:blip>
+          <a:stretch>
+            <a:fillRect/>
+          </a:stretch>
+        </p:blipFill>
+        <p:spPr>
+          <a:xfrm>
+            <a:off x="1509712" y="747712"/>
+            <a:ext cx="9172575" cy="5362575"/>
+          </a:xfrm>
+          <a:prstGeom prst="rect">
+            <a:avLst/>
+          </a:prstGeom>
+        </p:spPr>
+      </p:pic>
+    </p:spTree>
+    <p:extLst>
+      <p:ext uri="{BB962C8B-B14F-4D97-AF65-F5344CB8AC3E}">
+        <p14:creationId xmlns:p14="http://schemas.microsoft.com/office/powerpoint/2010/main" val="95992585"/>
+      </p:ext>
+    </p:extLst>
+  </p:cSld>
+  <p:clrMapOvr>
+    <a:masterClrMapping/>
+  </p:clrMapOvr>
+</p:sld>
+</file>
+
+<file path=ppt/slides/slide15.xml><?xml version="1.0" encoding="utf-8"?>
+<p:sld xmlns:a="http://schemas.openxmlformats.org/drawingml/2006/main" xmlns:p="http://schemas.openxmlformats.org/presentationml/2006/main" xmlns:r="http://schemas.openxmlformats.org/officeDocument/2006/relationships">
+  <p:cSld>
+    <p:spTree>
+      <p:nvGrpSpPr>
+        <p:cNvPr id="1" name=""/>
+        <p:cNvGrpSpPr/>
+        <p:nvPr/>
+      </p:nvGrpSpPr>
+      <p:grpSpPr>
+        <a:xfrm>
+          <a:off x="0" y="0"/>
+          <a:ext cx="0" cy="0"/>
+          <a:chOff x="0" y="0"/>
+          <a:chExt cx="0" cy="0"/>
+        </a:xfrm>
+      </p:grpSpPr>
+      <p:pic>
+        <p:nvPicPr>
+          <p:cNvPr id="15" name="slide15">
+            <a:extLst>
+              <a:ext uri="{FF2B5EF4-FFF2-40B4-BE49-F238E27FC236}">
+                <a16:creationId xmlns:a16="http://schemas.microsoft.com/office/drawing/2014/main" id="{0F51ABA2-A116-4800-ACF8-EA4F2E1AC0E5}"/>
+              </a:ext>
+            </a:extLst>
+          </p:cNvPr>
+          <p:cNvPicPr>
+            <a:picLocks noChangeAspect="1"/>
+          </p:cNvPicPr>
+          <p:nvPr/>
+        </p:nvPicPr>
+        <p:blipFill>
+          <a:blip r:embed="rId20">
+            <a:extLst>
+              <a:ext uri="{28A0092B-C50C-407E-A947-70E740481C1C}">
+                <a14:useLocalDpi xmlns:a14="http://schemas.microsoft.com/office/drawing/2010/main" val="0"/>
+              </a:ext>
+            </a:extLst>
+          </a:blip>
+          <a:stretch>
+            <a:fillRect/>
+          </a:stretch>
+        </p:blipFill>
+        <p:spPr>
+          <a:xfrm>
+            <a:off x="1509712" y="747712"/>
+            <a:ext cx="9172575" cy="5362575"/>
+          </a:xfrm>
+          <a:prstGeom prst="rect">
+            <a:avLst/>
+          </a:prstGeom>
+        </p:spPr>
+      </p:pic>
+    </p:spTree>
+    <p:extLst>
+      <p:ext uri="{BB962C8B-B14F-4D97-AF65-F5344CB8AC3E}">
+        <p14:creationId xmlns:p14="http://schemas.microsoft.com/office/powerpoint/2010/main" val="95992585"/>
+      </p:ext>
+    </p:extLst>
+  </p:cSld>
+  <p:clrMapOvr>
+    <a:masterClrMapping/>
+  </p:clrMapOvr>
+</p:sld>
+</file>
+
+<file path=ppt/slides/slide16.xml><?xml version="1.0" encoding="utf-8"?>
+<p:sld xmlns:a="http://schemas.openxmlformats.org/drawingml/2006/main" xmlns:p="http://schemas.openxmlformats.org/presentationml/2006/main" xmlns:r="http://schemas.openxmlformats.org/officeDocument/2006/relationships">
+  <p:cSld>
+    <p:spTree>
+      <p:nvGrpSpPr>
+        <p:cNvPr id="1" name=""/>
+        <p:cNvGrpSpPr/>
+        <p:nvPr/>
+      </p:nvGrpSpPr>
+      <p:grpSpPr>
+        <a:xfrm>
+          <a:off x="0" y="0"/>
+          <a:ext cx="0" cy="0"/>
+          <a:chOff x="0" y="0"/>
+          <a:chExt cx="0" cy="0"/>
+        </a:xfrm>
+      </p:grpSpPr>
+      <p:pic>
+        <p:nvPicPr>
+          <p:cNvPr id="16" name="slide16">
+            <a:extLst>
+              <a:ext uri="{FF2B5EF4-FFF2-40B4-BE49-F238E27FC236}">
+                <a16:creationId xmlns:a16="http://schemas.microsoft.com/office/drawing/2014/main" id="{544A1B86-18FA-46EF-843A-258CB8E868DC}"/>
+              </a:ext>
+            </a:extLst>
+          </p:cNvPr>
+          <p:cNvPicPr>
+            <a:picLocks noChangeAspect="1"/>
+          </p:cNvPicPr>
+          <p:nvPr/>
+        </p:nvPicPr>
+        <p:blipFill>
+          <a:blip r:embed="rId21">
+            <a:extLst>
+              <a:ext uri="{28A0092B-C50C-407E-A947-70E740481C1C}">
+                <a14:useLocalDpi xmlns:a14="http://schemas.microsoft.com/office/drawing/2010/main" val="0"/>
+              </a:ext>
+            </a:extLst>
+          </a:blip>
+          <a:stretch>
+            <a:fillRect/>
+          </a:stretch>
+        </p:blipFill>
+        <p:spPr>
+          <a:xfrm>
+            <a:off x="1509712" y="747712"/>
+            <a:ext cx="9172575" cy="5362575"/>
+          </a:xfrm>
+          <a:prstGeom prst="rect">
+            <a:avLst/>
+          </a:prstGeom>
+        </p:spPr>
+      </p:pic>
+    </p:spTree>
+    <p:extLst>
+      <p:ext uri="{BB962C8B-B14F-4D97-AF65-F5344CB8AC3E}">
+        <p14:creationId xmlns:p14="http://schemas.microsoft.com/office/powerpoint/2010/main" val="95992585"/>
+      </p:ext>
+    </p:extLst>
+  </p:cSld>
+  <p:clrMapOvr>
+    <a:masterClrMapping/>
+  </p:clrMapOvr>
+</p:sld>
+</file>
+
+<file path=ppt/slides/slide17.xml><?xml version="1.0" encoding="utf-8"?>
+<p:sld xmlns:a="http://schemas.openxmlformats.org/drawingml/2006/main" xmlns:p="http://schemas.openxmlformats.org/presentationml/2006/main" xmlns:r="http://schemas.openxmlformats.org/officeDocument/2006/relationships">
+  <p:cSld>
+    <p:spTree>
+      <p:nvGrpSpPr>
+        <p:cNvPr id="1" name=""/>
+        <p:cNvGrpSpPr/>
+        <p:nvPr/>
+      </p:nvGrpSpPr>
+      <p:grpSpPr>
+        <a:xfrm>
+          <a:off x="0" y="0"/>
+          <a:ext cx="0" cy="0"/>
+          <a:chOff x="0" y="0"/>
+          <a:chExt cx="0" cy="0"/>
+        </a:xfrm>
+      </p:grpSpPr>
+      <p:pic>
+        <p:nvPicPr>
+          <p:cNvPr id="17" name="slide17">
+            <a:extLst>
+              <a:ext uri="{FF2B5EF4-FFF2-40B4-BE49-F238E27FC236}">
+                <a16:creationId xmlns:a16="http://schemas.microsoft.com/office/drawing/2014/main" id="{05402071-343D-4CCD-AAD2-33A4E609A986}"/>
+              </a:ext>
+            </a:extLst>
+          </p:cNvPr>
+          <p:cNvPicPr>
+            <a:picLocks noChangeAspect="1"/>
+          </p:cNvPicPr>
+          <p:nvPr/>
+        </p:nvPicPr>
+        <p:blipFill>
+          <a:blip r:embed="rId22">
+            <a:extLst>
+              <a:ext uri="{28A0092B-C50C-407E-A947-70E740481C1C}">
+                <a14:useLocalDpi xmlns:a14="http://schemas.microsoft.com/office/drawing/2010/main" val="0"/>
+              </a:ext>
+            </a:extLst>
+          </a:blip>
+          <a:stretch>
+            <a:fillRect/>
+          </a:stretch>
+        </p:blipFill>
+        <p:spPr>
+          <a:xfrm>
+            <a:off x="1509712" y="747712"/>
+            <a:ext cx="9172575" cy="5362575"/>
+          </a:xfrm>
+          <a:prstGeom prst="rect">
+            <a:avLst/>
+          </a:prstGeom>
+        </p:spPr>
+      </p:pic>
+    </p:spTree>
+    <p:extLst>
+      <p:ext uri="{BB962C8B-B14F-4D97-AF65-F5344CB8AC3E}">
+        <p14:creationId xmlns:p14="http://schemas.microsoft.com/office/powerpoint/2010/main" val="95992585"/>
+      </p:ext>
+    </p:extLst>
+  </p:cSld>
+  <p:clrMapOvr>
+    <a:masterClrMapping/>
+  </p:clrMapOvr>
+</p:sld>
+</file>
+
+<file path=ppt/slides/slide18.xml><?xml version="1.0" encoding="utf-8"?>
+<p:sld xmlns:a="http://schemas.openxmlformats.org/drawingml/2006/main" xmlns:p="http://schemas.openxmlformats.org/presentationml/2006/main" xmlns:r="http://schemas.openxmlformats.org/officeDocument/2006/relationships">
+  <p:cSld>
+    <p:spTree>
+      <p:nvGrpSpPr>
+        <p:cNvPr id="1" name=""/>
+        <p:cNvGrpSpPr/>
+        <p:nvPr/>
+      </p:nvGrpSpPr>
+      <p:grpSpPr>
+        <a:xfrm>
+          <a:off x="0" y="0"/>
+          <a:ext cx="0" cy="0"/>
+          <a:chOff x="0" y="0"/>
+          <a:chExt cx="0" cy="0"/>
+        </a:xfrm>
+      </p:grpSpPr>
+      <p:pic>
+        <p:nvPicPr>
+          <p:cNvPr id="18" name="slide18">
+            <a:extLst>
+              <a:ext uri="{FF2B5EF4-FFF2-40B4-BE49-F238E27FC236}">
+                <a16:creationId xmlns:a16="http://schemas.microsoft.com/office/drawing/2014/main" id="{E89FD2BB-2F06-43A6-AEC0-289937C7B5E3}"/>
+              </a:ext>
+            </a:extLst>
+          </p:cNvPr>
+          <p:cNvPicPr>
+            <a:picLocks noChangeAspect="1"/>
+          </p:cNvPicPr>
+          <p:nvPr/>
+        </p:nvPicPr>
+        <p:blipFill>
+          <a:blip r:embed="rId23">
+            <a:extLst>
+              <a:ext uri="{28A0092B-C50C-407E-A947-70E740481C1C}">
+                <a14:useLocalDpi xmlns:a14="http://schemas.microsoft.com/office/drawing/2010/main" val="0"/>
+              </a:ext>
+            </a:extLst>
+          </a:blip>
+          <a:stretch>
+            <a:fillRect/>
+          </a:stretch>
+        </p:blipFill>
+        <p:spPr>
+          <a:xfrm>
+            <a:off x="2745788" y="0"/>
+            <a:ext cx="6700423" cy="6858000"/>
+          </a:xfrm>
+          <a:prstGeom prst="rect">
+            <a:avLst/>
+          </a:prstGeom>
+        </p:spPr>
+      </p:pic>
+    </p:spTree>
+    <p:extLst>
+      <p:ext uri="{BB962C8B-B14F-4D97-AF65-F5344CB8AC3E}">
+        <p14:creationId xmlns:p14="http://schemas.microsoft.com/office/powerpoint/2010/main" val="95992585"/>
+      </p:ext>
+    </p:extLst>
+  </p:cSld>
+  <p:clrMapOvr>
+    <a:masterClrMapping/>
+  </p:clrMapOvr>
+</p:sld>
+</file>
+
+<file path=ppt/slides/slide19.xml><?xml version="1.0" encoding="utf-8"?>
+<p:sld xmlns:a="http://schemas.openxmlformats.org/drawingml/2006/main" xmlns:p="http://schemas.openxmlformats.org/presentationml/2006/main" xmlns:r="http://schemas.openxmlformats.org/officeDocument/2006/relationships">
+  <p:cSld>
+    <p:spTree>
+      <p:nvGrpSpPr>
+        <p:cNvPr id="1" name=""/>
+        <p:cNvGrpSpPr/>
+        <p:nvPr/>
+      </p:nvGrpSpPr>
+      <p:grpSpPr>
+        <a:xfrm>
+          <a:off x="0" y="0"/>
+          <a:ext cx="0" cy="0"/>
+          <a:chOff x="0" y="0"/>
+          <a:chExt cx="0" cy="0"/>
+        </a:xfrm>
+      </p:grpSpPr>
+      <p:pic>
+        <p:nvPicPr>
+          <p:cNvPr id="19" name="slide19">
+            <a:extLst>
+              <a:ext uri="{FF2B5EF4-FFF2-40B4-BE49-F238E27FC236}">
+                <a16:creationId xmlns:a16="http://schemas.microsoft.com/office/drawing/2014/main" id="{D96C1BBE-E773-4820-85C2-373B4F5ACBF0}"/>
+              </a:ext>
+            </a:extLst>
+          </p:cNvPr>
+          <p:cNvPicPr>
+            <a:picLocks noChangeAspect="1"/>
+          </p:cNvPicPr>
+          <p:nvPr/>
+        </p:nvPicPr>
+        <p:blipFill>
+          <a:blip r:embed="rId24">
+            <a:extLst>
+              <a:ext uri="{28A0092B-C50C-407E-A947-70E740481C1C}">
+                <a14:useLocalDpi xmlns:a14="http://schemas.microsoft.com/office/drawing/2010/main" val="0"/>
+              </a:ext>
+            </a:extLst>
+          </a:blip>
+          <a:stretch>
+            <a:fillRect/>
+          </a:stretch>
+        </p:blipFill>
+        <p:spPr>
+          <a:xfrm>
+            <a:off x="1509712" y="747712"/>
+            <a:ext cx="9172575" cy="5362575"/>
+          </a:xfrm>
+          <a:prstGeom prst="rect">
+            <a:avLst/>
+          </a:prstGeom>
+        </p:spPr>
+      </p:pic>
     </p:spTree>
     <p:extLst>
       <p:ext uri="{BB962C8B-B14F-4D97-AF65-F5344CB8AC3E}">
@@ -3415,7 +4098,7 @@
           <p:cNvPr id="2" name="slide2">
             <a:extLst>
               <a:ext uri="{FF2B5EF4-FFF2-40B4-BE49-F238E27FC236}">
-                <a16:creationId xmlns:a16="http://schemas.microsoft.com/office/drawing/2014/main" id="{A48D286B-AEAE-447D-AD9C-14571A6B8E75}"/>
+                <a16:creationId xmlns:a16="http://schemas.microsoft.com/office/drawing/2014/main" id="{B79C227A-D344-48CC-BD68-D6BF3C630D39}"/>
               </a:ext>
             </a:extLst>
           </p:cNvPr>
@@ -3438,8 +4121,998 @@
         </p:blipFill>
         <p:spPr>
           <a:xfrm>
-            <a:off x="3724275" y="852487"/>
-            <a:ext cx="4743450" cy="5153025"/>
+            <a:off x="5229225" y="1614487"/>
+            <a:ext cx="1733550" cy="3629025"/>
+          </a:xfrm>
+          <a:prstGeom prst="rect">
+            <a:avLst/>
+          </a:prstGeom>
+        </p:spPr>
+      </p:pic>
+    </p:spTree>
+    <p:extLst>
+      <p:ext uri="{BB962C8B-B14F-4D97-AF65-F5344CB8AC3E}">
+        <p14:creationId xmlns:p14="http://schemas.microsoft.com/office/powerpoint/2010/main" val="95992585"/>
+      </p:ext>
+    </p:extLst>
+  </p:cSld>
+  <p:clrMapOvr>
+    <a:masterClrMapping/>
+  </p:clrMapOvr>
+</p:sld>
+</file>
+
+<file path=ppt/slides/slide20.xml><?xml version="1.0" encoding="utf-8"?>
+<p:sld xmlns:a="http://schemas.openxmlformats.org/drawingml/2006/main" xmlns:p="http://schemas.openxmlformats.org/presentationml/2006/main" xmlns:r="http://schemas.openxmlformats.org/officeDocument/2006/relationships">
+  <p:cSld>
+    <p:spTree>
+      <p:nvGrpSpPr>
+        <p:cNvPr id="1" name=""/>
+        <p:cNvGrpSpPr/>
+        <p:nvPr/>
+      </p:nvGrpSpPr>
+      <p:grpSpPr>
+        <a:xfrm>
+          <a:off x="0" y="0"/>
+          <a:ext cx="0" cy="0"/>
+          <a:chOff x="0" y="0"/>
+          <a:chExt cx="0" cy="0"/>
+        </a:xfrm>
+      </p:grpSpPr>
+      <p:pic>
+        <p:nvPicPr>
+          <p:cNvPr id="20" name="slide20">
+            <a:extLst>
+              <a:ext uri="{FF2B5EF4-FFF2-40B4-BE49-F238E27FC236}">
+                <a16:creationId xmlns:a16="http://schemas.microsoft.com/office/drawing/2014/main" id="{07A7E5F2-D026-48A8-9839-48B281429371}"/>
+              </a:ext>
+            </a:extLst>
+          </p:cNvPr>
+          <p:cNvPicPr>
+            <a:picLocks noChangeAspect="1"/>
+          </p:cNvPicPr>
+          <p:nvPr/>
+        </p:nvPicPr>
+        <p:blipFill>
+          <a:blip r:embed="rId25">
+            <a:extLst>
+              <a:ext uri="{28A0092B-C50C-407E-A947-70E740481C1C}">
+                <a14:useLocalDpi xmlns:a14="http://schemas.microsoft.com/office/drawing/2010/main" val="0"/>
+              </a:ext>
+            </a:extLst>
+          </a:blip>
+          <a:stretch>
+            <a:fillRect/>
+          </a:stretch>
+        </p:blipFill>
+        <p:spPr>
+          <a:xfrm>
+            <a:off x="1509712" y="747712"/>
+            <a:ext cx="9172575" cy="5362575"/>
+          </a:xfrm>
+          <a:prstGeom prst="rect">
+            <a:avLst/>
+          </a:prstGeom>
+        </p:spPr>
+      </p:pic>
+    </p:spTree>
+    <p:extLst>
+      <p:ext uri="{BB962C8B-B14F-4D97-AF65-F5344CB8AC3E}">
+        <p14:creationId xmlns:p14="http://schemas.microsoft.com/office/powerpoint/2010/main" val="95992585"/>
+      </p:ext>
+    </p:extLst>
+  </p:cSld>
+  <p:clrMapOvr>
+    <a:masterClrMapping/>
+  </p:clrMapOvr>
+</p:sld>
+</file>
+
+<file path=ppt/slides/slide21.xml><?xml version="1.0" encoding="utf-8"?>
+<p:sld xmlns:a="http://schemas.openxmlformats.org/drawingml/2006/main" xmlns:p="http://schemas.openxmlformats.org/presentationml/2006/main" xmlns:r="http://schemas.openxmlformats.org/officeDocument/2006/relationships">
+  <p:cSld>
+    <p:spTree>
+      <p:nvGrpSpPr>
+        <p:cNvPr id="1" name=""/>
+        <p:cNvGrpSpPr/>
+        <p:nvPr/>
+      </p:nvGrpSpPr>
+      <p:grpSpPr>
+        <a:xfrm>
+          <a:off x="0" y="0"/>
+          <a:ext cx="0" cy="0"/>
+          <a:chOff x="0" y="0"/>
+          <a:chExt cx="0" cy="0"/>
+        </a:xfrm>
+      </p:grpSpPr>
+      <p:pic>
+        <p:nvPicPr>
+          <p:cNvPr id="21" name="slide21">
+            <a:extLst>
+              <a:ext uri="{FF2B5EF4-FFF2-40B4-BE49-F238E27FC236}">
+                <a16:creationId xmlns:a16="http://schemas.microsoft.com/office/drawing/2014/main" id="{C9D14EB6-B203-4A3E-ABD1-0DDAB6422367}"/>
+              </a:ext>
+            </a:extLst>
+          </p:cNvPr>
+          <p:cNvPicPr>
+            <a:picLocks noChangeAspect="1"/>
+          </p:cNvPicPr>
+          <p:nvPr/>
+        </p:nvPicPr>
+        <p:blipFill>
+          <a:blip r:embed="rId26">
+            <a:extLst>
+              <a:ext uri="{28A0092B-C50C-407E-A947-70E740481C1C}">
+                <a14:useLocalDpi xmlns:a14="http://schemas.microsoft.com/office/drawing/2010/main" val="0"/>
+              </a:ext>
+            </a:extLst>
+          </a:blip>
+          <a:stretch>
+            <a:fillRect/>
+          </a:stretch>
+        </p:blipFill>
+        <p:spPr>
+          <a:xfrm>
+            <a:off x="1509712" y="747712"/>
+            <a:ext cx="9172575" cy="5362575"/>
+          </a:xfrm>
+          <a:prstGeom prst="rect">
+            <a:avLst/>
+          </a:prstGeom>
+        </p:spPr>
+      </p:pic>
+    </p:spTree>
+    <p:extLst>
+      <p:ext uri="{BB962C8B-B14F-4D97-AF65-F5344CB8AC3E}">
+        <p14:creationId xmlns:p14="http://schemas.microsoft.com/office/powerpoint/2010/main" val="95992585"/>
+      </p:ext>
+    </p:extLst>
+  </p:cSld>
+  <p:clrMapOvr>
+    <a:masterClrMapping/>
+  </p:clrMapOvr>
+</p:sld>
+</file>
+
+<file path=ppt/slides/slide22.xml><?xml version="1.0" encoding="utf-8"?>
+<p:sld xmlns:a="http://schemas.openxmlformats.org/drawingml/2006/main" xmlns:p="http://schemas.openxmlformats.org/presentationml/2006/main" xmlns:r="http://schemas.openxmlformats.org/officeDocument/2006/relationships">
+  <p:cSld>
+    <p:spTree>
+      <p:nvGrpSpPr>
+        <p:cNvPr id="1" name=""/>
+        <p:cNvGrpSpPr/>
+        <p:nvPr/>
+      </p:nvGrpSpPr>
+      <p:grpSpPr>
+        <a:xfrm>
+          <a:off x="0" y="0"/>
+          <a:ext cx="0" cy="0"/>
+          <a:chOff x="0" y="0"/>
+          <a:chExt cx="0" cy="0"/>
+        </a:xfrm>
+      </p:grpSpPr>
+      <p:pic>
+        <p:nvPicPr>
+          <p:cNvPr id="22" name="slide22">
+            <a:extLst>
+              <a:ext uri="{FF2B5EF4-FFF2-40B4-BE49-F238E27FC236}">
+                <a16:creationId xmlns:a16="http://schemas.microsoft.com/office/drawing/2014/main" id="{BE98BCBB-77DF-4E0A-813F-5767F52D71B9}"/>
+              </a:ext>
+            </a:extLst>
+          </p:cNvPr>
+          <p:cNvPicPr>
+            <a:picLocks noChangeAspect="1"/>
+          </p:cNvPicPr>
+          <p:nvPr/>
+        </p:nvPicPr>
+        <p:blipFill>
+          <a:blip r:embed="rId27">
+            <a:extLst>
+              <a:ext uri="{28A0092B-C50C-407E-A947-70E740481C1C}">
+                <a14:useLocalDpi xmlns:a14="http://schemas.microsoft.com/office/drawing/2010/main" val="0"/>
+              </a:ext>
+            </a:extLst>
+          </a:blip>
+          <a:stretch>
+            <a:fillRect/>
+          </a:stretch>
+        </p:blipFill>
+        <p:spPr>
+          <a:xfrm>
+            <a:off x="1509712" y="747712"/>
+            <a:ext cx="9172575" cy="5362575"/>
+          </a:xfrm>
+          <a:prstGeom prst="rect">
+            <a:avLst/>
+          </a:prstGeom>
+        </p:spPr>
+      </p:pic>
+    </p:spTree>
+    <p:extLst>
+      <p:ext uri="{BB962C8B-B14F-4D97-AF65-F5344CB8AC3E}">
+        <p14:creationId xmlns:p14="http://schemas.microsoft.com/office/powerpoint/2010/main" val="95992585"/>
+      </p:ext>
+    </p:extLst>
+  </p:cSld>
+  <p:clrMapOvr>
+    <a:masterClrMapping/>
+  </p:clrMapOvr>
+</p:sld>
+</file>
+
+<file path=ppt/slides/slide23.xml><?xml version="1.0" encoding="utf-8"?>
+<p:sld xmlns:a="http://schemas.openxmlformats.org/drawingml/2006/main" xmlns:p="http://schemas.openxmlformats.org/presentationml/2006/main" xmlns:r="http://schemas.openxmlformats.org/officeDocument/2006/relationships">
+  <p:cSld>
+    <p:spTree>
+      <p:nvGrpSpPr>
+        <p:cNvPr id="1" name=""/>
+        <p:cNvGrpSpPr/>
+        <p:nvPr/>
+      </p:nvGrpSpPr>
+      <p:grpSpPr>
+        <a:xfrm>
+          <a:off x="0" y="0"/>
+          <a:ext cx="0" cy="0"/>
+          <a:chOff x="0" y="0"/>
+          <a:chExt cx="0" cy="0"/>
+        </a:xfrm>
+      </p:grpSpPr>
+      <p:pic>
+        <p:nvPicPr>
+          <p:cNvPr id="23" name="slide23">
+            <a:extLst>
+              <a:ext uri="{FF2B5EF4-FFF2-40B4-BE49-F238E27FC236}">
+                <a16:creationId xmlns:a16="http://schemas.microsoft.com/office/drawing/2014/main" id="{3058E858-7A80-41E2-870C-5568EA38842D}"/>
+              </a:ext>
+            </a:extLst>
+          </p:cNvPr>
+          <p:cNvPicPr>
+            <a:picLocks noChangeAspect="1"/>
+          </p:cNvPicPr>
+          <p:nvPr/>
+        </p:nvPicPr>
+        <p:blipFill>
+          <a:blip r:embed="rId28">
+            <a:extLst>
+              <a:ext uri="{28A0092B-C50C-407E-A947-70E740481C1C}">
+                <a14:useLocalDpi xmlns:a14="http://schemas.microsoft.com/office/drawing/2010/main" val="0"/>
+              </a:ext>
+            </a:extLst>
+          </a:blip>
+          <a:stretch>
+            <a:fillRect/>
+          </a:stretch>
+        </p:blipFill>
+        <p:spPr>
+          <a:xfrm>
+            <a:off x="2786895" y="0"/>
+            <a:ext cx="6618210" cy="6858000"/>
+          </a:xfrm>
+          <a:prstGeom prst="rect">
+            <a:avLst/>
+          </a:prstGeom>
+        </p:spPr>
+      </p:pic>
+    </p:spTree>
+    <p:extLst>
+      <p:ext uri="{BB962C8B-B14F-4D97-AF65-F5344CB8AC3E}">
+        <p14:creationId xmlns:p14="http://schemas.microsoft.com/office/powerpoint/2010/main" val="95992585"/>
+      </p:ext>
+    </p:extLst>
+  </p:cSld>
+  <p:clrMapOvr>
+    <a:masterClrMapping/>
+  </p:clrMapOvr>
+</p:sld>
+</file>
+
+<file path=ppt/slides/slide24.xml><?xml version="1.0" encoding="utf-8"?>
+<p:sld xmlns:a="http://schemas.openxmlformats.org/drawingml/2006/main" xmlns:p="http://schemas.openxmlformats.org/presentationml/2006/main" xmlns:r="http://schemas.openxmlformats.org/officeDocument/2006/relationships">
+  <p:cSld>
+    <p:spTree>
+      <p:nvGrpSpPr>
+        <p:cNvPr id="1" name=""/>
+        <p:cNvGrpSpPr/>
+        <p:nvPr/>
+      </p:nvGrpSpPr>
+      <p:grpSpPr>
+        <a:xfrm>
+          <a:off x="0" y="0"/>
+          <a:ext cx="0" cy="0"/>
+          <a:chOff x="0" y="0"/>
+          <a:chExt cx="0" cy="0"/>
+        </a:xfrm>
+      </p:grpSpPr>
+      <p:pic>
+        <p:nvPicPr>
+          <p:cNvPr id="24" name="slide24">
+            <a:extLst>
+              <a:ext uri="{FF2B5EF4-FFF2-40B4-BE49-F238E27FC236}">
+                <a16:creationId xmlns:a16="http://schemas.microsoft.com/office/drawing/2014/main" id="{7ACA050A-70E8-4B25-A527-587BC3DFBAA9}"/>
+              </a:ext>
+            </a:extLst>
+          </p:cNvPr>
+          <p:cNvPicPr>
+            <a:picLocks noChangeAspect="1"/>
+          </p:cNvPicPr>
+          <p:nvPr/>
+        </p:nvPicPr>
+        <p:blipFill>
+          <a:blip r:embed="rId29">
+            <a:extLst>
+              <a:ext uri="{28A0092B-C50C-407E-A947-70E740481C1C}">
+                <a14:useLocalDpi xmlns:a14="http://schemas.microsoft.com/office/drawing/2010/main" val="0"/>
+              </a:ext>
+            </a:extLst>
+          </a:blip>
+          <a:stretch>
+            <a:fillRect/>
+          </a:stretch>
+        </p:blipFill>
+        <p:spPr>
+          <a:xfrm>
+            <a:off x="1576387" y="590550"/>
+            <a:ext cx="9039225" cy="5676900"/>
+          </a:xfrm>
+          <a:prstGeom prst="rect">
+            <a:avLst/>
+          </a:prstGeom>
+        </p:spPr>
+      </p:pic>
+    </p:spTree>
+    <p:extLst>
+      <p:ext uri="{BB962C8B-B14F-4D97-AF65-F5344CB8AC3E}">
+        <p14:creationId xmlns:p14="http://schemas.microsoft.com/office/powerpoint/2010/main" val="95992585"/>
+      </p:ext>
+    </p:extLst>
+  </p:cSld>
+  <p:clrMapOvr>
+    <a:masterClrMapping/>
+  </p:clrMapOvr>
+</p:sld>
+</file>
+
+<file path=ppt/slides/slide25.xml><?xml version="1.0" encoding="utf-8"?>
+<p:sld xmlns:a="http://schemas.openxmlformats.org/drawingml/2006/main" xmlns:p="http://schemas.openxmlformats.org/presentationml/2006/main" xmlns:r="http://schemas.openxmlformats.org/officeDocument/2006/relationships">
+  <p:cSld>
+    <p:spTree>
+      <p:nvGrpSpPr>
+        <p:cNvPr id="1" name=""/>
+        <p:cNvGrpSpPr/>
+        <p:nvPr/>
+      </p:nvGrpSpPr>
+      <p:grpSpPr>
+        <a:xfrm>
+          <a:off x="0" y="0"/>
+          <a:ext cx="0" cy="0"/>
+          <a:chOff x="0" y="0"/>
+          <a:chExt cx="0" cy="0"/>
+        </a:xfrm>
+      </p:grpSpPr>
+      <p:pic>
+        <p:nvPicPr>
+          <p:cNvPr id="25" name="slide25">
+            <a:extLst>
+              <a:ext uri="{FF2B5EF4-FFF2-40B4-BE49-F238E27FC236}">
+                <a16:creationId xmlns:a16="http://schemas.microsoft.com/office/drawing/2014/main" id="{0FC6F173-2CAE-41E8-A086-4FFC09F4E4F2}"/>
+              </a:ext>
+            </a:extLst>
+          </p:cNvPr>
+          <p:cNvPicPr>
+            <a:picLocks noChangeAspect="1"/>
+          </p:cNvPicPr>
+          <p:nvPr/>
+        </p:nvPicPr>
+        <p:blipFill>
+          <a:blip r:embed="rId30">
+            <a:extLst>
+              <a:ext uri="{28A0092B-C50C-407E-A947-70E740481C1C}">
+                <a14:useLocalDpi xmlns:a14="http://schemas.microsoft.com/office/drawing/2010/main" val="0"/>
+              </a:ext>
+            </a:extLst>
+          </a:blip>
+          <a:stretch>
+            <a:fillRect/>
+          </a:stretch>
+        </p:blipFill>
+        <p:spPr>
+          <a:xfrm>
+            <a:off x="1576387" y="590550"/>
+            <a:ext cx="9039225" cy="5676900"/>
+          </a:xfrm>
+          <a:prstGeom prst="rect">
+            <a:avLst/>
+          </a:prstGeom>
+        </p:spPr>
+      </p:pic>
+    </p:spTree>
+    <p:extLst>
+      <p:ext uri="{BB962C8B-B14F-4D97-AF65-F5344CB8AC3E}">
+        <p14:creationId xmlns:p14="http://schemas.microsoft.com/office/powerpoint/2010/main" val="95992585"/>
+      </p:ext>
+    </p:extLst>
+  </p:cSld>
+  <p:clrMapOvr>
+    <a:masterClrMapping/>
+  </p:clrMapOvr>
+</p:sld>
+</file>
+
+<file path=ppt/slides/slide26.xml><?xml version="1.0" encoding="utf-8"?>
+<p:sld xmlns:a="http://schemas.openxmlformats.org/drawingml/2006/main" xmlns:p="http://schemas.openxmlformats.org/presentationml/2006/main" xmlns:r="http://schemas.openxmlformats.org/officeDocument/2006/relationships">
+  <p:cSld>
+    <p:spTree>
+      <p:nvGrpSpPr>
+        <p:cNvPr id="1" name=""/>
+        <p:cNvGrpSpPr/>
+        <p:nvPr/>
+      </p:nvGrpSpPr>
+      <p:grpSpPr>
+        <a:xfrm>
+          <a:off x="0" y="0"/>
+          <a:ext cx="0" cy="0"/>
+          <a:chOff x="0" y="0"/>
+          <a:chExt cx="0" cy="0"/>
+        </a:xfrm>
+      </p:grpSpPr>
+      <p:pic>
+        <p:nvPicPr>
+          <p:cNvPr id="26" name="slide26">
+            <a:extLst>
+              <a:ext uri="{FF2B5EF4-FFF2-40B4-BE49-F238E27FC236}">
+                <a16:creationId xmlns:a16="http://schemas.microsoft.com/office/drawing/2014/main" id="{3746F5AA-2975-4951-A905-3E7CE4644E09}"/>
+              </a:ext>
+            </a:extLst>
+          </p:cNvPr>
+          <p:cNvPicPr>
+            <a:picLocks noChangeAspect="1"/>
+          </p:cNvPicPr>
+          <p:nvPr/>
+        </p:nvPicPr>
+        <p:blipFill>
+          <a:blip r:embed="rId31">
+            <a:extLst>
+              <a:ext uri="{28A0092B-C50C-407E-A947-70E740481C1C}">
+                <a14:useLocalDpi xmlns:a14="http://schemas.microsoft.com/office/drawing/2010/main" val="0"/>
+              </a:ext>
+            </a:extLst>
+          </a:blip>
+          <a:stretch>
+            <a:fillRect/>
+          </a:stretch>
+        </p:blipFill>
+        <p:spPr>
+          <a:xfrm>
+            <a:off x="1576387" y="590550"/>
+            <a:ext cx="9039225" cy="5676900"/>
+          </a:xfrm>
+          <a:prstGeom prst="rect">
+            <a:avLst/>
+          </a:prstGeom>
+        </p:spPr>
+      </p:pic>
+    </p:spTree>
+    <p:extLst>
+      <p:ext uri="{BB962C8B-B14F-4D97-AF65-F5344CB8AC3E}">
+        <p14:creationId xmlns:p14="http://schemas.microsoft.com/office/powerpoint/2010/main" val="95992585"/>
+      </p:ext>
+    </p:extLst>
+  </p:cSld>
+  <p:clrMapOvr>
+    <a:masterClrMapping/>
+  </p:clrMapOvr>
+</p:sld>
+</file>
+
+<file path=ppt/slides/slide27.xml><?xml version="1.0" encoding="utf-8"?>
+<p:sld xmlns:a="http://schemas.openxmlformats.org/drawingml/2006/main" xmlns:p="http://schemas.openxmlformats.org/presentationml/2006/main" xmlns:r="http://schemas.openxmlformats.org/officeDocument/2006/relationships">
+  <p:cSld>
+    <p:spTree>
+      <p:nvGrpSpPr>
+        <p:cNvPr id="1" name=""/>
+        <p:cNvGrpSpPr/>
+        <p:nvPr/>
+      </p:nvGrpSpPr>
+      <p:grpSpPr>
+        <a:xfrm>
+          <a:off x="0" y="0"/>
+          <a:ext cx="0" cy="0"/>
+          <a:chOff x="0" y="0"/>
+          <a:chExt cx="0" cy="0"/>
+        </a:xfrm>
+      </p:grpSpPr>
+      <p:pic>
+        <p:nvPicPr>
+          <p:cNvPr id="27" name="slide27">
+            <a:extLst>
+              <a:ext uri="{FF2B5EF4-FFF2-40B4-BE49-F238E27FC236}">
+                <a16:creationId xmlns:a16="http://schemas.microsoft.com/office/drawing/2014/main" id="{E31F9427-EC37-45F5-90C1-6E16CE2569FF}"/>
+              </a:ext>
+            </a:extLst>
+          </p:cNvPr>
+          <p:cNvPicPr>
+            <a:picLocks noChangeAspect="1"/>
+          </p:cNvPicPr>
+          <p:nvPr/>
+        </p:nvPicPr>
+        <p:blipFill>
+          <a:blip r:embed="rId32">
+            <a:extLst>
+              <a:ext uri="{28A0092B-C50C-407E-A947-70E740481C1C}">
+                <a14:useLocalDpi xmlns:a14="http://schemas.microsoft.com/office/drawing/2010/main" val="0"/>
+              </a:ext>
+            </a:extLst>
+          </a:blip>
+          <a:stretch>
+            <a:fillRect/>
+          </a:stretch>
+        </p:blipFill>
+        <p:spPr>
+          <a:xfrm>
+            <a:off x="1576387" y="590550"/>
+            <a:ext cx="9039225" cy="5676900"/>
+          </a:xfrm>
+          <a:prstGeom prst="rect">
+            <a:avLst/>
+          </a:prstGeom>
+        </p:spPr>
+      </p:pic>
+    </p:spTree>
+    <p:extLst>
+      <p:ext uri="{BB962C8B-B14F-4D97-AF65-F5344CB8AC3E}">
+        <p14:creationId xmlns:p14="http://schemas.microsoft.com/office/powerpoint/2010/main" val="95992585"/>
+      </p:ext>
+    </p:extLst>
+  </p:cSld>
+  <p:clrMapOvr>
+    <a:masterClrMapping/>
+  </p:clrMapOvr>
+</p:sld>
+</file>
+
+<file path=ppt/slides/slide3.xml><?xml version="1.0" encoding="utf-8"?>
+<p:sld xmlns:a="http://schemas.openxmlformats.org/drawingml/2006/main" xmlns:p="http://schemas.openxmlformats.org/presentationml/2006/main" xmlns:r="http://schemas.openxmlformats.org/officeDocument/2006/relationships">
+  <p:cSld>
+    <p:spTree>
+      <p:nvGrpSpPr>
+        <p:cNvPr id="1" name=""/>
+        <p:cNvGrpSpPr/>
+        <p:nvPr/>
+      </p:nvGrpSpPr>
+      <p:grpSpPr>
+        <a:xfrm>
+          <a:off x="0" y="0"/>
+          <a:ext cx="0" cy="0"/>
+          <a:chOff x="0" y="0"/>
+          <a:chExt cx="0" cy="0"/>
+        </a:xfrm>
+      </p:grpSpPr>
+      <p:pic>
+        <p:nvPicPr>
+          <p:cNvPr id="3" name="slide3">
+            <a:extLst>
+              <a:ext uri="{FF2B5EF4-FFF2-40B4-BE49-F238E27FC236}">
+                <a16:creationId xmlns:a16="http://schemas.microsoft.com/office/drawing/2014/main" id="{B7A3F1D4-D429-41D8-8551-5FAA955BF9D9}"/>
+              </a:ext>
+            </a:extLst>
+          </p:cNvPr>
+          <p:cNvPicPr>
+            <a:picLocks noChangeAspect="1"/>
+          </p:cNvPicPr>
+          <p:nvPr/>
+        </p:nvPicPr>
+        <p:blipFill>
+          <a:blip r:embed="rId8">
+            <a:extLst>
+              <a:ext uri="{28A0092B-C50C-407E-A947-70E740481C1C}">
+                <a14:useLocalDpi xmlns:a14="http://schemas.microsoft.com/office/drawing/2010/main" val="0"/>
+              </a:ext>
+            </a:extLst>
+          </a:blip>
+          <a:stretch>
+            <a:fillRect/>
+          </a:stretch>
+        </p:blipFill>
+        <p:spPr>
+          <a:xfrm>
+            <a:off x="5229225" y="1614487"/>
+            <a:ext cx="1733550" cy="3629025"/>
+          </a:xfrm>
+          <a:prstGeom prst="rect">
+            <a:avLst/>
+          </a:prstGeom>
+        </p:spPr>
+      </p:pic>
+    </p:spTree>
+    <p:extLst>
+      <p:ext uri="{BB962C8B-B14F-4D97-AF65-F5344CB8AC3E}">
+        <p14:creationId xmlns:p14="http://schemas.microsoft.com/office/powerpoint/2010/main" val="95992585"/>
+      </p:ext>
+    </p:extLst>
+  </p:cSld>
+  <p:clrMapOvr>
+    <a:masterClrMapping/>
+  </p:clrMapOvr>
+</p:sld>
+</file>
+
+<file path=ppt/slides/slide4.xml><?xml version="1.0" encoding="utf-8"?>
+<p:sld xmlns:a="http://schemas.openxmlformats.org/drawingml/2006/main" xmlns:p="http://schemas.openxmlformats.org/presentationml/2006/main" xmlns:r="http://schemas.openxmlformats.org/officeDocument/2006/relationships">
+  <p:cSld>
+    <p:spTree>
+      <p:nvGrpSpPr>
+        <p:cNvPr id="1" name=""/>
+        <p:cNvGrpSpPr/>
+        <p:nvPr/>
+      </p:nvGrpSpPr>
+      <p:grpSpPr>
+        <a:xfrm>
+          <a:off x="0" y="0"/>
+          <a:ext cx="0" cy="0"/>
+          <a:chOff x="0" y="0"/>
+          <a:chExt cx="0" cy="0"/>
+        </a:xfrm>
+      </p:grpSpPr>
+      <p:pic>
+        <p:nvPicPr>
+          <p:cNvPr id="4" name="slide4">
+            <a:extLst>
+              <a:ext uri="{FF2B5EF4-FFF2-40B4-BE49-F238E27FC236}">
+                <a16:creationId xmlns:a16="http://schemas.microsoft.com/office/drawing/2014/main" id="{6A08F617-DC12-4E61-B869-BA62E1FCD1D6}"/>
+              </a:ext>
+            </a:extLst>
+          </p:cNvPr>
+          <p:cNvPicPr>
+            <a:picLocks noChangeAspect="1"/>
+          </p:cNvPicPr>
+          <p:nvPr/>
+        </p:nvPicPr>
+        <p:blipFill>
+          <a:blip r:embed="rId9">
+            <a:extLst>
+              <a:ext uri="{28A0092B-C50C-407E-A947-70E740481C1C}">
+                <a14:useLocalDpi xmlns:a14="http://schemas.microsoft.com/office/drawing/2010/main" val="0"/>
+              </a:ext>
+            </a:extLst>
+          </a:blip>
+          <a:stretch>
+            <a:fillRect/>
+          </a:stretch>
+        </p:blipFill>
+        <p:spPr>
+          <a:xfrm>
+            <a:off x="5229225" y="1614487"/>
+            <a:ext cx="1733550" cy="3629025"/>
+          </a:xfrm>
+          <a:prstGeom prst="rect">
+            <a:avLst/>
+          </a:prstGeom>
+        </p:spPr>
+      </p:pic>
+    </p:spTree>
+    <p:extLst>
+      <p:ext uri="{BB962C8B-B14F-4D97-AF65-F5344CB8AC3E}">
+        <p14:creationId xmlns:p14="http://schemas.microsoft.com/office/powerpoint/2010/main" val="95992585"/>
+      </p:ext>
+    </p:extLst>
+  </p:cSld>
+  <p:clrMapOvr>
+    <a:masterClrMapping/>
+  </p:clrMapOvr>
+</p:sld>
+</file>
+
+<file path=ppt/slides/slide5.xml><?xml version="1.0" encoding="utf-8"?>
+<p:sld xmlns:a="http://schemas.openxmlformats.org/drawingml/2006/main" xmlns:p="http://schemas.openxmlformats.org/presentationml/2006/main" xmlns:r="http://schemas.openxmlformats.org/officeDocument/2006/relationships">
+  <p:cSld>
+    <p:spTree>
+      <p:nvGrpSpPr>
+        <p:cNvPr id="1" name=""/>
+        <p:cNvGrpSpPr/>
+        <p:nvPr/>
+      </p:nvGrpSpPr>
+      <p:grpSpPr>
+        <a:xfrm>
+          <a:off x="0" y="0"/>
+          <a:ext cx="0" cy="0"/>
+          <a:chOff x="0" y="0"/>
+          <a:chExt cx="0" cy="0"/>
+        </a:xfrm>
+      </p:grpSpPr>
+      <p:pic>
+        <p:nvPicPr>
+          <p:cNvPr id="5" name="slide5">
+            <a:extLst>
+              <a:ext uri="{FF2B5EF4-FFF2-40B4-BE49-F238E27FC236}">
+                <a16:creationId xmlns:a16="http://schemas.microsoft.com/office/drawing/2014/main" id="{C7A125B7-3789-4FA7-A9EC-5156571C869C}"/>
+              </a:ext>
+            </a:extLst>
+          </p:cNvPr>
+          <p:cNvPicPr>
+            <a:picLocks noChangeAspect="1"/>
+          </p:cNvPicPr>
+          <p:nvPr/>
+        </p:nvPicPr>
+        <p:blipFill>
+          <a:blip r:embed="rId10">
+            <a:extLst>
+              <a:ext uri="{28A0092B-C50C-407E-A947-70E740481C1C}">
+                <a14:useLocalDpi xmlns:a14="http://schemas.microsoft.com/office/drawing/2010/main" val="0"/>
+              </a:ext>
+            </a:extLst>
+          </a:blip>
+          <a:stretch>
+            <a:fillRect/>
+          </a:stretch>
+        </p:blipFill>
+        <p:spPr>
+          <a:xfrm>
+            <a:off x="5324475" y="1400175"/>
+            <a:ext cx="1543050" cy="4057650"/>
+          </a:xfrm>
+          <a:prstGeom prst="rect">
+            <a:avLst/>
+          </a:prstGeom>
+        </p:spPr>
+      </p:pic>
+    </p:spTree>
+    <p:extLst>
+      <p:ext uri="{BB962C8B-B14F-4D97-AF65-F5344CB8AC3E}">
+        <p14:creationId xmlns:p14="http://schemas.microsoft.com/office/powerpoint/2010/main" val="95992585"/>
+      </p:ext>
+    </p:extLst>
+  </p:cSld>
+  <p:clrMapOvr>
+    <a:masterClrMapping/>
+  </p:clrMapOvr>
+</p:sld>
+</file>
+
+<file path=ppt/slides/slide6.xml><?xml version="1.0" encoding="utf-8"?>
+<p:sld xmlns:a="http://schemas.openxmlformats.org/drawingml/2006/main" xmlns:p="http://schemas.openxmlformats.org/presentationml/2006/main" xmlns:r="http://schemas.openxmlformats.org/officeDocument/2006/relationships">
+  <p:cSld>
+    <p:spTree>
+      <p:nvGrpSpPr>
+        <p:cNvPr id="1" name=""/>
+        <p:cNvGrpSpPr/>
+        <p:nvPr/>
+      </p:nvGrpSpPr>
+      <p:grpSpPr>
+        <a:xfrm>
+          <a:off x="0" y="0"/>
+          <a:ext cx="0" cy="0"/>
+          <a:chOff x="0" y="0"/>
+          <a:chExt cx="0" cy="0"/>
+        </a:xfrm>
+      </p:grpSpPr>
+      <p:pic>
+        <p:nvPicPr>
+          <p:cNvPr id="6" name="slide6">
+            <a:extLst>
+              <a:ext uri="{FF2B5EF4-FFF2-40B4-BE49-F238E27FC236}">
+                <a16:creationId xmlns:a16="http://schemas.microsoft.com/office/drawing/2014/main" id="{76E6F3F0-2F7A-4ABF-8830-E7F5069313E8}"/>
+              </a:ext>
+            </a:extLst>
+          </p:cNvPr>
+          <p:cNvPicPr>
+            <a:picLocks noChangeAspect="1"/>
+          </p:cNvPicPr>
+          <p:nvPr/>
+        </p:nvPicPr>
+        <p:blipFill>
+          <a:blip r:embed="rId11">
+            <a:extLst>
+              <a:ext uri="{28A0092B-C50C-407E-A947-70E740481C1C}">
+                <a14:useLocalDpi xmlns:a14="http://schemas.microsoft.com/office/drawing/2010/main" val="0"/>
+              </a:ext>
+            </a:extLst>
+          </a:blip>
+          <a:stretch>
+            <a:fillRect/>
+          </a:stretch>
+        </p:blipFill>
+        <p:spPr>
+          <a:xfrm>
+            <a:off x="1323975" y="719137"/>
+            <a:ext cx="9544050" cy="5419725"/>
+          </a:xfrm>
+          <a:prstGeom prst="rect">
+            <a:avLst/>
+          </a:prstGeom>
+        </p:spPr>
+      </p:pic>
+    </p:spTree>
+    <p:extLst>
+      <p:ext uri="{BB962C8B-B14F-4D97-AF65-F5344CB8AC3E}">
+        <p14:creationId xmlns:p14="http://schemas.microsoft.com/office/powerpoint/2010/main" val="95992585"/>
+      </p:ext>
+    </p:extLst>
+  </p:cSld>
+  <p:clrMapOvr>
+    <a:masterClrMapping/>
+  </p:clrMapOvr>
+</p:sld>
+</file>
+
+<file path=ppt/slides/slide7.xml><?xml version="1.0" encoding="utf-8"?>
+<p:sld xmlns:a="http://schemas.openxmlformats.org/drawingml/2006/main" xmlns:p="http://schemas.openxmlformats.org/presentationml/2006/main" xmlns:r="http://schemas.openxmlformats.org/officeDocument/2006/relationships">
+  <p:cSld>
+    <p:spTree>
+      <p:nvGrpSpPr>
+        <p:cNvPr id="1" name=""/>
+        <p:cNvGrpSpPr/>
+        <p:nvPr/>
+      </p:nvGrpSpPr>
+      <p:grpSpPr>
+        <a:xfrm>
+          <a:off x="0" y="0"/>
+          <a:ext cx="0" cy="0"/>
+          <a:chOff x="0" y="0"/>
+          <a:chExt cx="0" cy="0"/>
+        </a:xfrm>
+      </p:grpSpPr>
+      <p:pic>
+        <p:nvPicPr>
+          <p:cNvPr id="7" name="slide7">
+            <a:extLst>
+              <a:ext uri="{FF2B5EF4-FFF2-40B4-BE49-F238E27FC236}">
+                <a16:creationId xmlns:a16="http://schemas.microsoft.com/office/drawing/2014/main" id="{6E4E6B77-3839-43FF-8EFE-8EF982A528E9}"/>
+              </a:ext>
+            </a:extLst>
+          </p:cNvPr>
+          <p:cNvPicPr>
+            <a:picLocks noChangeAspect="1"/>
+          </p:cNvPicPr>
+          <p:nvPr/>
+        </p:nvPicPr>
+        <p:blipFill>
+          <a:blip r:embed="rId12">
+            <a:extLst>
+              <a:ext uri="{28A0092B-C50C-407E-A947-70E740481C1C}">
+                <a14:useLocalDpi xmlns:a14="http://schemas.microsoft.com/office/drawing/2010/main" val="0"/>
+              </a:ext>
+            </a:extLst>
+          </a:blip>
+          <a:stretch>
+            <a:fillRect/>
+          </a:stretch>
+        </p:blipFill>
+        <p:spPr>
+          <a:xfrm>
+            <a:off x="5324475" y="2043112"/>
+            <a:ext cx="1543050" cy="2771775"/>
+          </a:xfrm>
+          <a:prstGeom prst="rect">
+            <a:avLst/>
+          </a:prstGeom>
+        </p:spPr>
+      </p:pic>
+    </p:spTree>
+    <p:extLst>
+      <p:ext uri="{BB962C8B-B14F-4D97-AF65-F5344CB8AC3E}">
+        <p14:creationId xmlns:p14="http://schemas.microsoft.com/office/powerpoint/2010/main" val="95992585"/>
+      </p:ext>
+    </p:extLst>
+  </p:cSld>
+  <p:clrMapOvr>
+    <a:masterClrMapping/>
+  </p:clrMapOvr>
+</p:sld>
+</file>
+
+<file path=ppt/slides/slide8.xml><?xml version="1.0" encoding="utf-8"?>
+<p:sld xmlns:a="http://schemas.openxmlformats.org/drawingml/2006/main" xmlns:p="http://schemas.openxmlformats.org/presentationml/2006/main" xmlns:r="http://schemas.openxmlformats.org/officeDocument/2006/relationships">
+  <p:cSld>
+    <p:spTree>
+      <p:nvGrpSpPr>
+        <p:cNvPr id="1" name=""/>
+        <p:cNvGrpSpPr/>
+        <p:nvPr/>
+      </p:nvGrpSpPr>
+      <p:grpSpPr>
+        <a:xfrm>
+          <a:off x="0" y="0"/>
+          <a:ext cx="0" cy="0"/>
+          <a:chOff x="0" y="0"/>
+          <a:chExt cx="0" cy="0"/>
+        </a:xfrm>
+      </p:grpSpPr>
+      <p:pic>
+        <p:nvPicPr>
+          <p:cNvPr id="8" name="slide8">
+            <a:extLst>
+              <a:ext uri="{FF2B5EF4-FFF2-40B4-BE49-F238E27FC236}">
+                <a16:creationId xmlns:a16="http://schemas.microsoft.com/office/drawing/2014/main" id="{430ED256-06D6-4D1A-936B-86C398559311}"/>
+              </a:ext>
+            </a:extLst>
+          </p:cNvPr>
+          <p:cNvPicPr>
+            <a:picLocks noChangeAspect="1"/>
+          </p:cNvPicPr>
+          <p:nvPr/>
+        </p:nvPicPr>
+        <p:blipFill>
+          <a:blip r:embed="rId13">
+            <a:extLst>
+              <a:ext uri="{28A0092B-C50C-407E-A947-70E740481C1C}">
+                <a14:useLocalDpi xmlns:a14="http://schemas.microsoft.com/office/drawing/2010/main" val="0"/>
+              </a:ext>
+            </a:extLst>
+          </a:blip>
+          <a:stretch>
+            <a:fillRect/>
+          </a:stretch>
+        </p:blipFill>
+        <p:spPr>
+          <a:xfrm>
+            <a:off x="5324475" y="1881187"/>
+            <a:ext cx="1543050" cy="3095625"/>
+          </a:xfrm>
+          <a:prstGeom prst="rect">
+            <a:avLst/>
+          </a:prstGeom>
+        </p:spPr>
+      </p:pic>
+    </p:spTree>
+    <p:extLst>
+      <p:ext uri="{BB962C8B-B14F-4D97-AF65-F5344CB8AC3E}">
+        <p14:creationId xmlns:p14="http://schemas.microsoft.com/office/powerpoint/2010/main" val="95992585"/>
+      </p:ext>
+    </p:extLst>
+  </p:cSld>
+  <p:clrMapOvr>
+    <a:masterClrMapping/>
+  </p:clrMapOvr>
+</p:sld>
+</file>
+
+<file path=ppt/slides/slide9.xml><?xml version="1.0" encoding="utf-8"?>
+<p:sld xmlns:a="http://schemas.openxmlformats.org/drawingml/2006/main" xmlns:p="http://schemas.openxmlformats.org/presentationml/2006/main" xmlns:r="http://schemas.openxmlformats.org/officeDocument/2006/relationships">
+  <p:cSld>
+    <p:spTree>
+      <p:nvGrpSpPr>
+        <p:cNvPr id="1" name=""/>
+        <p:cNvGrpSpPr/>
+        <p:nvPr/>
+      </p:nvGrpSpPr>
+      <p:grpSpPr>
+        <a:xfrm>
+          <a:off x="0" y="0"/>
+          <a:ext cx="0" cy="0"/>
+          <a:chOff x="0" y="0"/>
+          <a:chExt cx="0" cy="0"/>
+        </a:xfrm>
+      </p:grpSpPr>
+      <p:pic>
+        <p:nvPicPr>
+          <p:cNvPr id="9" name="slide9">
+            <a:extLst>
+              <a:ext uri="{FF2B5EF4-FFF2-40B4-BE49-F238E27FC236}">
+                <a16:creationId xmlns:a16="http://schemas.microsoft.com/office/drawing/2014/main" id="{E0371CFB-8779-4E7B-B4CC-AB68262FFAE9}"/>
+              </a:ext>
+            </a:extLst>
+          </p:cNvPr>
+          <p:cNvPicPr>
+            <a:picLocks noChangeAspect="1"/>
+          </p:cNvPicPr>
+          <p:nvPr/>
+        </p:nvPicPr>
+        <p:blipFill>
+          <a:blip r:embed="rId14">
+            <a:extLst>
+              <a:ext uri="{28A0092B-C50C-407E-A947-70E740481C1C}">
+                <a14:useLocalDpi xmlns:a14="http://schemas.microsoft.com/office/drawing/2010/main" val="0"/>
+              </a:ext>
+            </a:extLst>
+          </a:blip>
+          <a:stretch>
+            <a:fillRect/>
+          </a:stretch>
+        </p:blipFill>
+        <p:spPr>
+          <a:xfrm>
+            <a:off x="5324475" y="2043112"/>
+            <a:ext cx="1543050" cy="2771775"/>
           </a:xfrm>
           <a:prstGeom prst="rect">
             <a:avLst/>

--- a/Cammi's work/final graphs.pptx
+++ b/Cammi's work/final graphs.pptx
@@ -1,37 +1,37 @@
 
 <file path=ppt/presentation.xml><?xml version="1.0" encoding="utf-8"?>
-<p:presentation xmlns:a="http://schemas.openxmlformats.org/drawingml/2006/main" xmlns:p="http://schemas.openxmlformats.org/presentationml/2006/main" xmlns:r="http://schemas.openxmlformats.org/officeDocument/2006/relationships" saveSubsetFonts="1">
+<p:presentation xmlns:a="http://schemas.openxmlformats.org/drawingml/2006/main" xmlns:r="http://schemas.openxmlformats.org/officeDocument/2006/relationships" xmlns:p="http://schemas.openxmlformats.org/presentationml/2006/main" saveSubsetFonts="1">
   <p:sldMasterIdLst>
     <p:sldMasterId id="2147483648" r:id="rId1"/>
   </p:sldMasterIdLst>
   <p:sldIdLst>
-    <p:sldId id="256" r:id="rId6"/>
-    <p:sldId id="257" r:id="rId7"/>
-    <p:sldId id="258" r:id="rId8"/>
-    <p:sldId id="259" r:id="rId9"/>
-    <p:sldId id="260" r:id="rId10"/>
-    <p:sldId id="261" r:id="rId11"/>
-    <p:sldId id="262" r:id="rId12"/>
-    <p:sldId id="263" r:id="rId13"/>
-    <p:sldId id="264" r:id="rId14"/>
-    <p:sldId id="265" r:id="rId15"/>
-    <p:sldId id="266" r:id="rId16"/>
-    <p:sldId id="267" r:id="rId17"/>
-    <p:sldId id="268" r:id="rId18"/>
-    <p:sldId id="269" r:id="rId19"/>
-    <p:sldId id="270" r:id="rId20"/>
-    <p:sldId id="271" r:id="rId21"/>
-    <p:sldId id="272" r:id="rId22"/>
-    <p:sldId id="273" r:id="rId23"/>
-    <p:sldId id="274" r:id="rId24"/>
-    <p:sldId id="275" r:id="rId25"/>
-    <p:sldId id="276" r:id="rId26"/>
-    <p:sldId id="277" r:id="rId27"/>
-    <p:sldId id="278" r:id="rId28"/>
-    <p:sldId id="279" r:id="rId29"/>
-    <p:sldId id="280" r:id="rId30"/>
-    <p:sldId id="281" r:id="rId31"/>
-    <p:sldId id="282" r:id="rId32"/>
+    <p:sldId id="256" r:id="rId2"/>
+    <p:sldId id="257" r:id="rId3"/>
+    <p:sldId id="258" r:id="rId4"/>
+    <p:sldId id="259" r:id="rId5"/>
+    <p:sldId id="260" r:id="rId6"/>
+    <p:sldId id="261" r:id="rId7"/>
+    <p:sldId id="262" r:id="rId8"/>
+    <p:sldId id="263" r:id="rId9"/>
+    <p:sldId id="264" r:id="rId10"/>
+    <p:sldId id="265" r:id="rId11"/>
+    <p:sldId id="266" r:id="rId12"/>
+    <p:sldId id="267" r:id="rId13"/>
+    <p:sldId id="268" r:id="rId14"/>
+    <p:sldId id="269" r:id="rId15"/>
+    <p:sldId id="270" r:id="rId16"/>
+    <p:sldId id="271" r:id="rId17"/>
+    <p:sldId id="272" r:id="rId18"/>
+    <p:sldId id="273" r:id="rId19"/>
+    <p:sldId id="274" r:id="rId20"/>
+    <p:sldId id="275" r:id="rId21"/>
+    <p:sldId id="276" r:id="rId22"/>
+    <p:sldId id="277" r:id="rId23"/>
+    <p:sldId id="278" r:id="rId24"/>
+    <p:sldId id="279" r:id="rId25"/>
+    <p:sldId id="280" r:id="rId26"/>
+    <p:sldId id="281" r:id="rId27"/>
+    <p:sldId id="282" r:id="rId28"/>
   </p:sldIdLst>
   <p:sldSz cx="12192000" cy="6858000"/>
   <p:notesSz cx="6858000" cy="9144000"/>
@@ -39,8 +39,8 @@
     <a:defPPr>
       <a:defRPr lang="en-US"/>
     </a:defPPr>
-    <a:lvl1pPr algn="l" defTabSz="914400" eaLnBrk="1" hangingPunct="1" latinLnBrk="0" marL="0" rtl="0">
-      <a:defRPr kern="1200" sz="1800">
+    <a:lvl1pPr marL="0" algn="l" defTabSz="914400" rtl="0" eaLnBrk="1" latinLnBrk="0" hangingPunct="1">
+      <a:defRPr sz="1800" kern="1200">
         <a:solidFill>
           <a:schemeClr val="tx1"/>
         </a:solidFill>
@@ -49,8 +49,8 @@
         <a:cs typeface="+mn-cs"/>
       </a:defRPr>
     </a:lvl1pPr>
-    <a:lvl2pPr algn="l" defTabSz="914400" eaLnBrk="1" hangingPunct="1" latinLnBrk="0" marL="457200" rtl="0">
-      <a:defRPr kern="1200" sz="1800">
+    <a:lvl2pPr marL="457200" algn="l" defTabSz="914400" rtl="0" eaLnBrk="1" latinLnBrk="0" hangingPunct="1">
+      <a:defRPr sz="1800" kern="1200">
         <a:solidFill>
           <a:schemeClr val="tx1"/>
         </a:solidFill>
@@ -59,8 +59,8 @@
         <a:cs typeface="+mn-cs"/>
       </a:defRPr>
     </a:lvl2pPr>
-    <a:lvl3pPr algn="l" defTabSz="914400" eaLnBrk="1" hangingPunct="1" latinLnBrk="0" marL="914400" rtl="0">
-      <a:defRPr kern="1200" sz="1800">
+    <a:lvl3pPr marL="914400" algn="l" defTabSz="914400" rtl="0" eaLnBrk="1" latinLnBrk="0" hangingPunct="1">
+      <a:defRPr sz="1800" kern="1200">
         <a:solidFill>
           <a:schemeClr val="tx1"/>
         </a:solidFill>
@@ -69,8 +69,8 @@
         <a:cs typeface="+mn-cs"/>
       </a:defRPr>
     </a:lvl3pPr>
-    <a:lvl4pPr algn="l" defTabSz="914400" eaLnBrk="1" hangingPunct="1" latinLnBrk="0" marL="1371600" rtl="0">
-      <a:defRPr kern="1200" sz="1800">
+    <a:lvl4pPr marL="1371600" algn="l" defTabSz="914400" rtl="0" eaLnBrk="1" latinLnBrk="0" hangingPunct="1">
+      <a:defRPr sz="1800" kern="1200">
         <a:solidFill>
           <a:schemeClr val="tx1"/>
         </a:solidFill>
@@ -79,8 +79,8 @@
         <a:cs typeface="+mn-cs"/>
       </a:defRPr>
     </a:lvl4pPr>
-    <a:lvl5pPr algn="l" defTabSz="914400" eaLnBrk="1" hangingPunct="1" latinLnBrk="0" marL="1828800" rtl="0">
-      <a:defRPr kern="1200" sz="1800">
+    <a:lvl5pPr marL="1828800" algn="l" defTabSz="914400" rtl="0" eaLnBrk="1" latinLnBrk="0" hangingPunct="1">
+      <a:defRPr sz="1800" kern="1200">
         <a:solidFill>
           <a:schemeClr val="tx1"/>
         </a:solidFill>
@@ -89,8 +89,8 @@
         <a:cs typeface="+mn-cs"/>
       </a:defRPr>
     </a:lvl5pPr>
-    <a:lvl6pPr algn="l" defTabSz="914400" eaLnBrk="1" hangingPunct="1" latinLnBrk="0" marL="2286000" rtl="0">
-      <a:defRPr kern="1200" sz="1800">
+    <a:lvl6pPr marL="2286000" algn="l" defTabSz="914400" rtl="0" eaLnBrk="1" latinLnBrk="0" hangingPunct="1">
+      <a:defRPr sz="1800" kern="1200">
         <a:solidFill>
           <a:schemeClr val="tx1"/>
         </a:solidFill>
@@ -99,8 +99,8 @@
         <a:cs typeface="+mn-cs"/>
       </a:defRPr>
     </a:lvl6pPr>
-    <a:lvl7pPr algn="l" defTabSz="914400" eaLnBrk="1" hangingPunct="1" latinLnBrk="0" marL="2743200" rtl="0">
-      <a:defRPr kern="1200" sz="1800">
+    <a:lvl7pPr marL="2743200" algn="l" defTabSz="914400" rtl="0" eaLnBrk="1" latinLnBrk="0" hangingPunct="1">
+      <a:defRPr sz="1800" kern="1200">
         <a:solidFill>
           <a:schemeClr val="tx1"/>
         </a:solidFill>
@@ -109,8 +109,8 @@
         <a:cs typeface="+mn-cs"/>
       </a:defRPr>
     </a:lvl7pPr>
-    <a:lvl8pPr algn="l" defTabSz="914400" eaLnBrk="1" hangingPunct="1" latinLnBrk="0" marL="3200400" rtl="0">
-      <a:defRPr kern="1200" sz="1800">
+    <a:lvl8pPr marL="3200400" algn="l" defTabSz="914400" rtl="0" eaLnBrk="1" latinLnBrk="0" hangingPunct="1">
+      <a:defRPr sz="1800" kern="1200">
         <a:solidFill>
           <a:schemeClr val="tx1"/>
         </a:solidFill>
@@ -119,8 +119,8 @@
         <a:cs typeface="+mn-cs"/>
       </a:defRPr>
     </a:lvl8pPr>
-    <a:lvl9pPr algn="l" defTabSz="914400" eaLnBrk="1" hangingPunct="1" latinLnBrk="0" marL="3657600" rtl="0">
-      <a:defRPr kern="1200" sz="1800">
+    <a:lvl9pPr marL="3657600" algn="l" defTabSz="914400" rtl="0" eaLnBrk="1" latinLnBrk="0" hangingPunct="1">
+      <a:defRPr sz="1800" kern="1200">
         <a:solidFill>
           <a:schemeClr val="tx1"/>
         </a:solidFill>
@@ -130,6 +130,11 @@
       </a:defRPr>
     </a:lvl9pPr>
   </p:defaultTextStyle>
+  <p:extLst>
+    <p:ext uri="{EFAFB233-063F-42B5-8137-9DF3F51BA10A}">
+      <p15:sldGuideLst xmlns:p15="http://schemas.microsoft.com/office/powerpoint/2012/main"/>
+    </p:ext>
+  </p:extLst>
 </p:presentation>
 </file>
 
@@ -280,7 +285,7 @@
           <a:p>
             <a:fld id="{EED1C14C-A143-42F5-B247-D0E800131009}" type="datetimeFigureOut">
               <a:rPr lang="en-US" smtClean="0"/>
-              <a:t>8/15/2018</a:t>
+              <a:t>5/14/2019</a:t>
             </a:fld>
             <a:endParaRPr lang="en-US"/>
           </a:p>
@@ -478,7 +483,7 @@
           <a:p>
             <a:fld id="{EED1C14C-A143-42F5-B247-D0E800131009}" type="datetimeFigureOut">
               <a:rPr lang="en-US" smtClean="0"/>
-              <a:t>8/15/2018</a:t>
+              <a:t>5/14/2019</a:t>
             </a:fld>
             <a:endParaRPr lang="en-US"/>
           </a:p>
@@ -686,7 +691,7 @@
           <a:p>
             <a:fld id="{EED1C14C-A143-42F5-B247-D0E800131009}" type="datetimeFigureOut">
               <a:rPr lang="en-US" smtClean="0"/>
-              <a:t>8/15/2018</a:t>
+              <a:t>5/14/2019</a:t>
             </a:fld>
             <a:endParaRPr lang="en-US"/>
           </a:p>
@@ -884,7 +889,7 @@
           <a:p>
             <a:fld id="{EED1C14C-A143-42F5-B247-D0E800131009}" type="datetimeFigureOut">
               <a:rPr lang="en-US" smtClean="0"/>
-              <a:t>8/15/2018</a:t>
+              <a:t>5/14/2019</a:t>
             </a:fld>
             <a:endParaRPr lang="en-US"/>
           </a:p>
@@ -1159,7 +1164,7 @@
           <a:p>
             <a:fld id="{EED1C14C-A143-42F5-B247-D0E800131009}" type="datetimeFigureOut">
               <a:rPr lang="en-US" smtClean="0"/>
-              <a:t>8/15/2018</a:t>
+              <a:t>5/14/2019</a:t>
             </a:fld>
             <a:endParaRPr lang="en-US"/>
           </a:p>
@@ -1424,7 +1429,7 @@
           <a:p>
             <a:fld id="{EED1C14C-A143-42F5-B247-D0E800131009}" type="datetimeFigureOut">
               <a:rPr lang="en-US" smtClean="0"/>
-              <a:t>8/15/2018</a:t>
+              <a:t>5/14/2019</a:t>
             </a:fld>
             <a:endParaRPr lang="en-US"/>
           </a:p>
@@ -1836,7 +1841,7 @@
           <a:p>
             <a:fld id="{EED1C14C-A143-42F5-B247-D0E800131009}" type="datetimeFigureOut">
               <a:rPr lang="en-US" smtClean="0"/>
-              <a:t>8/15/2018</a:t>
+              <a:t>5/14/2019</a:t>
             </a:fld>
             <a:endParaRPr lang="en-US"/>
           </a:p>
@@ -1977,7 +1982,7 @@
           <a:p>
             <a:fld id="{EED1C14C-A143-42F5-B247-D0E800131009}" type="datetimeFigureOut">
               <a:rPr lang="en-US" smtClean="0"/>
-              <a:t>8/15/2018</a:t>
+              <a:t>5/14/2019</a:t>
             </a:fld>
             <a:endParaRPr lang="en-US"/>
           </a:p>
@@ -2090,7 +2095,7 @@
           <a:p>
             <a:fld id="{EED1C14C-A143-42F5-B247-D0E800131009}" type="datetimeFigureOut">
               <a:rPr lang="en-US" smtClean="0"/>
-              <a:t>8/15/2018</a:t>
+              <a:t>5/14/2019</a:t>
             </a:fld>
             <a:endParaRPr lang="en-US"/>
           </a:p>
@@ -2401,7 +2406,7 @@
           <a:p>
             <a:fld id="{EED1C14C-A143-42F5-B247-D0E800131009}" type="datetimeFigureOut">
               <a:rPr lang="en-US" smtClean="0"/>
-              <a:t>8/15/2018</a:t>
+              <a:t>5/14/2019</a:t>
             </a:fld>
             <a:endParaRPr lang="en-US"/>
           </a:p>
@@ -2689,7 +2694,7 @@
           <a:p>
             <a:fld id="{EED1C14C-A143-42F5-B247-D0E800131009}" type="datetimeFigureOut">
               <a:rPr lang="en-US" smtClean="0"/>
-              <a:t>8/15/2018</a:t>
+              <a:t>5/14/2019</a:t>
             </a:fld>
             <a:endParaRPr lang="en-US"/>
           </a:p>
@@ -2930,7 +2935,7 @@
           <a:p>
             <a:fld id="{EED1C14C-A143-42F5-B247-D0E800131009}" type="datetimeFigureOut">
               <a:rPr lang="en-US" smtClean="0"/>
-              <a:t>8/15/2018</a:t>
+              <a:t>5/14/2019</a:t>
             </a:fld>
             <a:endParaRPr lang="en-US"/>
           </a:p>
@@ -3331,7 +3336,7 @@
 </file>
 
 <file path=ppt/slides/slide1.xml><?xml version="1.0" encoding="utf-8"?>
-<p:sld xmlns:a="http://schemas.openxmlformats.org/drawingml/2006/main" xmlns:p="http://schemas.openxmlformats.org/presentationml/2006/main" xmlns:r="http://schemas.openxmlformats.org/officeDocument/2006/relationships">
+<p:sld xmlns:a="http://schemas.openxmlformats.org/drawingml/2006/main" xmlns:r="http://schemas.openxmlformats.org/officeDocument/2006/relationships" xmlns:p="http://schemas.openxmlformats.org/presentationml/2006/main">
   <p:cSld>
     <p:spTree>
       <p:nvGrpSpPr>
@@ -3349,18 +3354,18 @@
       </p:grpSpPr>
       <p:sp>
         <p:nvSpPr>
-          <p:cNvPr id="0" name="slide1">
-            <a:extLst>
-              <a:ext uri="{FF2B5EF4-FFF2-40B4-BE49-F238E27FC236}">
-                <a16:creationId xmlns:a16="http://schemas.microsoft.com/office/drawing/2014/main" id="{EA6F9FDA-0B3B-41CE-8928-B844021B05E5}"/>
-              </a:ext>
-            </a:extLst>
-          </p:cNvPr>
-          <p:cNvSpPr>
-            <a:spLocks noGrp="1"/>
-          </p:cNvSpPr>
-          <p:nvPr>
-            <p:ph idx="0" type="ctrTitle"/>
+          <p:cNvPr id="2" name="slide1">
+            <a:extLst>
+              <a:ext uri="{FF2B5EF4-FFF2-40B4-BE49-F238E27FC236}">
+                <a16:creationId xmlns:a16="http://schemas.microsoft.com/office/drawing/2014/main" id="{46E8C1F0-5CAE-485A-BE6A-E06E88C519C3}"/>
+              </a:ext>
+            </a:extLst>
+          </p:cNvPr>
+          <p:cNvSpPr>
+            <a:spLocks noGrp="1"/>
+          </p:cNvSpPr>
+          <p:nvPr>
+            <p:ph type="ctrTitle"/>
           </p:nvPr>
         </p:nvSpPr>
         <p:spPr/>
@@ -3369,7 +3374,6 @@
           <a:lstStyle/>
           <a:p>
             <a:r>
-              <a:rPr/>
               <a:t>Final Graphs</a:t>
             </a:r>
           </a:p>
@@ -3377,18 +3381,18 @@
       </p:sp>
       <p:sp>
         <p:nvSpPr>
-          <p:cNvPr id="1" name="slide1">
-            <a:extLst>
-              <a:ext uri="{FF2B5EF4-FFF2-40B4-BE49-F238E27FC236}">
-                <a16:creationId xmlns:a16="http://schemas.microsoft.com/office/drawing/2014/main" id="{4A49FD66-5EF4-48EA-A3CE-6FD3ABF258DD}"/>
-              </a:ext>
-            </a:extLst>
-          </p:cNvPr>
-          <p:cNvSpPr>
-            <a:spLocks noGrp="1"/>
-          </p:cNvSpPr>
-          <p:nvPr>
-            <p:ph idx="1" type="subTitle"/>
+          <p:cNvPr id="3" name="slide1">
+            <a:extLst>
+              <a:ext uri="{FF2B5EF4-FFF2-40B4-BE49-F238E27FC236}">
+                <a16:creationId xmlns:a16="http://schemas.microsoft.com/office/drawing/2014/main" id="{AA51CCE3-5B39-495C-9CAB-E55312B78106}"/>
+              </a:ext>
+            </a:extLst>
+          </p:cNvPr>
+          <p:cNvSpPr>
+            <a:spLocks noGrp="1"/>
+          </p:cNvSpPr>
+          <p:nvPr>
+            <p:ph type="subTitle" idx="1"/>
           </p:nvPr>
         </p:nvSpPr>
         <p:spPr/>
@@ -3397,8 +3401,7 @@
           <a:lstStyle/>
           <a:p>
             <a:r>
-              <a:rPr/>
-              <a:t>File created on: 5/14/2019 9:39:03 PM</a:t>
+              <a:t>File created on: 5/14/2019 9:54:43 PM</a:t>
             </a:r>
           </a:p>
         </p:txBody>
@@ -3417,7 +3420,7 @@
 </file>
 
 <file path=ppt/slides/slide10.xml><?xml version="1.0" encoding="utf-8"?>
-<p:sld xmlns:a="http://schemas.openxmlformats.org/drawingml/2006/main" xmlns:p="http://schemas.openxmlformats.org/presentationml/2006/main" xmlns:r="http://schemas.openxmlformats.org/officeDocument/2006/relationships">
+<p:sld xmlns:a="http://schemas.openxmlformats.org/drawingml/2006/main" xmlns:r="http://schemas.openxmlformats.org/officeDocument/2006/relationships" xmlns:p="http://schemas.openxmlformats.org/presentationml/2006/main">
   <p:cSld>
     <p:spTree>
       <p:nvGrpSpPr>
@@ -3438,7 +3441,7 @@
           <p:cNvPr id="10" name="slide10">
             <a:extLst>
               <a:ext uri="{FF2B5EF4-FFF2-40B4-BE49-F238E27FC236}">
-                <a16:creationId xmlns:a16="http://schemas.microsoft.com/office/drawing/2014/main" id="{20FCD5B0-2571-4CEC-819E-A30185DEBB1F}"/>
+                <a16:creationId xmlns:a16="http://schemas.microsoft.com/office/drawing/2014/main" id="{3541AAD8-861A-4280-8AD3-4E3BC1F3EE1E}"/>
               </a:ext>
             </a:extLst>
           </p:cNvPr>
@@ -3448,7 +3451,7 @@
           <p:nvPr/>
         </p:nvPicPr>
         <p:blipFill>
-          <a:blip r:embed="rId15">
+          <a:blip r:embed="rId2">
             <a:extLst>
               <a:ext uri="{28A0092B-C50C-407E-A947-70E740481C1C}">
                 <a14:useLocalDpi xmlns:a14="http://schemas.microsoft.com/office/drawing/2010/main" val="0"/>
@@ -3483,7 +3486,7 @@
 </file>
 
 <file path=ppt/slides/slide11.xml><?xml version="1.0" encoding="utf-8"?>
-<p:sld xmlns:a="http://schemas.openxmlformats.org/drawingml/2006/main" xmlns:p="http://schemas.openxmlformats.org/presentationml/2006/main" xmlns:r="http://schemas.openxmlformats.org/officeDocument/2006/relationships">
+<p:sld xmlns:a="http://schemas.openxmlformats.org/drawingml/2006/main" xmlns:r="http://schemas.openxmlformats.org/officeDocument/2006/relationships" xmlns:p="http://schemas.openxmlformats.org/presentationml/2006/main">
   <p:cSld>
     <p:spTree>
       <p:nvGrpSpPr>
@@ -3504,7 +3507,7 @@
           <p:cNvPr id="11" name="slide11">
             <a:extLst>
               <a:ext uri="{FF2B5EF4-FFF2-40B4-BE49-F238E27FC236}">
-                <a16:creationId xmlns:a16="http://schemas.microsoft.com/office/drawing/2014/main" id="{A96B079D-2E19-4D9D-A55A-1A4A04CDC0E7}"/>
+                <a16:creationId xmlns:a16="http://schemas.microsoft.com/office/drawing/2014/main" id="{9591AFB5-564A-44BE-AC7F-4978367A2614}"/>
               </a:ext>
             </a:extLst>
           </p:cNvPr>
@@ -3514,7 +3517,7 @@
           <p:nvPr/>
         </p:nvPicPr>
         <p:blipFill>
-          <a:blip r:embed="rId16">
+          <a:blip r:embed="rId2">
             <a:extLst>
               <a:ext uri="{28A0092B-C50C-407E-A947-70E740481C1C}">
                 <a14:useLocalDpi xmlns:a14="http://schemas.microsoft.com/office/drawing/2010/main" val="0"/>
@@ -3527,8 +3530,8 @@
         </p:blipFill>
         <p:spPr>
           <a:xfrm>
-            <a:off x="5324475" y="2043112"/>
-            <a:ext cx="1543050" cy="2771775"/>
+            <a:off x="1323975" y="719137"/>
+            <a:ext cx="9544050" cy="5419725"/>
           </a:xfrm>
           <a:prstGeom prst="rect">
             <a:avLst/>
@@ -3549,7 +3552,7 @@
 </file>
 
 <file path=ppt/slides/slide12.xml><?xml version="1.0" encoding="utf-8"?>
-<p:sld xmlns:a="http://schemas.openxmlformats.org/drawingml/2006/main" xmlns:p="http://schemas.openxmlformats.org/presentationml/2006/main" xmlns:r="http://schemas.openxmlformats.org/officeDocument/2006/relationships">
+<p:sld xmlns:a="http://schemas.openxmlformats.org/drawingml/2006/main" xmlns:r="http://schemas.openxmlformats.org/officeDocument/2006/relationships" xmlns:p="http://schemas.openxmlformats.org/presentationml/2006/main">
   <p:cSld>
     <p:spTree>
       <p:nvGrpSpPr>
@@ -3570,7 +3573,7 @@
           <p:cNvPr id="12" name="slide12">
             <a:extLst>
               <a:ext uri="{FF2B5EF4-FFF2-40B4-BE49-F238E27FC236}">
-                <a16:creationId xmlns:a16="http://schemas.microsoft.com/office/drawing/2014/main" id="{2238B4AA-65F7-4234-AE5C-FDCA9AA1E471}"/>
+                <a16:creationId xmlns:a16="http://schemas.microsoft.com/office/drawing/2014/main" id="{164F2B8C-4B25-4152-9DB3-5933BA3C5080}"/>
               </a:ext>
             </a:extLst>
           </p:cNvPr>
@@ -3580,7 +3583,7 @@
           <p:nvPr/>
         </p:nvPicPr>
         <p:blipFill>
-          <a:blip r:embed="rId17">
+          <a:blip r:embed="rId2">
             <a:extLst>
               <a:ext uri="{28A0092B-C50C-407E-A947-70E740481C1C}">
                 <a14:useLocalDpi xmlns:a14="http://schemas.microsoft.com/office/drawing/2010/main" val="0"/>
@@ -3615,7 +3618,7 @@
 </file>
 
 <file path=ppt/slides/slide13.xml><?xml version="1.0" encoding="utf-8"?>
-<p:sld xmlns:a="http://schemas.openxmlformats.org/drawingml/2006/main" xmlns:p="http://schemas.openxmlformats.org/presentationml/2006/main" xmlns:r="http://schemas.openxmlformats.org/officeDocument/2006/relationships">
+<p:sld xmlns:a="http://schemas.openxmlformats.org/drawingml/2006/main" xmlns:r="http://schemas.openxmlformats.org/officeDocument/2006/relationships" xmlns:p="http://schemas.openxmlformats.org/presentationml/2006/main">
   <p:cSld>
     <p:spTree>
       <p:nvGrpSpPr>
@@ -3636,7 +3639,7 @@
           <p:cNvPr id="13" name="slide13">
             <a:extLst>
               <a:ext uri="{FF2B5EF4-FFF2-40B4-BE49-F238E27FC236}">
-                <a16:creationId xmlns:a16="http://schemas.microsoft.com/office/drawing/2014/main" id="{6A4239A3-A544-475D-AA2B-A29C1BD18624}"/>
+                <a16:creationId xmlns:a16="http://schemas.microsoft.com/office/drawing/2014/main" id="{342EE53F-DAA1-4508-8183-61D929E24386}"/>
               </a:ext>
             </a:extLst>
           </p:cNvPr>
@@ -3646,7 +3649,7 @@
           <p:nvPr/>
         </p:nvPicPr>
         <p:blipFill>
-          <a:blip r:embed="rId18">
+          <a:blip r:embed="rId2">
             <a:extLst>
               <a:ext uri="{28A0092B-C50C-407E-A947-70E740481C1C}">
                 <a14:useLocalDpi xmlns:a14="http://schemas.microsoft.com/office/drawing/2010/main" val="0"/>
@@ -3659,8 +3662,8 @@
         </p:blipFill>
         <p:spPr>
           <a:xfrm>
-            <a:off x="2276475" y="666750"/>
-            <a:ext cx="7639050" cy="5524500"/>
+            <a:off x="2276475" y="719137"/>
+            <a:ext cx="7639050" cy="5419725"/>
           </a:xfrm>
           <a:prstGeom prst="rect">
             <a:avLst/>
@@ -3681,7 +3684,7 @@
 </file>
 
 <file path=ppt/slides/slide14.xml><?xml version="1.0" encoding="utf-8"?>
-<p:sld xmlns:a="http://schemas.openxmlformats.org/drawingml/2006/main" xmlns:p="http://schemas.openxmlformats.org/presentationml/2006/main" xmlns:r="http://schemas.openxmlformats.org/officeDocument/2006/relationships">
+<p:sld xmlns:a="http://schemas.openxmlformats.org/drawingml/2006/main" xmlns:r="http://schemas.openxmlformats.org/officeDocument/2006/relationships" xmlns:p="http://schemas.openxmlformats.org/presentationml/2006/main">
   <p:cSld>
     <p:spTree>
       <p:nvGrpSpPr>
@@ -3702,7 +3705,7 @@
           <p:cNvPr id="14" name="slide14">
             <a:extLst>
               <a:ext uri="{FF2B5EF4-FFF2-40B4-BE49-F238E27FC236}">
-                <a16:creationId xmlns:a16="http://schemas.microsoft.com/office/drawing/2014/main" id="{66748A26-B0D4-4F93-989E-E3EBCDD37C12}"/>
+                <a16:creationId xmlns:a16="http://schemas.microsoft.com/office/drawing/2014/main" id="{7DC3980F-8E17-4F43-948D-C4B346C816AD}"/>
               </a:ext>
             </a:extLst>
           </p:cNvPr>
@@ -3712,7 +3715,7 @@
           <p:nvPr/>
         </p:nvPicPr>
         <p:blipFill>
-          <a:blip r:embed="rId19">
+          <a:blip r:embed="rId2">
             <a:extLst>
               <a:ext uri="{28A0092B-C50C-407E-A947-70E740481C1C}">
                 <a14:useLocalDpi xmlns:a14="http://schemas.microsoft.com/office/drawing/2010/main" val="0"/>
@@ -3747,7 +3750,7 @@
 </file>
 
 <file path=ppt/slides/slide15.xml><?xml version="1.0" encoding="utf-8"?>
-<p:sld xmlns:a="http://schemas.openxmlformats.org/drawingml/2006/main" xmlns:p="http://schemas.openxmlformats.org/presentationml/2006/main" xmlns:r="http://schemas.openxmlformats.org/officeDocument/2006/relationships">
+<p:sld xmlns:a="http://schemas.openxmlformats.org/drawingml/2006/main" xmlns:r="http://schemas.openxmlformats.org/officeDocument/2006/relationships" xmlns:p="http://schemas.openxmlformats.org/presentationml/2006/main">
   <p:cSld>
     <p:spTree>
       <p:nvGrpSpPr>
@@ -3768,7 +3771,7 @@
           <p:cNvPr id="15" name="slide15">
             <a:extLst>
               <a:ext uri="{FF2B5EF4-FFF2-40B4-BE49-F238E27FC236}">
-                <a16:creationId xmlns:a16="http://schemas.microsoft.com/office/drawing/2014/main" id="{0F51ABA2-A116-4800-ACF8-EA4F2E1AC0E5}"/>
+                <a16:creationId xmlns:a16="http://schemas.microsoft.com/office/drawing/2014/main" id="{EE7171D9-14E0-40D1-9E66-3A6ED3CF6844}"/>
               </a:ext>
             </a:extLst>
           </p:cNvPr>
@@ -3778,7 +3781,7 @@
           <p:nvPr/>
         </p:nvPicPr>
         <p:blipFill>
-          <a:blip r:embed="rId20">
+          <a:blip r:embed="rId2">
             <a:extLst>
               <a:ext uri="{28A0092B-C50C-407E-A947-70E740481C1C}">
                 <a14:useLocalDpi xmlns:a14="http://schemas.microsoft.com/office/drawing/2010/main" val="0"/>
@@ -3813,7 +3816,7 @@
 </file>
 
 <file path=ppt/slides/slide16.xml><?xml version="1.0" encoding="utf-8"?>
-<p:sld xmlns:a="http://schemas.openxmlformats.org/drawingml/2006/main" xmlns:p="http://schemas.openxmlformats.org/presentationml/2006/main" xmlns:r="http://schemas.openxmlformats.org/officeDocument/2006/relationships">
+<p:sld xmlns:a="http://schemas.openxmlformats.org/drawingml/2006/main" xmlns:r="http://schemas.openxmlformats.org/officeDocument/2006/relationships" xmlns:p="http://schemas.openxmlformats.org/presentationml/2006/main">
   <p:cSld>
     <p:spTree>
       <p:nvGrpSpPr>
@@ -3834,7 +3837,7 @@
           <p:cNvPr id="16" name="slide16">
             <a:extLst>
               <a:ext uri="{FF2B5EF4-FFF2-40B4-BE49-F238E27FC236}">
-                <a16:creationId xmlns:a16="http://schemas.microsoft.com/office/drawing/2014/main" id="{544A1B86-18FA-46EF-843A-258CB8E868DC}"/>
+                <a16:creationId xmlns:a16="http://schemas.microsoft.com/office/drawing/2014/main" id="{15F1030B-BCF2-4FF9-8220-CB61A8AB2A81}"/>
               </a:ext>
             </a:extLst>
           </p:cNvPr>
@@ -3844,7 +3847,7 @@
           <p:nvPr/>
         </p:nvPicPr>
         <p:blipFill>
-          <a:blip r:embed="rId21">
+          <a:blip r:embed="rId2">
             <a:extLst>
               <a:ext uri="{28A0092B-C50C-407E-A947-70E740481C1C}">
                 <a14:useLocalDpi xmlns:a14="http://schemas.microsoft.com/office/drawing/2010/main" val="0"/>
@@ -3879,7 +3882,7 @@
 </file>
 
 <file path=ppt/slides/slide17.xml><?xml version="1.0" encoding="utf-8"?>
-<p:sld xmlns:a="http://schemas.openxmlformats.org/drawingml/2006/main" xmlns:p="http://schemas.openxmlformats.org/presentationml/2006/main" xmlns:r="http://schemas.openxmlformats.org/officeDocument/2006/relationships">
+<p:sld xmlns:a="http://schemas.openxmlformats.org/drawingml/2006/main" xmlns:r="http://schemas.openxmlformats.org/officeDocument/2006/relationships" xmlns:p="http://schemas.openxmlformats.org/presentationml/2006/main">
   <p:cSld>
     <p:spTree>
       <p:nvGrpSpPr>
@@ -3900,7 +3903,7 @@
           <p:cNvPr id="17" name="slide17">
             <a:extLst>
               <a:ext uri="{FF2B5EF4-FFF2-40B4-BE49-F238E27FC236}">
-                <a16:creationId xmlns:a16="http://schemas.microsoft.com/office/drawing/2014/main" id="{05402071-343D-4CCD-AAD2-33A4E609A986}"/>
+                <a16:creationId xmlns:a16="http://schemas.microsoft.com/office/drawing/2014/main" id="{BCEB934E-871F-4253-89AE-0881F211B515}"/>
               </a:ext>
             </a:extLst>
           </p:cNvPr>
@@ -3910,7 +3913,7 @@
           <p:nvPr/>
         </p:nvPicPr>
         <p:blipFill>
-          <a:blip r:embed="rId22">
+          <a:blip r:embed="rId2">
             <a:extLst>
               <a:ext uri="{28A0092B-C50C-407E-A947-70E740481C1C}">
                 <a14:useLocalDpi xmlns:a14="http://schemas.microsoft.com/office/drawing/2010/main" val="0"/>
@@ -3945,7 +3948,7 @@
 </file>
 
 <file path=ppt/slides/slide18.xml><?xml version="1.0" encoding="utf-8"?>
-<p:sld xmlns:a="http://schemas.openxmlformats.org/drawingml/2006/main" xmlns:p="http://schemas.openxmlformats.org/presentationml/2006/main" xmlns:r="http://schemas.openxmlformats.org/officeDocument/2006/relationships">
+<p:sld xmlns:a="http://schemas.openxmlformats.org/drawingml/2006/main" xmlns:r="http://schemas.openxmlformats.org/officeDocument/2006/relationships" xmlns:p="http://schemas.openxmlformats.org/presentationml/2006/main">
   <p:cSld>
     <p:spTree>
       <p:nvGrpSpPr>
@@ -3966,7 +3969,7 @@
           <p:cNvPr id="18" name="slide18">
             <a:extLst>
               <a:ext uri="{FF2B5EF4-FFF2-40B4-BE49-F238E27FC236}">
-                <a16:creationId xmlns:a16="http://schemas.microsoft.com/office/drawing/2014/main" id="{E89FD2BB-2F06-43A6-AEC0-289937C7B5E3}"/>
+                <a16:creationId xmlns:a16="http://schemas.microsoft.com/office/drawing/2014/main" id="{51615A16-EB50-4D20-940A-AC5D5C385ECF}"/>
               </a:ext>
             </a:extLst>
           </p:cNvPr>
@@ -3976,7 +3979,7 @@
           <p:nvPr/>
         </p:nvPicPr>
         <p:blipFill>
-          <a:blip r:embed="rId23">
+          <a:blip r:embed="rId2">
             <a:extLst>
               <a:ext uri="{28A0092B-C50C-407E-A947-70E740481C1C}">
                 <a14:useLocalDpi xmlns:a14="http://schemas.microsoft.com/office/drawing/2010/main" val="0"/>
@@ -4011,7 +4014,7 @@
 </file>
 
 <file path=ppt/slides/slide19.xml><?xml version="1.0" encoding="utf-8"?>
-<p:sld xmlns:a="http://schemas.openxmlformats.org/drawingml/2006/main" xmlns:p="http://schemas.openxmlformats.org/presentationml/2006/main" xmlns:r="http://schemas.openxmlformats.org/officeDocument/2006/relationships">
+<p:sld xmlns:a="http://schemas.openxmlformats.org/drawingml/2006/main" xmlns:r="http://schemas.openxmlformats.org/officeDocument/2006/relationships" xmlns:p="http://schemas.openxmlformats.org/presentationml/2006/main">
   <p:cSld>
     <p:spTree>
       <p:nvGrpSpPr>
@@ -4032,7 +4035,7 @@
           <p:cNvPr id="19" name="slide19">
             <a:extLst>
               <a:ext uri="{FF2B5EF4-FFF2-40B4-BE49-F238E27FC236}">
-                <a16:creationId xmlns:a16="http://schemas.microsoft.com/office/drawing/2014/main" id="{D96C1BBE-E773-4820-85C2-373B4F5ACBF0}"/>
+                <a16:creationId xmlns:a16="http://schemas.microsoft.com/office/drawing/2014/main" id="{F32D5097-21EE-4004-A1B0-8070FDA8D20C}"/>
               </a:ext>
             </a:extLst>
           </p:cNvPr>
@@ -4042,7 +4045,7 @@
           <p:nvPr/>
         </p:nvPicPr>
         <p:blipFill>
-          <a:blip r:embed="rId24">
+          <a:blip r:embed="rId2">
             <a:extLst>
               <a:ext uri="{28A0092B-C50C-407E-A947-70E740481C1C}">
                 <a14:useLocalDpi xmlns:a14="http://schemas.microsoft.com/office/drawing/2010/main" val="0"/>
@@ -4077,7 +4080,7 @@
 </file>
 
 <file path=ppt/slides/slide2.xml><?xml version="1.0" encoding="utf-8"?>
-<p:sld xmlns:a="http://schemas.openxmlformats.org/drawingml/2006/main" xmlns:p="http://schemas.openxmlformats.org/presentationml/2006/main" xmlns:r="http://schemas.openxmlformats.org/officeDocument/2006/relationships">
+<p:sld xmlns:a="http://schemas.openxmlformats.org/drawingml/2006/main" xmlns:r="http://schemas.openxmlformats.org/officeDocument/2006/relationships" xmlns:p="http://schemas.openxmlformats.org/presentationml/2006/main">
   <p:cSld>
     <p:spTree>
       <p:nvGrpSpPr>
@@ -4098,7 +4101,7 @@
           <p:cNvPr id="2" name="slide2">
             <a:extLst>
               <a:ext uri="{FF2B5EF4-FFF2-40B4-BE49-F238E27FC236}">
-                <a16:creationId xmlns:a16="http://schemas.microsoft.com/office/drawing/2014/main" id="{B79C227A-D344-48CC-BD68-D6BF3C630D39}"/>
+                <a16:creationId xmlns:a16="http://schemas.microsoft.com/office/drawing/2014/main" id="{9DE44134-E0DB-4387-AC03-F2D1BD319BC3}"/>
               </a:ext>
             </a:extLst>
           </p:cNvPr>
@@ -4108,7 +4111,7 @@
           <p:nvPr/>
         </p:nvPicPr>
         <p:blipFill>
-          <a:blip r:embed="rId7">
+          <a:blip r:embed="rId2">
             <a:extLst>
               <a:ext uri="{28A0092B-C50C-407E-A947-70E740481C1C}">
                 <a14:useLocalDpi xmlns:a14="http://schemas.microsoft.com/office/drawing/2010/main" val="0"/>
@@ -4143,7 +4146,7 @@
 </file>
 
 <file path=ppt/slides/slide20.xml><?xml version="1.0" encoding="utf-8"?>
-<p:sld xmlns:a="http://schemas.openxmlformats.org/drawingml/2006/main" xmlns:p="http://schemas.openxmlformats.org/presentationml/2006/main" xmlns:r="http://schemas.openxmlformats.org/officeDocument/2006/relationships">
+<p:sld xmlns:a="http://schemas.openxmlformats.org/drawingml/2006/main" xmlns:r="http://schemas.openxmlformats.org/officeDocument/2006/relationships" xmlns:p="http://schemas.openxmlformats.org/presentationml/2006/main">
   <p:cSld>
     <p:spTree>
       <p:nvGrpSpPr>
@@ -4164,7 +4167,7 @@
           <p:cNvPr id="20" name="slide20">
             <a:extLst>
               <a:ext uri="{FF2B5EF4-FFF2-40B4-BE49-F238E27FC236}">
-                <a16:creationId xmlns:a16="http://schemas.microsoft.com/office/drawing/2014/main" id="{07A7E5F2-D026-48A8-9839-48B281429371}"/>
+                <a16:creationId xmlns:a16="http://schemas.microsoft.com/office/drawing/2014/main" id="{C905AE3D-62FA-4BC4-BDBB-01F8822B6F56}"/>
               </a:ext>
             </a:extLst>
           </p:cNvPr>
@@ -4174,7 +4177,7 @@
           <p:nvPr/>
         </p:nvPicPr>
         <p:blipFill>
-          <a:blip r:embed="rId25">
+          <a:blip r:embed="rId2">
             <a:extLst>
               <a:ext uri="{28A0092B-C50C-407E-A947-70E740481C1C}">
                 <a14:useLocalDpi xmlns:a14="http://schemas.microsoft.com/office/drawing/2010/main" val="0"/>
@@ -4209,7 +4212,7 @@
 </file>
 
 <file path=ppt/slides/slide21.xml><?xml version="1.0" encoding="utf-8"?>
-<p:sld xmlns:a="http://schemas.openxmlformats.org/drawingml/2006/main" xmlns:p="http://schemas.openxmlformats.org/presentationml/2006/main" xmlns:r="http://schemas.openxmlformats.org/officeDocument/2006/relationships">
+<p:sld xmlns:a="http://schemas.openxmlformats.org/drawingml/2006/main" xmlns:r="http://schemas.openxmlformats.org/officeDocument/2006/relationships" xmlns:p="http://schemas.openxmlformats.org/presentationml/2006/main">
   <p:cSld>
     <p:spTree>
       <p:nvGrpSpPr>
@@ -4230,7 +4233,7 @@
           <p:cNvPr id="21" name="slide21">
             <a:extLst>
               <a:ext uri="{FF2B5EF4-FFF2-40B4-BE49-F238E27FC236}">
-                <a16:creationId xmlns:a16="http://schemas.microsoft.com/office/drawing/2014/main" id="{C9D14EB6-B203-4A3E-ABD1-0DDAB6422367}"/>
+                <a16:creationId xmlns:a16="http://schemas.microsoft.com/office/drawing/2014/main" id="{701A39C0-7B7A-489C-AD69-55BDD13E8F50}"/>
               </a:ext>
             </a:extLst>
           </p:cNvPr>
@@ -4240,7 +4243,7 @@
           <p:nvPr/>
         </p:nvPicPr>
         <p:blipFill>
-          <a:blip r:embed="rId26">
+          <a:blip r:embed="rId2">
             <a:extLst>
               <a:ext uri="{28A0092B-C50C-407E-A947-70E740481C1C}">
                 <a14:useLocalDpi xmlns:a14="http://schemas.microsoft.com/office/drawing/2010/main" val="0"/>
@@ -4275,7 +4278,7 @@
 </file>
 
 <file path=ppt/slides/slide22.xml><?xml version="1.0" encoding="utf-8"?>
-<p:sld xmlns:a="http://schemas.openxmlformats.org/drawingml/2006/main" xmlns:p="http://schemas.openxmlformats.org/presentationml/2006/main" xmlns:r="http://schemas.openxmlformats.org/officeDocument/2006/relationships">
+<p:sld xmlns:a="http://schemas.openxmlformats.org/drawingml/2006/main" xmlns:r="http://schemas.openxmlformats.org/officeDocument/2006/relationships" xmlns:p="http://schemas.openxmlformats.org/presentationml/2006/main">
   <p:cSld>
     <p:spTree>
       <p:nvGrpSpPr>
@@ -4296,7 +4299,7 @@
           <p:cNvPr id="22" name="slide22">
             <a:extLst>
               <a:ext uri="{FF2B5EF4-FFF2-40B4-BE49-F238E27FC236}">
-                <a16:creationId xmlns:a16="http://schemas.microsoft.com/office/drawing/2014/main" id="{BE98BCBB-77DF-4E0A-813F-5767F52D71B9}"/>
+                <a16:creationId xmlns:a16="http://schemas.microsoft.com/office/drawing/2014/main" id="{3FFF8EEA-3A42-4994-B294-E386AD9F05FB}"/>
               </a:ext>
             </a:extLst>
           </p:cNvPr>
@@ -4306,7 +4309,7 @@
           <p:nvPr/>
         </p:nvPicPr>
         <p:blipFill>
-          <a:blip r:embed="rId27">
+          <a:blip r:embed="rId2">
             <a:extLst>
               <a:ext uri="{28A0092B-C50C-407E-A947-70E740481C1C}">
                 <a14:useLocalDpi xmlns:a14="http://schemas.microsoft.com/office/drawing/2010/main" val="0"/>
@@ -4341,7 +4344,7 @@
 </file>
 
 <file path=ppt/slides/slide23.xml><?xml version="1.0" encoding="utf-8"?>
-<p:sld xmlns:a="http://schemas.openxmlformats.org/drawingml/2006/main" xmlns:p="http://schemas.openxmlformats.org/presentationml/2006/main" xmlns:r="http://schemas.openxmlformats.org/officeDocument/2006/relationships">
+<p:sld xmlns:a="http://schemas.openxmlformats.org/drawingml/2006/main" xmlns:r="http://schemas.openxmlformats.org/officeDocument/2006/relationships" xmlns:p="http://schemas.openxmlformats.org/presentationml/2006/main">
   <p:cSld>
     <p:spTree>
       <p:nvGrpSpPr>
@@ -4362,7 +4365,7 @@
           <p:cNvPr id="23" name="slide23">
             <a:extLst>
               <a:ext uri="{FF2B5EF4-FFF2-40B4-BE49-F238E27FC236}">
-                <a16:creationId xmlns:a16="http://schemas.microsoft.com/office/drawing/2014/main" id="{3058E858-7A80-41E2-870C-5568EA38842D}"/>
+                <a16:creationId xmlns:a16="http://schemas.microsoft.com/office/drawing/2014/main" id="{F94A31C3-C4BB-400A-A794-5E499EB81EB2}"/>
               </a:ext>
             </a:extLst>
           </p:cNvPr>
@@ -4372,7 +4375,7 @@
           <p:nvPr/>
         </p:nvPicPr>
         <p:blipFill>
-          <a:blip r:embed="rId28">
+          <a:blip r:embed="rId2">
             <a:extLst>
               <a:ext uri="{28A0092B-C50C-407E-A947-70E740481C1C}">
                 <a14:useLocalDpi xmlns:a14="http://schemas.microsoft.com/office/drawing/2010/main" val="0"/>
@@ -4407,7 +4410,7 @@
 </file>
 
 <file path=ppt/slides/slide24.xml><?xml version="1.0" encoding="utf-8"?>
-<p:sld xmlns:a="http://schemas.openxmlformats.org/drawingml/2006/main" xmlns:p="http://schemas.openxmlformats.org/presentationml/2006/main" xmlns:r="http://schemas.openxmlformats.org/officeDocument/2006/relationships">
+<p:sld xmlns:a="http://schemas.openxmlformats.org/drawingml/2006/main" xmlns:r="http://schemas.openxmlformats.org/officeDocument/2006/relationships" xmlns:p="http://schemas.openxmlformats.org/presentationml/2006/main">
   <p:cSld>
     <p:spTree>
       <p:nvGrpSpPr>
@@ -4428,7 +4431,7 @@
           <p:cNvPr id="24" name="slide24">
             <a:extLst>
               <a:ext uri="{FF2B5EF4-FFF2-40B4-BE49-F238E27FC236}">
-                <a16:creationId xmlns:a16="http://schemas.microsoft.com/office/drawing/2014/main" id="{7ACA050A-70E8-4B25-A527-587BC3DFBAA9}"/>
+                <a16:creationId xmlns:a16="http://schemas.microsoft.com/office/drawing/2014/main" id="{F5E3B8BB-176E-4EF0-A179-00484FF546A5}"/>
               </a:ext>
             </a:extLst>
           </p:cNvPr>
@@ -4438,7 +4441,7 @@
           <p:nvPr/>
         </p:nvPicPr>
         <p:blipFill>
-          <a:blip r:embed="rId29">
+          <a:blip r:embed="rId2">
             <a:extLst>
               <a:ext uri="{28A0092B-C50C-407E-A947-70E740481C1C}">
                 <a14:useLocalDpi xmlns:a14="http://schemas.microsoft.com/office/drawing/2010/main" val="0"/>
@@ -4473,7 +4476,7 @@
 </file>
 
 <file path=ppt/slides/slide25.xml><?xml version="1.0" encoding="utf-8"?>
-<p:sld xmlns:a="http://schemas.openxmlformats.org/drawingml/2006/main" xmlns:p="http://schemas.openxmlformats.org/presentationml/2006/main" xmlns:r="http://schemas.openxmlformats.org/officeDocument/2006/relationships">
+<p:sld xmlns:a="http://schemas.openxmlformats.org/drawingml/2006/main" xmlns:r="http://schemas.openxmlformats.org/officeDocument/2006/relationships" xmlns:p="http://schemas.openxmlformats.org/presentationml/2006/main">
   <p:cSld>
     <p:spTree>
       <p:nvGrpSpPr>
@@ -4494,7 +4497,7 @@
           <p:cNvPr id="25" name="slide25">
             <a:extLst>
               <a:ext uri="{FF2B5EF4-FFF2-40B4-BE49-F238E27FC236}">
-                <a16:creationId xmlns:a16="http://schemas.microsoft.com/office/drawing/2014/main" id="{0FC6F173-2CAE-41E8-A086-4FFC09F4E4F2}"/>
+                <a16:creationId xmlns:a16="http://schemas.microsoft.com/office/drawing/2014/main" id="{BE791B36-57AF-4F70-82CF-BAF86F8F7EEF}"/>
               </a:ext>
             </a:extLst>
           </p:cNvPr>
@@ -4504,7 +4507,7 @@
           <p:nvPr/>
         </p:nvPicPr>
         <p:blipFill>
-          <a:blip r:embed="rId30">
+          <a:blip r:embed="rId2">
             <a:extLst>
               <a:ext uri="{28A0092B-C50C-407E-A947-70E740481C1C}">
                 <a14:useLocalDpi xmlns:a14="http://schemas.microsoft.com/office/drawing/2010/main" val="0"/>
@@ -4539,7 +4542,7 @@
 </file>
 
 <file path=ppt/slides/slide26.xml><?xml version="1.0" encoding="utf-8"?>
-<p:sld xmlns:a="http://schemas.openxmlformats.org/drawingml/2006/main" xmlns:p="http://schemas.openxmlformats.org/presentationml/2006/main" xmlns:r="http://schemas.openxmlformats.org/officeDocument/2006/relationships">
+<p:sld xmlns:a="http://schemas.openxmlformats.org/drawingml/2006/main" xmlns:r="http://schemas.openxmlformats.org/officeDocument/2006/relationships" xmlns:p="http://schemas.openxmlformats.org/presentationml/2006/main">
   <p:cSld>
     <p:spTree>
       <p:nvGrpSpPr>
@@ -4560,7 +4563,7 @@
           <p:cNvPr id="26" name="slide26">
             <a:extLst>
               <a:ext uri="{FF2B5EF4-FFF2-40B4-BE49-F238E27FC236}">
-                <a16:creationId xmlns:a16="http://schemas.microsoft.com/office/drawing/2014/main" id="{3746F5AA-2975-4951-A905-3E7CE4644E09}"/>
+                <a16:creationId xmlns:a16="http://schemas.microsoft.com/office/drawing/2014/main" id="{A2CC29A6-3A17-4C68-B9C2-9640720031A2}"/>
               </a:ext>
             </a:extLst>
           </p:cNvPr>
@@ -4570,7 +4573,7 @@
           <p:nvPr/>
         </p:nvPicPr>
         <p:blipFill>
-          <a:blip r:embed="rId31">
+          <a:blip r:embed="rId2">
             <a:extLst>
               <a:ext uri="{28A0092B-C50C-407E-A947-70E740481C1C}">
                 <a14:useLocalDpi xmlns:a14="http://schemas.microsoft.com/office/drawing/2010/main" val="0"/>
@@ -4605,7 +4608,7 @@
 </file>
 
 <file path=ppt/slides/slide27.xml><?xml version="1.0" encoding="utf-8"?>
-<p:sld xmlns:a="http://schemas.openxmlformats.org/drawingml/2006/main" xmlns:p="http://schemas.openxmlformats.org/presentationml/2006/main" xmlns:r="http://schemas.openxmlformats.org/officeDocument/2006/relationships">
+<p:sld xmlns:a="http://schemas.openxmlformats.org/drawingml/2006/main" xmlns:r="http://schemas.openxmlformats.org/officeDocument/2006/relationships" xmlns:p="http://schemas.openxmlformats.org/presentationml/2006/main">
   <p:cSld>
     <p:spTree>
       <p:nvGrpSpPr>
@@ -4626,7 +4629,7 @@
           <p:cNvPr id="27" name="slide27">
             <a:extLst>
               <a:ext uri="{FF2B5EF4-FFF2-40B4-BE49-F238E27FC236}">
-                <a16:creationId xmlns:a16="http://schemas.microsoft.com/office/drawing/2014/main" id="{E31F9427-EC37-45F5-90C1-6E16CE2569FF}"/>
+                <a16:creationId xmlns:a16="http://schemas.microsoft.com/office/drawing/2014/main" id="{C0E6BC37-147E-4EB5-852C-921621FC2CB8}"/>
               </a:ext>
             </a:extLst>
           </p:cNvPr>
@@ -4636,7 +4639,7 @@
           <p:nvPr/>
         </p:nvPicPr>
         <p:blipFill>
-          <a:blip r:embed="rId32">
+          <a:blip r:embed="rId2">
             <a:extLst>
               <a:ext uri="{28A0092B-C50C-407E-A947-70E740481C1C}">
                 <a14:useLocalDpi xmlns:a14="http://schemas.microsoft.com/office/drawing/2010/main" val="0"/>
@@ -4671,7 +4674,7 @@
 </file>
 
 <file path=ppt/slides/slide3.xml><?xml version="1.0" encoding="utf-8"?>
-<p:sld xmlns:a="http://schemas.openxmlformats.org/drawingml/2006/main" xmlns:p="http://schemas.openxmlformats.org/presentationml/2006/main" xmlns:r="http://schemas.openxmlformats.org/officeDocument/2006/relationships">
+<p:sld xmlns:a="http://schemas.openxmlformats.org/drawingml/2006/main" xmlns:r="http://schemas.openxmlformats.org/officeDocument/2006/relationships" xmlns:p="http://schemas.openxmlformats.org/presentationml/2006/main">
   <p:cSld>
     <p:spTree>
       <p:nvGrpSpPr>
@@ -4692,7 +4695,7 @@
           <p:cNvPr id="3" name="slide3">
             <a:extLst>
               <a:ext uri="{FF2B5EF4-FFF2-40B4-BE49-F238E27FC236}">
-                <a16:creationId xmlns:a16="http://schemas.microsoft.com/office/drawing/2014/main" id="{B7A3F1D4-D429-41D8-8551-5FAA955BF9D9}"/>
+                <a16:creationId xmlns:a16="http://schemas.microsoft.com/office/drawing/2014/main" id="{628C36B3-3061-4832-A595-2A8E64C0F991}"/>
               </a:ext>
             </a:extLst>
           </p:cNvPr>
@@ -4702,7 +4705,7 @@
           <p:nvPr/>
         </p:nvPicPr>
         <p:blipFill>
-          <a:blip r:embed="rId8">
+          <a:blip r:embed="rId2">
             <a:extLst>
               <a:ext uri="{28A0092B-C50C-407E-A947-70E740481C1C}">
                 <a14:useLocalDpi xmlns:a14="http://schemas.microsoft.com/office/drawing/2010/main" val="0"/>
@@ -4737,7 +4740,7 @@
 </file>
 
 <file path=ppt/slides/slide4.xml><?xml version="1.0" encoding="utf-8"?>
-<p:sld xmlns:a="http://schemas.openxmlformats.org/drawingml/2006/main" xmlns:p="http://schemas.openxmlformats.org/presentationml/2006/main" xmlns:r="http://schemas.openxmlformats.org/officeDocument/2006/relationships">
+<p:sld xmlns:a="http://schemas.openxmlformats.org/drawingml/2006/main" xmlns:r="http://schemas.openxmlformats.org/officeDocument/2006/relationships" xmlns:p="http://schemas.openxmlformats.org/presentationml/2006/main">
   <p:cSld>
     <p:spTree>
       <p:nvGrpSpPr>
@@ -4758,7 +4761,7 @@
           <p:cNvPr id="4" name="slide4">
             <a:extLst>
               <a:ext uri="{FF2B5EF4-FFF2-40B4-BE49-F238E27FC236}">
-                <a16:creationId xmlns:a16="http://schemas.microsoft.com/office/drawing/2014/main" id="{6A08F617-DC12-4E61-B869-BA62E1FCD1D6}"/>
+                <a16:creationId xmlns:a16="http://schemas.microsoft.com/office/drawing/2014/main" id="{D8B79E99-A2FA-4134-A4D9-EF8C9B235013}"/>
               </a:ext>
             </a:extLst>
           </p:cNvPr>
@@ -4768,7 +4771,7 @@
           <p:nvPr/>
         </p:nvPicPr>
         <p:blipFill>
-          <a:blip r:embed="rId9">
+          <a:blip r:embed="rId2">
             <a:extLst>
               <a:ext uri="{28A0092B-C50C-407E-A947-70E740481C1C}">
                 <a14:useLocalDpi xmlns:a14="http://schemas.microsoft.com/office/drawing/2010/main" val="0"/>
@@ -4803,7 +4806,7 @@
 </file>
 
 <file path=ppt/slides/slide5.xml><?xml version="1.0" encoding="utf-8"?>
-<p:sld xmlns:a="http://schemas.openxmlformats.org/drawingml/2006/main" xmlns:p="http://schemas.openxmlformats.org/presentationml/2006/main" xmlns:r="http://schemas.openxmlformats.org/officeDocument/2006/relationships">
+<p:sld xmlns:a="http://schemas.openxmlformats.org/drawingml/2006/main" xmlns:r="http://schemas.openxmlformats.org/officeDocument/2006/relationships" xmlns:p="http://schemas.openxmlformats.org/presentationml/2006/main">
   <p:cSld>
     <p:spTree>
       <p:nvGrpSpPr>
@@ -4824,7 +4827,7 @@
           <p:cNvPr id="5" name="slide5">
             <a:extLst>
               <a:ext uri="{FF2B5EF4-FFF2-40B4-BE49-F238E27FC236}">
-                <a16:creationId xmlns:a16="http://schemas.microsoft.com/office/drawing/2014/main" id="{C7A125B7-3789-4FA7-A9EC-5156571C869C}"/>
+                <a16:creationId xmlns:a16="http://schemas.microsoft.com/office/drawing/2014/main" id="{A9F7DD2B-CBCB-4394-B147-0509A7BF8D0B}"/>
               </a:ext>
             </a:extLst>
           </p:cNvPr>
@@ -4834,7 +4837,7 @@
           <p:nvPr/>
         </p:nvPicPr>
         <p:blipFill>
-          <a:blip r:embed="rId10">
+          <a:blip r:embed="rId2">
             <a:extLst>
               <a:ext uri="{28A0092B-C50C-407E-A947-70E740481C1C}">
                 <a14:useLocalDpi xmlns:a14="http://schemas.microsoft.com/office/drawing/2010/main" val="0"/>
@@ -4869,7 +4872,7 @@
 </file>
 
 <file path=ppt/slides/slide6.xml><?xml version="1.0" encoding="utf-8"?>
-<p:sld xmlns:a="http://schemas.openxmlformats.org/drawingml/2006/main" xmlns:p="http://schemas.openxmlformats.org/presentationml/2006/main" xmlns:r="http://schemas.openxmlformats.org/officeDocument/2006/relationships">
+<p:sld xmlns:a="http://schemas.openxmlformats.org/drawingml/2006/main" xmlns:r="http://schemas.openxmlformats.org/officeDocument/2006/relationships" xmlns:p="http://schemas.openxmlformats.org/presentationml/2006/main">
   <p:cSld>
     <p:spTree>
       <p:nvGrpSpPr>
@@ -4890,7 +4893,7 @@
           <p:cNvPr id="6" name="slide6">
             <a:extLst>
               <a:ext uri="{FF2B5EF4-FFF2-40B4-BE49-F238E27FC236}">
-                <a16:creationId xmlns:a16="http://schemas.microsoft.com/office/drawing/2014/main" id="{76E6F3F0-2F7A-4ABF-8830-E7F5069313E8}"/>
+                <a16:creationId xmlns:a16="http://schemas.microsoft.com/office/drawing/2014/main" id="{5167B31F-69DE-4688-A8FB-9CDA974E71F0}"/>
               </a:ext>
             </a:extLst>
           </p:cNvPr>
@@ -4900,7 +4903,7 @@
           <p:nvPr/>
         </p:nvPicPr>
         <p:blipFill>
-          <a:blip r:embed="rId11">
+          <a:blip r:embed="rId2">
             <a:extLst>
               <a:ext uri="{28A0092B-C50C-407E-A947-70E740481C1C}">
                 <a14:useLocalDpi xmlns:a14="http://schemas.microsoft.com/office/drawing/2010/main" val="0"/>
@@ -4935,7 +4938,7 @@
 </file>
 
 <file path=ppt/slides/slide7.xml><?xml version="1.0" encoding="utf-8"?>
-<p:sld xmlns:a="http://schemas.openxmlformats.org/drawingml/2006/main" xmlns:p="http://schemas.openxmlformats.org/presentationml/2006/main" xmlns:r="http://schemas.openxmlformats.org/officeDocument/2006/relationships">
+<p:sld xmlns:a="http://schemas.openxmlformats.org/drawingml/2006/main" xmlns:r="http://schemas.openxmlformats.org/officeDocument/2006/relationships" xmlns:p="http://schemas.openxmlformats.org/presentationml/2006/main">
   <p:cSld>
     <p:spTree>
       <p:nvGrpSpPr>
@@ -4956,7 +4959,7 @@
           <p:cNvPr id="7" name="slide7">
             <a:extLst>
               <a:ext uri="{FF2B5EF4-FFF2-40B4-BE49-F238E27FC236}">
-                <a16:creationId xmlns:a16="http://schemas.microsoft.com/office/drawing/2014/main" id="{6E4E6B77-3839-43FF-8EFE-8EF982A528E9}"/>
+                <a16:creationId xmlns:a16="http://schemas.microsoft.com/office/drawing/2014/main" id="{80E4C9AD-3343-4547-8CCB-8BD29CAFD866}"/>
               </a:ext>
             </a:extLst>
           </p:cNvPr>
@@ -4966,7 +4969,7 @@
           <p:nvPr/>
         </p:nvPicPr>
         <p:blipFill>
-          <a:blip r:embed="rId12">
+          <a:blip r:embed="rId2">
             <a:extLst>
               <a:ext uri="{28A0092B-C50C-407E-A947-70E740481C1C}">
                 <a14:useLocalDpi xmlns:a14="http://schemas.microsoft.com/office/drawing/2010/main" val="0"/>
@@ -5001,7 +5004,7 @@
 </file>
 
 <file path=ppt/slides/slide8.xml><?xml version="1.0" encoding="utf-8"?>
-<p:sld xmlns:a="http://schemas.openxmlformats.org/drawingml/2006/main" xmlns:p="http://schemas.openxmlformats.org/presentationml/2006/main" xmlns:r="http://schemas.openxmlformats.org/officeDocument/2006/relationships">
+<p:sld xmlns:a="http://schemas.openxmlformats.org/drawingml/2006/main" xmlns:r="http://schemas.openxmlformats.org/officeDocument/2006/relationships" xmlns:p="http://schemas.openxmlformats.org/presentationml/2006/main">
   <p:cSld>
     <p:spTree>
       <p:nvGrpSpPr>
@@ -5022,7 +5025,7 @@
           <p:cNvPr id="8" name="slide8">
             <a:extLst>
               <a:ext uri="{FF2B5EF4-FFF2-40B4-BE49-F238E27FC236}">
-                <a16:creationId xmlns:a16="http://schemas.microsoft.com/office/drawing/2014/main" id="{430ED256-06D6-4D1A-936B-86C398559311}"/>
+                <a16:creationId xmlns:a16="http://schemas.microsoft.com/office/drawing/2014/main" id="{235A3584-91A9-4D5D-BBF4-6FE4D03CC5F0}"/>
               </a:ext>
             </a:extLst>
           </p:cNvPr>
@@ -5032,7 +5035,7 @@
           <p:nvPr/>
         </p:nvPicPr>
         <p:blipFill>
-          <a:blip r:embed="rId13">
+          <a:blip r:embed="rId2">
             <a:extLst>
               <a:ext uri="{28A0092B-C50C-407E-A947-70E740481C1C}">
                 <a14:useLocalDpi xmlns:a14="http://schemas.microsoft.com/office/drawing/2010/main" val="0"/>
@@ -5067,7 +5070,7 @@
 </file>
 
 <file path=ppt/slides/slide9.xml><?xml version="1.0" encoding="utf-8"?>
-<p:sld xmlns:a="http://schemas.openxmlformats.org/drawingml/2006/main" xmlns:p="http://schemas.openxmlformats.org/presentationml/2006/main" xmlns:r="http://schemas.openxmlformats.org/officeDocument/2006/relationships">
+<p:sld xmlns:a="http://schemas.openxmlformats.org/drawingml/2006/main" xmlns:r="http://schemas.openxmlformats.org/officeDocument/2006/relationships" xmlns:p="http://schemas.openxmlformats.org/presentationml/2006/main">
   <p:cSld>
     <p:spTree>
       <p:nvGrpSpPr>
@@ -5088,7 +5091,7 @@
           <p:cNvPr id="9" name="slide9">
             <a:extLst>
               <a:ext uri="{FF2B5EF4-FFF2-40B4-BE49-F238E27FC236}">
-                <a16:creationId xmlns:a16="http://schemas.microsoft.com/office/drawing/2014/main" id="{E0371CFB-8779-4E7B-B4CC-AB68262FFAE9}"/>
+                <a16:creationId xmlns:a16="http://schemas.microsoft.com/office/drawing/2014/main" id="{7856637F-E4D7-4DAE-A41B-B0A947E367AC}"/>
               </a:ext>
             </a:extLst>
           </p:cNvPr>
@@ -5098,7 +5101,7 @@
           <p:nvPr/>
         </p:nvPicPr>
         <p:blipFill>
-          <a:blip r:embed="rId14">
+          <a:blip r:embed="rId2">
             <a:extLst>
               <a:ext uri="{28A0092B-C50C-407E-A947-70E740481C1C}">
                 <a14:useLocalDpi xmlns:a14="http://schemas.microsoft.com/office/drawing/2010/main" val="0"/>
@@ -5119,36 +5122,6 @@
           </a:prstGeom>
         </p:spPr>
       </p:pic>
-    </p:spTree>
-    <p:extLst>
-      <p:ext uri="{BB962C8B-B14F-4D97-AF65-F5344CB8AC3E}">
-        <p14:creationId xmlns:p14="http://schemas.microsoft.com/office/powerpoint/2010/main" val="95992585"/>
-      </p:ext>
-    </p:extLst>
-  </p:cSld>
-  <p:clrMapOvr>
-    <a:masterClrMapping/>
-  </p:clrMapOvr>
-</p:sld>
-</file>
-
-<file path=ppt/slides/slideTemplate.xml><?xml version="1.0" encoding="utf-8"?>
-<p:sld xmlns:a="http://schemas.openxmlformats.org/drawingml/2006/main" xmlns:r="http://schemas.openxmlformats.org/officeDocument/2006/relationships" xmlns:p="http://schemas.openxmlformats.org/presentationml/2006/main">
-  <p:cSld>
-    <p:spTree>
-      <p:nvGrpSpPr>
-        <p:cNvPr id="1" name=""/>
-        <p:cNvGrpSpPr/>
-        <p:nvPr/>
-      </p:nvGrpSpPr>
-      <p:grpSpPr>
-        <a:xfrm>
-          <a:off x="0" y="0"/>
-          <a:ext cx="0" cy="0"/>
-          <a:chOff x="0" y="0"/>
-          <a:chExt cx="0" cy="0"/>
-        </a:xfrm>
-      </p:grpSpPr>
     </p:spTree>
     <p:extLst>
       <p:ext uri="{BB962C8B-B14F-4D97-AF65-F5344CB8AC3E}">

--- a/Cammi's work/final graphs.pptx
+++ b/Cammi's work/final graphs.pptx
@@ -1,37 +1,37 @@
 
 <file path=ppt/presentation.xml><?xml version="1.0" encoding="utf-8"?>
-<p:presentation xmlns:a="http://schemas.openxmlformats.org/drawingml/2006/main" xmlns:r="http://schemas.openxmlformats.org/officeDocument/2006/relationships" xmlns:p="http://schemas.openxmlformats.org/presentationml/2006/main" saveSubsetFonts="1">
+<p:presentation xmlns:a="http://schemas.openxmlformats.org/drawingml/2006/main" xmlns:p="http://schemas.openxmlformats.org/presentationml/2006/main" xmlns:r="http://schemas.openxmlformats.org/officeDocument/2006/relationships" saveSubsetFonts="1">
   <p:sldMasterIdLst>
     <p:sldMasterId id="2147483648" r:id="rId1"/>
   </p:sldMasterIdLst>
   <p:sldIdLst>
-    <p:sldId id="256" r:id="rId2"/>
-    <p:sldId id="257" r:id="rId3"/>
-    <p:sldId id="258" r:id="rId4"/>
-    <p:sldId id="259" r:id="rId5"/>
-    <p:sldId id="260" r:id="rId6"/>
-    <p:sldId id="261" r:id="rId7"/>
-    <p:sldId id="262" r:id="rId8"/>
-    <p:sldId id="263" r:id="rId9"/>
-    <p:sldId id="264" r:id="rId10"/>
-    <p:sldId id="265" r:id="rId11"/>
-    <p:sldId id="266" r:id="rId12"/>
-    <p:sldId id="267" r:id="rId13"/>
-    <p:sldId id="268" r:id="rId14"/>
-    <p:sldId id="269" r:id="rId15"/>
-    <p:sldId id="270" r:id="rId16"/>
-    <p:sldId id="271" r:id="rId17"/>
-    <p:sldId id="272" r:id="rId18"/>
-    <p:sldId id="273" r:id="rId19"/>
-    <p:sldId id="274" r:id="rId20"/>
-    <p:sldId id="275" r:id="rId21"/>
-    <p:sldId id="276" r:id="rId22"/>
-    <p:sldId id="277" r:id="rId23"/>
-    <p:sldId id="278" r:id="rId24"/>
-    <p:sldId id="279" r:id="rId25"/>
-    <p:sldId id="280" r:id="rId26"/>
-    <p:sldId id="281" r:id="rId27"/>
-    <p:sldId id="282" r:id="rId28"/>
+    <p:sldId id="256" r:id="rId6"/>
+    <p:sldId id="257" r:id="rId7"/>
+    <p:sldId id="258" r:id="rId8"/>
+    <p:sldId id="259" r:id="rId9"/>
+    <p:sldId id="260" r:id="rId10"/>
+    <p:sldId id="261" r:id="rId11"/>
+    <p:sldId id="262" r:id="rId12"/>
+    <p:sldId id="263" r:id="rId13"/>
+    <p:sldId id="264" r:id="rId14"/>
+    <p:sldId id="265" r:id="rId15"/>
+    <p:sldId id="266" r:id="rId16"/>
+    <p:sldId id="267" r:id="rId17"/>
+    <p:sldId id="268" r:id="rId18"/>
+    <p:sldId id="269" r:id="rId19"/>
+    <p:sldId id="270" r:id="rId20"/>
+    <p:sldId id="271" r:id="rId21"/>
+    <p:sldId id="272" r:id="rId22"/>
+    <p:sldId id="273" r:id="rId23"/>
+    <p:sldId id="274" r:id="rId24"/>
+    <p:sldId id="275" r:id="rId25"/>
+    <p:sldId id="276" r:id="rId26"/>
+    <p:sldId id="277" r:id="rId27"/>
+    <p:sldId id="278" r:id="rId28"/>
+    <p:sldId id="279" r:id="rId29"/>
+    <p:sldId id="280" r:id="rId30"/>
+    <p:sldId id="281" r:id="rId31"/>
+    <p:sldId id="282" r:id="rId32"/>
   </p:sldIdLst>
   <p:sldSz cx="12192000" cy="6858000"/>
   <p:notesSz cx="6858000" cy="9144000"/>
@@ -39,8 +39,8 @@
     <a:defPPr>
       <a:defRPr lang="en-US"/>
     </a:defPPr>
-    <a:lvl1pPr marL="0" algn="l" defTabSz="914400" rtl="0" eaLnBrk="1" latinLnBrk="0" hangingPunct="1">
-      <a:defRPr sz="1800" kern="1200">
+    <a:lvl1pPr algn="l" defTabSz="914400" eaLnBrk="1" hangingPunct="1" latinLnBrk="0" marL="0" rtl="0">
+      <a:defRPr kern="1200" sz="1800">
         <a:solidFill>
           <a:schemeClr val="tx1"/>
         </a:solidFill>
@@ -49,8 +49,8 @@
         <a:cs typeface="+mn-cs"/>
       </a:defRPr>
     </a:lvl1pPr>
-    <a:lvl2pPr marL="457200" algn="l" defTabSz="914400" rtl="0" eaLnBrk="1" latinLnBrk="0" hangingPunct="1">
-      <a:defRPr sz="1800" kern="1200">
+    <a:lvl2pPr algn="l" defTabSz="914400" eaLnBrk="1" hangingPunct="1" latinLnBrk="0" marL="457200" rtl="0">
+      <a:defRPr kern="1200" sz="1800">
         <a:solidFill>
           <a:schemeClr val="tx1"/>
         </a:solidFill>
@@ -59,8 +59,8 @@
         <a:cs typeface="+mn-cs"/>
       </a:defRPr>
     </a:lvl2pPr>
-    <a:lvl3pPr marL="914400" algn="l" defTabSz="914400" rtl="0" eaLnBrk="1" latinLnBrk="0" hangingPunct="1">
-      <a:defRPr sz="1800" kern="1200">
+    <a:lvl3pPr algn="l" defTabSz="914400" eaLnBrk="1" hangingPunct="1" latinLnBrk="0" marL="914400" rtl="0">
+      <a:defRPr kern="1200" sz="1800">
         <a:solidFill>
           <a:schemeClr val="tx1"/>
         </a:solidFill>
@@ -69,8 +69,8 @@
         <a:cs typeface="+mn-cs"/>
       </a:defRPr>
     </a:lvl3pPr>
-    <a:lvl4pPr marL="1371600" algn="l" defTabSz="914400" rtl="0" eaLnBrk="1" latinLnBrk="0" hangingPunct="1">
-      <a:defRPr sz="1800" kern="1200">
+    <a:lvl4pPr algn="l" defTabSz="914400" eaLnBrk="1" hangingPunct="1" latinLnBrk="0" marL="1371600" rtl="0">
+      <a:defRPr kern="1200" sz="1800">
         <a:solidFill>
           <a:schemeClr val="tx1"/>
         </a:solidFill>
@@ -79,8 +79,8 @@
         <a:cs typeface="+mn-cs"/>
       </a:defRPr>
     </a:lvl4pPr>
-    <a:lvl5pPr marL="1828800" algn="l" defTabSz="914400" rtl="0" eaLnBrk="1" latinLnBrk="0" hangingPunct="1">
-      <a:defRPr sz="1800" kern="1200">
+    <a:lvl5pPr algn="l" defTabSz="914400" eaLnBrk="1" hangingPunct="1" latinLnBrk="0" marL="1828800" rtl="0">
+      <a:defRPr kern="1200" sz="1800">
         <a:solidFill>
           <a:schemeClr val="tx1"/>
         </a:solidFill>
@@ -89,8 +89,8 @@
         <a:cs typeface="+mn-cs"/>
       </a:defRPr>
     </a:lvl5pPr>
-    <a:lvl6pPr marL="2286000" algn="l" defTabSz="914400" rtl="0" eaLnBrk="1" latinLnBrk="0" hangingPunct="1">
-      <a:defRPr sz="1800" kern="1200">
+    <a:lvl6pPr algn="l" defTabSz="914400" eaLnBrk="1" hangingPunct="1" latinLnBrk="0" marL="2286000" rtl="0">
+      <a:defRPr kern="1200" sz="1800">
         <a:solidFill>
           <a:schemeClr val="tx1"/>
         </a:solidFill>
@@ -99,8 +99,8 @@
         <a:cs typeface="+mn-cs"/>
       </a:defRPr>
     </a:lvl6pPr>
-    <a:lvl7pPr marL="2743200" algn="l" defTabSz="914400" rtl="0" eaLnBrk="1" latinLnBrk="0" hangingPunct="1">
-      <a:defRPr sz="1800" kern="1200">
+    <a:lvl7pPr algn="l" defTabSz="914400" eaLnBrk="1" hangingPunct="1" latinLnBrk="0" marL="2743200" rtl="0">
+      <a:defRPr kern="1200" sz="1800">
         <a:solidFill>
           <a:schemeClr val="tx1"/>
         </a:solidFill>
@@ -109,8 +109,8 @@
         <a:cs typeface="+mn-cs"/>
       </a:defRPr>
     </a:lvl7pPr>
-    <a:lvl8pPr marL="3200400" algn="l" defTabSz="914400" rtl="0" eaLnBrk="1" latinLnBrk="0" hangingPunct="1">
-      <a:defRPr sz="1800" kern="1200">
+    <a:lvl8pPr algn="l" defTabSz="914400" eaLnBrk="1" hangingPunct="1" latinLnBrk="0" marL="3200400" rtl="0">
+      <a:defRPr kern="1200" sz="1800">
         <a:solidFill>
           <a:schemeClr val="tx1"/>
         </a:solidFill>
@@ -119,8 +119,8 @@
         <a:cs typeface="+mn-cs"/>
       </a:defRPr>
     </a:lvl8pPr>
-    <a:lvl9pPr marL="3657600" algn="l" defTabSz="914400" rtl="0" eaLnBrk="1" latinLnBrk="0" hangingPunct="1">
-      <a:defRPr sz="1800" kern="1200">
+    <a:lvl9pPr algn="l" defTabSz="914400" eaLnBrk="1" hangingPunct="1" latinLnBrk="0" marL="3657600" rtl="0">
+      <a:defRPr kern="1200" sz="1800">
         <a:solidFill>
           <a:schemeClr val="tx1"/>
         </a:solidFill>
@@ -130,11 +130,6 @@
       </a:defRPr>
     </a:lvl9pPr>
   </p:defaultTextStyle>
-  <p:extLst>
-    <p:ext uri="{EFAFB233-063F-42B5-8137-9DF3F51BA10A}">
-      <p15:sldGuideLst xmlns:p15="http://schemas.microsoft.com/office/powerpoint/2012/main"/>
-    </p:ext>
-  </p:extLst>
 </p:presentation>
 </file>
 
@@ -285,7 +280,7 @@
           <a:p>
             <a:fld id="{EED1C14C-A143-42F5-B247-D0E800131009}" type="datetimeFigureOut">
               <a:rPr lang="en-US" smtClean="0"/>
-              <a:t>5/14/2019</a:t>
+              <a:t>8/15/2018</a:t>
             </a:fld>
             <a:endParaRPr lang="en-US"/>
           </a:p>
@@ -483,7 +478,7 @@
           <a:p>
             <a:fld id="{EED1C14C-A143-42F5-B247-D0E800131009}" type="datetimeFigureOut">
               <a:rPr lang="en-US" smtClean="0"/>
-              <a:t>5/14/2019</a:t>
+              <a:t>8/15/2018</a:t>
             </a:fld>
             <a:endParaRPr lang="en-US"/>
           </a:p>
@@ -691,7 +686,7 @@
           <a:p>
             <a:fld id="{EED1C14C-A143-42F5-B247-D0E800131009}" type="datetimeFigureOut">
               <a:rPr lang="en-US" smtClean="0"/>
-              <a:t>5/14/2019</a:t>
+              <a:t>8/15/2018</a:t>
             </a:fld>
             <a:endParaRPr lang="en-US"/>
           </a:p>
@@ -889,7 +884,7 @@
           <a:p>
             <a:fld id="{EED1C14C-A143-42F5-B247-D0E800131009}" type="datetimeFigureOut">
               <a:rPr lang="en-US" smtClean="0"/>
-              <a:t>5/14/2019</a:t>
+              <a:t>8/15/2018</a:t>
             </a:fld>
             <a:endParaRPr lang="en-US"/>
           </a:p>
@@ -1164,7 +1159,7 @@
           <a:p>
             <a:fld id="{EED1C14C-A143-42F5-B247-D0E800131009}" type="datetimeFigureOut">
               <a:rPr lang="en-US" smtClean="0"/>
-              <a:t>5/14/2019</a:t>
+              <a:t>8/15/2018</a:t>
             </a:fld>
             <a:endParaRPr lang="en-US"/>
           </a:p>
@@ -1429,7 +1424,7 @@
           <a:p>
             <a:fld id="{EED1C14C-A143-42F5-B247-D0E800131009}" type="datetimeFigureOut">
               <a:rPr lang="en-US" smtClean="0"/>
-              <a:t>5/14/2019</a:t>
+              <a:t>8/15/2018</a:t>
             </a:fld>
             <a:endParaRPr lang="en-US"/>
           </a:p>
@@ -1841,7 +1836,7 @@
           <a:p>
             <a:fld id="{EED1C14C-A143-42F5-B247-D0E800131009}" type="datetimeFigureOut">
               <a:rPr lang="en-US" smtClean="0"/>
-              <a:t>5/14/2019</a:t>
+              <a:t>8/15/2018</a:t>
             </a:fld>
             <a:endParaRPr lang="en-US"/>
           </a:p>
@@ -1982,7 +1977,7 @@
           <a:p>
             <a:fld id="{EED1C14C-A143-42F5-B247-D0E800131009}" type="datetimeFigureOut">
               <a:rPr lang="en-US" smtClean="0"/>
-              <a:t>5/14/2019</a:t>
+              <a:t>8/15/2018</a:t>
             </a:fld>
             <a:endParaRPr lang="en-US"/>
           </a:p>
@@ -2095,7 +2090,7 @@
           <a:p>
             <a:fld id="{EED1C14C-A143-42F5-B247-D0E800131009}" type="datetimeFigureOut">
               <a:rPr lang="en-US" smtClean="0"/>
-              <a:t>5/14/2019</a:t>
+              <a:t>8/15/2018</a:t>
             </a:fld>
             <a:endParaRPr lang="en-US"/>
           </a:p>
@@ -2406,7 +2401,7 @@
           <a:p>
             <a:fld id="{EED1C14C-A143-42F5-B247-D0E800131009}" type="datetimeFigureOut">
               <a:rPr lang="en-US" smtClean="0"/>
-              <a:t>5/14/2019</a:t>
+              <a:t>8/15/2018</a:t>
             </a:fld>
             <a:endParaRPr lang="en-US"/>
           </a:p>
@@ -2694,7 +2689,7 @@
           <a:p>
             <a:fld id="{EED1C14C-A143-42F5-B247-D0E800131009}" type="datetimeFigureOut">
               <a:rPr lang="en-US" smtClean="0"/>
-              <a:t>5/14/2019</a:t>
+              <a:t>8/15/2018</a:t>
             </a:fld>
             <a:endParaRPr lang="en-US"/>
           </a:p>
@@ -2935,7 +2930,7 @@
           <a:p>
             <a:fld id="{EED1C14C-A143-42F5-B247-D0E800131009}" type="datetimeFigureOut">
               <a:rPr lang="en-US" smtClean="0"/>
-              <a:t>5/14/2019</a:t>
+              <a:t>8/15/2018</a:t>
             </a:fld>
             <a:endParaRPr lang="en-US"/>
           </a:p>
@@ -3336,7 +3331,7 @@
 </file>
 
 <file path=ppt/slides/slide1.xml><?xml version="1.0" encoding="utf-8"?>
-<p:sld xmlns:a="http://schemas.openxmlformats.org/drawingml/2006/main" xmlns:r="http://schemas.openxmlformats.org/officeDocument/2006/relationships" xmlns:p="http://schemas.openxmlformats.org/presentationml/2006/main">
+<p:sld xmlns:a="http://schemas.openxmlformats.org/drawingml/2006/main" xmlns:p="http://schemas.openxmlformats.org/presentationml/2006/main" xmlns:r="http://schemas.openxmlformats.org/officeDocument/2006/relationships">
   <p:cSld>
     <p:spTree>
       <p:nvGrpSpPr>
@@ -3354,18 +3349,18 @@
       </p:grpSpPr>
       <p:sp>
         <p:nvSpPr>
-          <p:cNvPr id="2" name="slide1">
-            <a:extLst>
-              <a:ext uri="{FF2B5EF4-FFF2-40B4-BE49-F238E27FC236}">
-                <a16:creationId xmlns:a16="http://schemas.microsoft.com/office/drawing/2014/main" id="{46E8C1F0-5CAE-485A-BE6A-E06E88C519C3}"/>
-              </a:ext>
-            </a:extLst>
-          </p:cNvPr>
-          <p:cNvSpPr>
-            <a:spLocks noGrp="1"/>
-          </p:cNvSpPr>
-          <p:nvPr>
-            <p:ph type="ctrTitle"/>
+          <p:cNvPr id="0" name="slide1">
+            <a:extLst>
+              <a:ext uri="{FF2B5EF4-FFF2-40B4-BE49-F238E27FC236}">
+                <a16:creationId xmlns:a16="http://schemas.microsoft.com/office/drawing/2014/main" id="{FBD3B54D-0D3C-4A17-A452-447EF5AB7FF9}"/>
+              </a:ext>
+            </a:extLst>
+          </p:cNvPr>
+          <p:cNvSpPr>
+            <a:spLocks noGrp="1"/>
+          </p:cNvSpPr>
+          <p:nvPr>
+            <p:ph idx="0" type="ctrTitle"/>
           </p:nvPr>
         </p:nvSpPr>
         <p:spPr/>
@@ -3374,6 +3369,7 @@
           <a:lstStyle/>
           <a:p>
             <a:r>
+              <a:rPr/>
               <a:t>Final Graphs</a:t>
             </a:r>
           </a:p>
@@ -3381,18 +3377,18 @@
       </p:sp>
       <p:sp>
         <p:nvSpPr>
-          <p:cNvPr id="3" name="slide1">
-            <a:extLst>
-              <a:ext uri="{FF2B5EF4-FFF2-40B4-BE49-F238E27FC236}">
-                <a16:creationId xmlns:a16="http://schemas.microsoft.com/office/drawing/2014/main" id="{AA51CCE3-5B39-495C-9CAB-E55312B78106}"/>
-              </a:ext>
-            </a:extLst>
-          </p:cNvPr>
-          <p:cNvSpPr>
-            <a:spLocks noGrp="1"/>
-          </p:cNvSpPr>
-          <p:nvPr>
-            <p:ph type="subTitle" idx="1"/>
+          <p:cNvPr id="1" name="slide1">
+            <a:extLst>
+              <a:ext uri="{FF2B5EF4-FFF2-40B4-BE49-F238E27FC236}">
+                <a16:creationId xmlns:a16="http://schemas.microsoft.com/office/drawing/2014/main" id="{5DD0A958-E637-4A70-B74E-B2E361E7070D}"/>
+              </a:ext>
+            </a:extLst>
+          </p:cNvPr>
+          <p:cNvSpPr>
+            <a:spLocks noGrp="1"/>
+          </p:cNvSpPr>
+          <p:nvPr>
+            <p:ph idx="1" type="subTitle"/>
           </p:nvPr>
         </p:nvSpPr>
         <p:spPr/>
@@ -3401,7 +3397,8 @@
           <a:lstStyle/>
           <a:p>
             <a:r>
-              <a:t>File created on: 5/14/2019 9:54:43 PM</a:t>
+              <a:rPr/>
+              <a:t>File created on: 5/15/2019 10:16:44 AM</a:t>
             </a:r>
           </a:p>
         </p:txBody>
@@ -3420,7 +3417,7 @@
 </file>
 
 <file path=ppt/slides/slide10.xml><?xml version="1.0" encoding="utf-8"?>
-<p:sld xmlns:a="http://schemas.openxmlformats.org/drawingml/2006/main" xmlns:r="http://schemas.openxmlformats.org/officeDocument/2006/relationships" xmlns:p="http://schemas.openxmlformats.org/presentationml/2006/main">
+<p:sld xmlns:a="http://schemas.openxmlformats.org/drawingml/2006/main" xmlns:p="http://schemas.openxmlformats.org/presentationml/2006/main" xmlns:r="http://schemas.openxmlformats.org/officeDocument/2006/relationships">
   <p:cSld>
     <p:spTree>
       <p:nvGrpSpPr>
@@ -3441,7 +3438,7 @@
           <p:cNvPr id="10" name="slide10">
             <a:extLst>
               <a:ext uri="{FF2B5EF4-FFF2-40B4-BE49-F238E27FC236}">
-                <a16:creationId xmlns:a16="http://schemas.microsoft.com/office/drawing/2014/main" id="{3541AAD8-861A-4280-8AD3-4E3BC1F3EE1E}"/>
+                <a16:creationId xmlns:a16="http://schemas.microsoft.com/office/drawing/2014/main" id="{64C60419-DC7C-4A43-8324-36CB38DCAF55}"/>
               </a:ext>
             </a:extLst>
           </p:cNvPr>
@@ -3451,7 +3448,7 @@
           <p:nvPr/>
         </p:nvPicPr>
         <p:blipFill>
-          <a:blip r:embed="rId2">
+          <a:blip r:embed="rId15">
             <a:extLst>
               <a:ext uri="{28A0092B-C50C-407E-A947-70E740481C1C}">
                 <a14:useLocalDpi xmlns:a14="http://schemas.microsoft.com/office/drawing/2010/main" val="0"/>
@@ -3486,7 +3483,7 @@
 </file>
 
 <file path=ppt/slides/slide11.xml><?xml version="1.0" encoding="utf-8"?>
-<p:sld xmlns:a="http://schemas.openxmlformats.org/drawingml/2006/main" xmlns:r="http://schemas.openxmlformats.org/officeDocument/2006/relationships" xmlns:p="http://schemas.openxmlformats.org/presentationml/2006/main">
+<p:sld xmlns:a="http://schemas.openxmlformats.org/drawingml/2006/main" xmlns:p="http://schemas.openxmlformats.org/presentationml/2006/main" xmlns:r="http://schemas.openxmlformats.org/officeDocument/2006/relationships">
   <p:cSld>
     <p:spTree>
       <p:nvGrpSpPr>
@@ -3507,7 +3504,7 @@
           <p:cNvPr id="11" name="slide11">
             <a:extLst>
               <a:ext uri="{FF2B5EF4-FFF2-40B4-BE49-F238E27FC236}">
-                <a16:creationId xmlns:a16="http://schemas.microsoft.com/office/drawing/2014/main" id="{9591AFB5-564A-44BE-AC7F-4978367A2614}"/>
+                <a16:creationId xmlns:a16="http://schemas.microsoft.com/office/drawing/2014/main" id="{FFA2DA8F-240B-4093-8157-4C3121576B77}"/>
               </a:ext>
             </a:extLst>
           </p:cNvPr>
@@ -3517,7 +3514,7 @@
           <p:nvPr/>
         </p:nvPicPr>
         <p:blipFill>
-          <a:blip r:embed="rId2">
+          <a:blip r:embed="rId16">
             <a:extLst>
               <a:ext uri="{28A0092B-C50C-407E-A947-70E740481C1C}">
                 <a14:useLocalDpi xmlns:a14="http://schemas.microsoft.com/office/drawing/2010/main" val="0"/>
@@ -3530,8 +3527,8 @@
         </p:blipFill>
         <p:spPr>
           <a:xfrm>
-            <a:off x="1323975" y="719137"/>
-            <a:ext cx="9544050" cy="5419725"/>
+            <a:off x="1323975" y="666750"/>
+            <a:ext cx="9544050" cy="5524500"/>
           </a:xfrm>
           <a:prstGeom prst="rect">
             <a:avLst/>
@@ -3552,7 +3549,7 @@
 </file>
 
 <file path=ppt/slides/slide12.xml><?xml version="1.0" encoding="utf-8"?>
-<p:sld xmlns:a="http://schemas.openxmlformats.org/drawingml/2006/main" xmlns:r="http://schemas.openxmlformats.org/officeDocument/2006/relationships" xmlns:p="http://schemas.openxmlformats.org/presentationml/2006/main">
+<p:sld xmlns:a="http://schemas.openxmlformats.org/drawingml/2006/main" xmlns:p="http://schemas.openxmlformats.org/presentationml/2006/main" xmlns:r="http://schemas.openxmlformats.org/officeDocument/2006/relationships">
   <p:cSld>
     <p:spTree>
       <p:nvGrpSpPr>
@@ -3573,7 +3570,7 @@
           <p:cNvPr id="12" name="slide12">
             <a:extLst>
               <a:ext uri="{FF2B5EF4-FFF2-40B4-BE49-F238E27FC236}">
-                <a16:creationId xmlns:a16="http://schemas.microsoft.com/office/drawing/2014/main" id="{164F2B8C-4B25-4152-9DB3-5933BA3C5080}"/>
+                <a16:creationId xmlns:a16="http://schemas.microsoft.com/office/drawing/2014/main" id="{4B2796B6-8C25-4202-83BF-EB641BAE0A68}"/>
               </a:ext>
             </a:extLst>
           </p:cNvPr>
@@ -3583,7 +3580,7 @@
           <p:nvPr/>
         </p:nvPicPr>
         <p:blipFill>
-          <a:blip r:embed="rId2">
+          <a:blip r:embed="rId17">
             <a:extLst>
               <a:ext uri="{28A0092B-C50C-407E-A947-70E740481C1C}">
                 <a14:useLocalDpi xmlns:a14="http://schemas.microsoft.com/office/drawing/2010/main" val="0"/>
@@ -3596,8 +3593,8 @@
         </p:blipFill>
         <p:spPr>
           <a:xfrm>
-            <a:off x="2224087" y="666750"/>
-            <a:ext cx="7743825" cy="5524500"/>
+            <a:off x="2224087" y="719137"/>
+            <a:ext cx="7743825" cy="5419725"/>
           </a:xfrm>
           <a:prstGeom prst="rect">
             <a:avLst/>
@@ -3618,7 +3615,7 @@
 </file>
 
 <file path=ppt/slides/slide13.xml><?xml version="1.0" encoding="utf-8"?>
-<p:sld xmlns:a="http://schemas.openxmlformats.org/drawingml/2006/main" xmlns:r="http://schemas.openxmlformats.org/officeDocument/2006/relationships" xmlns:p="http://schemas.openxmlformats.org/presentationml/2006/main">
+<p:sld xmlns:a="http://schemas.openxmlformats.org/drawingml/2006/main" xmlns:p="http://schemas.openxmlformats.org/presentationml/2006/main" xmlns:r="http://schemas.openxmlformats.org/officeDocument/2006/relationships">
   <p:cSld>
     <p:spTree>
       <p:nvGrpSpPr>
@@ -3639,7 +3636,7 @@
           <p:cNvPr id="13" name="slide13">
             <a:extLst>
               <a:ext uri="{FF2B5EF4-FFF2-40B4-BE49-F238E27FC236}">
-                <a16:creationId xmlns:a16="http://schemas.microsoft.com/office/drawing/2014/main" id="{342EE53F-DAA1-4508-8183-61D929E24386}"/>
+                <a16:creationId xmlns:a16="http://schemas.microsoft.com/office/drawing/2014/main" id="{50B8CBC9-25B2-48DB-8A94-044FFA950C16}"/>
               </a:ext>
             </a:extLst>
           </p:cNvPr>
@@ -3649,7 +3646,7 @@
           <p:nvPr/>
         </p:nvPicPr>
         <p:blipFill>
-          <a:blip r:embed="rId2">
+          <a:blip r:embed="rId18">
             <a:extLst>
               <a:ext uri="{28A0092B-C50C-407E-A947-70E740481C1C}">
                 <a14:useLocalDpi xmlns:a14="http://schemas.microsoft.com/office/drawing/2010/main" val="0"/>
@@ -3662,8 +3659,8 @@
         </p:blipFill>
         <p:spPr>
           <a:xfrm>
-            <a:off x="2276475" y="719137"/>
-            <a:ext cx="7639050" cy="5419725"/>
+            <a:off x="2133600" y="719137"/>
+            <a:ext cx="7924800" cy="5419725"/>
           </a:xfrm>
           <a:prstGeom prst="rect">
             <a:avLst/>
@@ -3684,7 +3681,7 @@
 </file>
 
 <file path=ppt/slides/slide14.xml><?xml version="1.0" encoding="utf-8"?>
-<p:sld xmlns:a="http://schemas.openxmlformats.org/drawingml/2006/main" xmlns:r="http://schemas.openxmlformats.org/officeDocument/2006/relationships" xmlns:p="http://schemas.openxmlformats.org/presentationml/2006/main">
+<p:sld xmlns:a="http://schemas.openxmlformats.org/drawingml/2006/main" xmlns:p="http://schemas.openxmlformats.org/presentationml/2006/main" xmlns:r="http://schemas.openxmlformats.org/officeDocument/2006/relationships">
   <p:cSld>
     <p:spTree>
       <p:nvGrpSpPr>
@@ -3705,7 +3702,7 @@
           <p:cNvPr id="14" name="slide14">
             <a:extLst>
               <a:ext uri="{FF2B5EF4-FFF2-40B4-BE49-F238E27FC236}">
-                <a16:creationId xmlns:a16="http://schemas.microsoft.com/office/drawing/2014/main" id="{7DC3980F-8E17-4F43-948D-C4B346C816AD}"/>
+                <a16:creationId xmlns:a16="http://schemas.microsoft.com/office/drawing/2014/main" id="{F28DF02B-E959-4DDA-A947-ACD1D12BC0A1}"/>
               </a:ext>
             </a:extLst>
           </p:cNvPr>
@@ -3715,7 +3712,7 @@
           <p:nvPr/>
         </p:nvPicPr>
         <p:blipFill>
-          <a:blip r:embed="rId2">
+          <a:blip r:embed="rId19">
             <a:extLst>
               <a:ext uri="{28A0092B-C50C-407E-A947-70E740481C1C}">
                 <a14:useLocalDpi xmlns:a14="http://schemas.microsoft.com/office/drawing/2010/main" val="0"/>
@@ -3728,8 +3725,8 @@
         </p:blipFill>
         <p:spPr>
           <a:xfrm>
-            <a:off x="1509712" y="747712"/>
-            <a:ext cx="9172575" cy="5362575"/>
+            <a:off x="1509712" y="800100"/>
+            <a:ext cx="9172575" cy="5257800"/>
           </a:xfrm>
           <a:prstGeom prst="rect">
             <a:avLst/>
@@ -3750,7 +3747,7 @@
 </file>
 
 <file path=ppt/slides/slide15.xml><?xml version="1.0" encoding="utf-8"?>
-<p:sld xmlns:a="http://schemas.openxmlformats.org/drawingml/2006/main" xmlns:r="http://schemas.openxmlformats.org/officeDocument/2006/relationships" xmlns:p="http://schemas.openxmlformats.org/presentationml/2006/main">
+<p:sld xmlns:a="http://schemas.openxmlformats.org/drawingml/2006/main" xmlns:p="http://schemas.openxmlformats.org/presentationml/2006/main" xmlns:r="http://schemas.openxmlformats.org/officeDocument/2006/relationships">
   <p:cSld>
     <p:spTree>
       <p:nvGrpSpPr>
@@ -3771,7 +3768,7 @@
           <p:cNvPr id="15" name="slide15">
             <a:extLst>
               <a:ext uri="{FF2B5EF4-FFF2-40B4-BE49-F238E27FC236}">
-                <a16:creationId xmlns:a16="http://schemas.microsoft.com/office/drawing/2014/main" id="{EE7171D9-14E0-40D1-9E66-3A6ED3CF6844}"/>
+                <a16:creationId xmlns:a16="http://schemas.microsoft.com/office/drawing/2014/main" id="{B6D2EAD8-131D-403B-814B-840025F10F9C}"/>
               </a:ext>
             </a:extLst>
           </p:cNvPr>
@@ -3781,7 +3778,7 @@
           <p:nvPr/>
         </p:nvPicPr>
         <p:blipFill>
-          <a:blip r:embed="rId2">
+          <a:blip r:embed="rId20">
             <a:extLst>
               <a:ext uri="{28A0092B-C50C-407E-A947-70E740481C1C}">
                 <a14:useLocalDpi xmlns:a14="http://schemas.microsoft.com/office/drawing/2010/main" val="0"/>
@@ -3794,8 +3791,8 @@
         </p:blipFill>
         <p:spPr>
           <a:xfrm>
-            <a:off x="1509712" y="747712"/>
-            <a:ext cx="9172575" cy="5362575"/>
+            <a:off x="1509712" y="800100"/>
+            <a:ext cx="9172575" cy="5257800"/>
           </a:xfrm>
           <a:prstGeom prst="rect">
             <a:avLst/>
@@ -3816,7 +3813,7 @@
 </file>
 
 <file path=ppt/slides/slide16.xml><?xml version="1.0" encoding="utf-8"?>
-<p:sld xmlns:a="http://schemas.openxmlformats.org/drawingml/2006/main" xmlns:r="http://schemas.openxmlformats.org/officeDocument/2006/relationships" xmlns:p="http://schemas.openxmlformats.org/presentationml/2006/main">
+<p:sld xmlns:a="http://schemas.openxmlformats.org/drawingml/2006/main" xmlns:p="http://schemas.openxmlformats.org/presentationml/2006/main" xmlns:r="http://schemas.openxmlformats.org/officeDocument/2006/relationships">
   <p:cSld>
     <p:spTree>
       <p:nvGrpSpPr>
@@ -3837,7 +3834,7 @@
           <p:cNvPr id="16" name="slide16">
             <a:extLst>
               <a:ext uri="{FF2B5EF4-FFF2-40B4-BE49-F238E27FC236}">
-                <a16:creationId xmlns:a16="http://schemas.microsoft.com/office/drawing/2014/main" id="{15F1030B-BCF2-4FF9-8220-CB61A8AB2A81}"/>
+                <a16:creationId xmlns:a16="http://schemas.microsoft.com/office/drawing/2014/main" id="{D2CFBB14-6142-46DF-8598-B39A7253E396}"/>
               </a:ext>
             </a:extLst>
           </p:cNvPr>
@@ -3847,7 +3844,7 @@
           <p:nvPr/>
         </p:nvPicPr>
         <p:blipFill>
-          <a:blip r:embed="rId2">
+          <a:blip r:embed="rId21">
             <a:extLst>
               <a:ext uri="{28A0092B-C50C-407E-A947-70E740481C1C}">
                 <a14:useLocalDpi xmlns:a14="http://schemas.microsoft.com/office/drawing/2010/main" val="0"/>
@@ -3860,8 +3857,8 @@
         </p:blipFill>
         <p:spPr>
           <a:xfrm>
-            <a:off x="1509712" y="747712"/>
-            <a:ext cx="9172575" cy="5362575"/>
+            <a:off x="1509712" y="800100"/>
+            <a:ext cx="9172575" cy="5257800"/>
           </a:xfrm>
           <a:prstGeom prst="rect">
             <a:avLst/>
@@ -3882,7 +3879,7 @@
 </file>
 
 <file path=ppt/slides/slide17.xml><?xml version="1.0" encoding="utf-8"?>
-<p:sld xmlns:a="http://schemas.openxmlformats.org/drawingml/2006/main" xmlns:r="http://schemas.openxmlformats.org/officeDocument/2006/relationships" xmlns:p="http://schemas.openxmlformats.org/presentationml/2006/main">
+<p:sld xmlns:a="http://schemas.openxmlformats.org/drawingml/2006/main" xmlns:p="http://schemas.openxmlformats.org/presentationml/2006/main" xmlns:r="http://schemas.openxmlformats.org/officeDocument/2006/relationships">
   <p:cSld>
     <p:spTree>
       <p:nvGrpSpPr>
@@ -3903,7 +3900,7 @@
           <p:cNvPr id="17" name="slide17">
             <a:extLst>
               <a:ext uri="{FF2B5EF4-FFF2-40B4-BE49-F238E27FC236}">
-                <a16:creationId xmlns:a16="http://schemas.microsoft.com/office/drawing/2014/main" id="{BCEB934E-871F-4253-89AE-0881F211B515}"/>
+                <a16:creationId xmlns:a16="http://schemas.microsoft.com/office/drawing/2014/main" id="{BBF0DA17-6DA3-4082-BF2C-2882D803212F}"/>
               </a:ext>
             </a:extLst>
           </p:cNvPr>
@@ -3913,7 +3910,7 @@
           <p:nvPr/>
         </p:nvPicPr>
         <p:blipFill>
-          <a:blip r:embed="rId2">
+          <a:blip r:embed="rId22">
             <a:extLst>
               <a:ext uri="{28A0092B-C50C-407E-A947-70E740481C1C}">
                 <a14:useLocalDpi xmlns:a14="http://schemas.microsoft.com/office/drawing/2010/main" val="0"/>
@@ -3926,8 +3923,8 @@
         </p:blipFill>
         <p:spPr>
           <a:xfrm>
-            <a:off x="1509712" y="747712"/>
-            <a:ext cx="9172575" cy="5362575"/>
+            <a:off x="1509712" y="800100"/>
+            <a:ext cx="9172575" cy="5257800"/>
           </a:xfrm>
           <a:prstGeom prst="rect">
             <a:avLst/>
@@ -3948,7 +3945,7 @@
 </file>
 
 <file path=ppt/slides/slide18.xml><?xml version="1.0" encoding="utf-8"?>
-<p:sld xmlns:a="http://schemas.openxmlformats.org/drawingml/2006/main" xmlns:r="http://schemas.openxmlformats.org/officeDocument/2006/relationships" xmlns:p="http://schemas.openxmlformats.org/presentationml/2006/main">
+<p:sld xmlns:a="http://schemas.openxmlformats.org/drawingml/2006/main" xmlns:p="http://schemas.openxmlformats.org/presentationml/2006/main" xmlns:r="http://schemas.openxmlformats.org/officeDocument/2006/relationships">
   <p:cSld>
     <p:spTree>
       <p:nvGrpSpPr>
@@ -3969,7 +3966,7 @@
           <p:cNvPr id="18" name="slide18">
             <a:extLst>
               <a:ext uri="{FF2B5EF4-FFF2-40B4-BE49-F238E27FC236}">
-                <a16:creationId xmlns:a16="http://schemas.microsoft.com/office/drawing/2014/main" id="{51615A16-EB50-4D20-940A-AC5D5C385ECF}"/>
+                <a16:creationId xmlns:a16="http://schemas.microsoft.com/office/drawing/2014/main" id="{3B30FC19-CBFD-4C1A-91C1-47EF32C9497B}"/>
               </a:ext>
             </a:extLst>
           </p:cNvPr>
@@ -3979,7 +3976,7 @@
           <p:nvPr/>
         </p:nvPicPr>
         <p:blipFill>
-          <a:blip r:embed="rId2">
+          <a:blip r:embed="rId23">
             <a:extLst>
               <a:ext uri="{28A0092B-C50C-407E-A947-70E740481C1C}">
                 <a14:useLocalDpi xmlns:a14="http://schemas.microsoft.com/office/drawing/2010/main" val="0"/>
@@ -3992,8 +3989,8 @@
         </p:blipFill>
         <p:spPr>
           <a:xfrm>
-            <a:off x="2745788" y="0"/>
-            <a:ext cx="6700423" cy="6858000"/>
+            <a:off x="2178637" y="0"/>
+            <a:ext cx="7834724" cy="6858000"/>
           </a:xfrm>
           <a:prstGeom prst="rect">
             <a:avLst/>
@@ -4014,7 +4011,7 @@
 </file>
 
 <file path=ppt/slides/slide19.xml><?xml version="1.0" encoding="utf-8"?>
-<p:sld xmlns:a="http://schemas.openxmlformats.org/drawingml/2006/main" xmlns:r="http://schemas.openxmlformats.org/officeDocument/2006/relationships" xmlns:p="http://schemas.openxmlformats.org/presentationml/2006/main">
+<p:sld xmlns:a="http://schemas.openxmlformats.org/drawingml/2006/main" xmlns:p="http://schemas.openxmlformats.org/presentationml/2006/main" xmlns:r="http://schemas.openxmlformats.org/officeDocument/2006/relationships">
   <p:cSld>
     <p:spTree>
       <p:nvGrpSpPr>
@@ -4035,7 +4032,7 @@
           <p:cNvPr id="19" name="slide19">
             <a:extLst>
               <a:ext uri="{FF2B5EF4-FFF2-40B4-BE49-F238E27FC236}">
-                <a16:creationId xmlns:a16="http://schemas.microsoft.com/office/drawing/2014/main" id="{F32D5097-21EE-4004-A1B0-8070FDA8D20C}"/>
+                <a16:creationId xmlns:a16="http://schemas.microsoft.com/office/drawing/2014/main" id="{FF693918-55FE-4301-89D1-1A61501DAB2D}"/>
               </a:ext>
             </a:extLst>
           </p:cNvPr>
@@ -4045,7 +4042,7 @@
           <p:nvPr/>
         </p:nvPicPr>
         <p:blipFill>
-          <a:blip r:embed="rId2">
+          <a:blip r:embed="rId24">
             <a:extLst>
               <a:ext uri="{28A0092B-C50C-407E-A947-70E740481C1C}">
                 <a14:useLocalDpi xmlns:a14="http://schemas.microsoft.com/office/drawing/2010/main" val="0"/>
@@ -4058,8 +4055,8 @@
         </p:blipFill>
         <p:spPr>
           <a:xfrm>
-            <a:off x="1509712" y="747712"/>
-            <a:ext cx="9172575" cy="5362575"/>
+            <a:off x="1509712" y="800100"/>
+            <a:ext cx="9172575" cy="5257800"/>
           </a:xfrm>
           <a:prstGeom prst="rect">
             <a:avLst/>
@@ -4080,7 +4077,7 @@
 </file>
 
 <file path=ppt/slides/slide2.xml><?xml version="1.0" encoding="utf-8"?>
-<p:sld xmlns:a="http://schemas.openxmlformats.org/drawingml/2006/main" xmlns:r="http://schemas.openxmlformats.org/officeDocument/2006/relationships" xmlns:p="http://schemas.openxmlformats.org/presentationml/2006/main">
+<p:sld xmlns:a="http://schemas.openxmlformats.org/drawingml/2006/main" xmlns:p="http://schemas.openxmlformats.org/presentationml/2006/main" xmlns:r="http://schemas.openxmlformats.org/officeDocument/2006/relationships">
   <p:cSld>
     <p:spTree>
       <p:nvGrpSpPr>
@@ -4101,7 +4098,7 @@
           <p:cNvPr id="2" name="slide2">
             <a:extLst>
               <a:ext uri="{FF2B5EF4-FFF2-40B4-BE49-F238E27FC236}">
-                <a16:creationId xmlns:a16="http://schemas.microsoft.com/office/drawing/2014/main" id="{9DE44134-E0DB-4387-AC03-F2D1BD319BC3}"/>
+                <a16:creationId xmlns:a16="http://schemas.microsoft.com/office/drawing/2014/main" id="{917C20BD-18E8-4BF2-BAF9-61EC5491C256}"/>
               </a:ext>
             </a:extLst>
           </p:cNvPr>
@@ -4111,7 +4108,7 @@
           <p:nvPr/>
         </p:nvPicPr>
         <p:blipFill>
-          <a:blip r:embed="rId2">
+          <a:blip r:embed="rId7">
             <a:extLst>
               <a:ext uri="{28A0092B-C50C-407E-A947-70E740481C1C}">
                 <a14:useLocalDpi xmlns:a14="http://schemas.microsoft.com/office/drawing/2010/main" val="0"/>
@@ -4146,7 +4143,7 @@
 </file>
 
 <file path=ppt/slides/slide20.xml><?xml version="1.0" encoding="utf-8"?>
-<p:sld xmlns:a="http://schemas.openxmlformats.org/drawingml/2006/main" xmlns:r="http://schemas.openxmlformats.org/officeDocument/2006/relationships" xmlns:p="http://schemas.openxmlformats.org/presentationml/2006/main">
+<p:sld xmlns:a="http://schemas.openxmlformats.org/drawingml/2006/main" xmlns:p="http://schemas.openxmlformats.org/presentationml/2006/main" xmlns:r="http://schemas.openxmlformats.org/officeDocument/2006/relationships">
   <p:cSld>
     <p:spTree>
       <p:nvGrpSpPr>
@@ -4167,7 +4164,7 @@
           <p:cNvPr id="20" name="slide20">
             <a:extLst>
               <a:ext uri="{FF2B5EF4-FFF2-40B4-BE49-F238E27FC236}">
-                <a16:creationId xmlns:a16="http://schemas.microsoft.com/office/drawing/2014/main" id="{C905AE3D-62FA-4BC4-BDBB-01F8822B6F56}"/>
+                <a16:creationId xmlns:a16="http://schemas.microsoft.com/office/drawing/2014/main" id="{B4C06423-6562-40B2-9B83-4B990DDDFD01}"/>
               </a:ext>
             </a:extLst>
           </p:cNvPr>
@@ -4177,7 +4174,7 @@
           <p:nvPr/>
         </p:nvPicPr>
         <p:blipFill>
-          <a:blip r:embed="rId2">
+          <a:blip r:embed="rId25">
             <a:extLst>
               <a:ext uri="{28A0092B-C50C-407E-A947-70E740481C1C}">
                 <a14:useLocalDpi xmlns:a14="http://schemas.microsoft.com/office/drawing/2010/main" val="0"/>
@@ -4190,8 +4187,8 @@
         </p:blipFill>
         <p:spPr>
           <a:xfrm>
-            <a:off x="1509712" y="747712"/>
-            <a:ext cx="9172575" cy="5362575"/>
+            <a:off x="1509712" y="800100"/>
+            <a:ext cx="9172575" cy="5257800"/>
           </a:xfrm>
           <a:prstGeom prst="rect">
             <a:avLst/>
@@ -4212,7 +4209,7 @@
 </file>
 
 <file path=ppt/slides/slide21.xml><?xml version="1.0" encoding="utf-8"?>
-<p:sld xmlns:a="http://schemas.openxmlformats.org/drawingml/2006/main" xmlns:r="http://schemas.openxmlformats.org/officeDocument/2006/relationships" xmlns:p="http://schemas.openxmlformats.org/presentationml/2006/main">
+<p:sld xmlns:a="http://schemas.openxmlformats.org/drawingml/2006/main" xmlns:p="http://schemas.openxmlformats.org/presentationml/2006/main" xmlns:r="http://schemas.openxmlformats.org/officeDocument/2006/relationships">
   <p:cSld>
     <p:spTree>
       <p:nvGrpSpPr>
@@ -4233,7 +4230,7 @@
           <p:cNvPr id="21" name="slide21">
             <a:extLst>
               <a:ext uri="{FF2B5EF4-FFF2-40B4-BE49-F238E27FC236}">
-                <a16:creationId xmlns:a16="http://schemas.microsoft.com/office/drawing/2014/main" id="{701A39C0-7B7A-489C-AD69-55BDD13E8F50}"/>
+                <a16:creationId xmlns:a16="http://schemas.microsoft.com/office/drawing/2014/main" id="{50C8F3CA-A97D-462C-A196-81043010D51A}"/>
               </a:ext>
             </a:extLst>
           </p:cNvPr>
@@ -4243,7 +4240,7 @@
           <p:nvPr/>
         </p:nvPicPr>
         <p:blipFill>
-          <a:blip r:embed="rId2">
+          <a:blip r:embed="rId26">
             <a:extLst>
               <a:ext uri="{28A0092B-C50C-407E-A947-70E740481C1C}">
                 <a14:useLocalDpi xmlns:a14="http://schemas.microsoft.com/office/drawing/2010/main" val="0"/>
@@ -4256,8 +4253,8 @@
         </p:blipFill>
         <p:spPr>
           <a:xfrm>
-            <a:off x="1509712" y="747712"/>
-            <a:ext cx="9172575" cy="5362575"/>
+            <a:off x="1509712" y="800100"/>
+            <a:ext cx="9172575" cy="5257800"/>
           </a:xfrm>
           <a:prstGeom prst="rect">
             <a:avLst/>
@@ -4278,7 +4275,7 @@
 </file>
 
 <file path=ppt/slides/slide22.xml><?xml version="1.0" encoding="utf-8"?>
-<p:sld xmlns:a="http://schemas.openxmlformats.org/drawingml/2006/main" xmlns:r="http://schemas.openxmlformats.org/officeDocument/2006/relationships" xmlns:p="http://schemas.openxmlformats.org/presentationml/2006/main">
+<p:sld xmlns:a="http://schemas.openxmlformats.org/drawingml/2006/main" xmlns:p="http://schemas.openxmlformats.org/presentationml/2006/main" xmlns:r="http://schemas.openxmlformats.org/officeDocument/2006/relationships">
   <p:cSld>
     <p:spTree>
       <p:nvGrpSpPr>
@@ -4299,7 +4296,7 @@
           <p:cNvPr id="22" name="slide22">
             <a:extLst>
               <a:ext uri="{FF2B5EF4-FFF2-40B4-BE49-F238E27FC236}">
-                <a16:creationId xmlns:a16="http://schemas.microsoft.com/office/drawing/2014/main" id="{3FFF8EEA-3A42-4994-B294-E386AD9F05FB}"/>
+                <a16:creationId xmlns:a16="http://schemas.microsoft.com/office/drawing/2014/main" id="{F482B44B-6CF0-47DD-8C5D-3329FA168FC3}"/>
               </a:ext>
             </a:extLst>
           </p:cNvPr>
@@ -4309,7 +4306,7 @@
           <p:nvPr/>
         </p:nvPicPr>
         <p:blipFill>
-          <a:blip r:embed="rId2">
+          <a:blip r:embed="rId27">
             <a:extLst>
               <a:ext uri="{28A0092B-C50C-407E-A947-70E740481C1C}">
                 <a14:useLocalDpi xmlns:a14="http://schemas.microsoft.com/office/drawing/2010/main" val="0"/>
@@ -4322,8 +4319,8 @@
         </p:blipFill>
         <p:spPr>
           <a:xfrm>
-            <a:off x="1509712" y="747712"/>
-            <a:ext cx="9172575" cy="5362575"/>
+            <a:off x="1509712" y="800100"/>
+            <a:ext cx="9172575" cy="5257800"/>
           </a:xfrm>
           <a:prstGeom prst="rect">
             <a:avLst/>
@@ -4344,7 +4341,7 @@
 </file>
 
 <file path=ppt/slides/slide23.xml><?xml version="1.0" encoding="utf-8"?>
-<p:sld xmlns:a="http://schemas.openxmlformats.org/drawingml/2006/main" xmlns:r="http://schemas.openxmlformats.org/officeDocument/2006/relationships" xmlns:p="http://schemas.openxmlformats.org/presentationml/2006/main">
+<p:sld xmlns:a="http://schemas.openxmlformats.org/drawingml/2006/main" xmlns:p="http://schemas.openxmlformats.org/presentationml/2006/main" xmlns:r="http://schemas.openxmlformats.org/officeDocument/2006/relationships">
   <p:cSld>
     <p:spTree>
       <p:nvGrpSpPr>
@@ -4365,7 +4362,7 @@
           <p:cNvPr id="23" name="slide23">
             <a:extLst>
               <a:ext uri="{FF2B5EF4-FFF2-40B4-BE49-F238E27FC236}">
-                <a16:creationId xmlns:a16="http://schemas.microsoft.com/office/drawing/2014/main" id="{F94A31C3-C4BB-400A-A794-5E499EB81EB2}"/>
+                <a16:creationId xmlns:a16="http://schemas.microsoft.com/office/drawing/2014/main" id="{857F6550-D2DA-4917-900D-B1FC173AD3D2}"/>
               </a:ext>
             </a:extLst>
           </p:cNvPr>
@@ -4375,7 +4372,7 @@
           <p:nvPr/>
         </p:nvPicPr>
         <p:blipFill>
-          <a:blip r:embed="rId2">
+          <a:blip r:embed="rId28">
             <a:extLst>
               <a:ext uri="{28A0092B-C50C-407E-A947-70E740481C1C}">
                 <a14:useLocalDpi xmlns:a14="http://schemas.microsoft.com/office/drawing/2010/main" val="0"/>
@@ -4388,8 +4385,8 @@
         </p:blipFill>
         <p:spPr>
           <a:xfrm>
-            <a:off x="2786895" y="0"/>
-            <a:ext cx="6618210" cy="6858000"/>
+            <a:off x="2178637" y="0"/>
+            <a:ext cx="7834724" cy="6858000"/>
           </a:xfrm>
           <a:prstGeom prst="rect">
             <a:avLst/>
@@ -4410,7 +4407,7 @@
 </file>
 
 <file path=ppt/slides/slide24.xml><?xml version="1.0" encoding="utf-8"?>
-<p:sld xmlns:a="http://schemas.openxmlformats.org/drawingml/2006/main" xmlns:r="http://schemas.openxmlformats.org/officeDocument/2006/relationships" xmlns:p="http://schemas.openxmlformats.org/presentationml/2006/main">
+<p:sld xmlns:a="http://schemas.openxmlformats.org/drawingml/2006/main" xmlns:p="http://schemas.openxmlformats.org/presentationml/2006/main" xmlns:r="http://schemas.openxmlformats.org/officeDocument/2006/relationships">
   <p:cSld>
     <p:spTree>
       <p:nvGrpSpPr>
@@ -4431,7 +4428,7 @@
           <p:cNvPr id="24" name="slide24">
             <a:extLst>
               <a:ext uri="{FF2B5EF4-FFF2-40B4-BE49-F238E27FC236}">
-                <a16:creationId xmlns:a16="http://schemas.microsoft.com/office/drawing/2014/main" id="{F5E3B8BB-176E-4EF0-A179-00484FF546A5}"/>
+                <a16:creationId xmlns:a16="http://schemas.microsoft.com/office/drawing/2014/main" id="{ADDBC257-DDB9-4C97-A3E9-7F1DFC4F7953}"/>
               </a:ext>
             </a:extLst>
           </p:cNvPr>
@@ -4441,7 +4438,7 @@
           <p:nvPr/>
         </p:nvPicPr>
         <p:blipFill>
-          <a:blip r:embed="rId2">
+          <a:blip r:embed="rId29">
             <a:extLst>
               <a:ext uri="{28A0092B-C50C-407E-A947-70E740481C1C}">
                 <a14:useLocalDpi xmlns:a14="http://schemas.microsoft.com/office/drawing/2010/main" val="0"/>
@@ -4454,8 +4451,8 @@
         </p:blipFill>
         <p:spPr>
           <a:xfrm>
-            <a:off x="1576387" y="590550"/>
-            <a:ext cx="9039225" cy="5676900"/>
+            <a:off x="1662112" y="642937"/>
+            <a:ext cx="8867775" cy="5572125"/>
           </a:xfrm>
           <a:prstGeom prst="rect">
             <a:avLst/>
@@ -4476,7 +4473,7 @@
 </file>
 
 <file path=ppt/slides/slide25.xml><?xml version="1.0" encoding="utf-8"?>
-<p:sld xmlns:a="http://schemas.openxmlformats.org/drawingml/2006/main" xmlns:r="http://schemas.openxmlformats.org/officeDocument/2006/relationships" xmlns:p="http://schemas.openxmlformats.org/presentationml/2006/main">
+<p:sld xmlns:a="http://schemas.openxmlformats.org/drawingml/2006/main" xmlns:p="http://schemas.openxmlformats.org/presentationml/2006/main" xmlns:r="http://schemas.openxmlformats.org/officeDocument/2006/relationships">
   <p:cSld>
     <p:spTree>
       <p:nvGrpSpPr>
@@ -4497,7 +4494,7 @@
           <p:cNvPr id="25" name="slide25">
             <a:extLst>
               <a:ext uri="{FF2B5EF4-FFF2-40B4-BE49-F238E27FC236}">
-                <a16:creationId xmlns:a16="http://schemas.microsoft.com/office/drawing/2014/main" id="{BE791B36-57AF-4F70-82CF-BAF86F8F7EEF}"/>
+                <a16:creationId xmlns:a16="http://schemas.microsoft.com/office/drawing/2014/main" id="{669F6926-5747-45DA-8FA7-7AB6AA32BDBB}"/>
               </a:ext>
             </a:extLst>
           </p:cNvPr>
@@ -4507,7 +4504,7 @@
           <p:nvPr/>
         </p:nvPicPr>
         <p:blipFill>
-          <a:blip r:embed="rId2">
+          <a:blip r:embed="rId30">
             <a:extLst>
               <a:ext uri="{28A0092B-C50C-407E-A947-70E740481C1C}">
                 <a14:useLocalDpi xmlns:a14="http://schemas.microsoft.com/office/drawing/2010/main" val="0"/>
@@ -4520,8 +4517,8 @@
         </p:blipFill>
         <p:spPr>
           <a:xfrm>
-            <a:off x="1576387" y="590550"/>
-            <a:ext cx="9039225" cy="5676900"/>
+            <a:off x="1662112" y="642937"/>
+            <a:ext cx="8867775" cy="5572125"/>
           </a:xfrm>
           <a:prstGeom prst="rect">
             <a:avLst/>
@@ -4542,7 +4539,7 @@
 </file>
 
 <file path=ppt/slides/slide26.xml><?xml version="1.0" encoding="utf-8"?>
-<p:sld xmlns:a="http://schemas.openxmlformats.org/drawingml/2006/main" xmlns:r="http://schemas.openxmlformats.org/officeDocument/2006/relationships" xmlns:p="http://schemas.openxmlformats.org/presentationml/2006/main">
+<p:sld xmlns:a="http://schemas.openxmlformats.org/drawingml/2006/main" xmlns:p="http://schemas.openxmlformats.org/presentationml/2006/main" xmlns:r="http://schemas.openxmlformats.org/officeDocument/2006/relationships">
   <p:cSld>
     <p:spTree>
       <p:nvGrpSpPr>
@@ -4563,7 +4560,7 @@
           <p:cNvPr id="26" name="slide26">
             <a:extLst>
               <a:ext uri="{FF2B5EF4-FFF2-40B4-BE49-F238E27FC236}">
-                <a16:creationId xmlns:a16="http://schemas.microsoft.com/office/drawing/2014/main" id="{A2CC29A6-3A17-4C68-B9C2-9640720031A2}"/>
+                <a16:creationId xmlns:a16="http://schemas.microsoft.com/office/drawing/2014/main" id="{76F8E9E0-0E19-42A2-9235-13455AABF11F}"/>
               </a:ext>
             </a:extLst>
           </p:cNvPr>
@@ -4573,7 +4570,7 @@
           <p:nvPr/>
         </p:nvPicPr>
         <p:blipFill>
-          <a:blip r:embed="rId2">
+          <a:blip r:embed="rId31">
             <a:extLst>
               <a:ext uri="{28A0092B-C50C-407E-A947-70E740481C1C}">
                 <a14:useLocalDpi xmlns:a14="http://schemas.microsoft.com/office/drawing/2010/main" val="0"/>
@@ -4586,8 +4583,8 @@
         </p:blipFill>
         <p:spPr>
           <a:xfrm>
-            <a:off x="1576387" y="590550"/>
-            <a:ext cx="9039225" cy="5676900"/>
+            <a:off x="1662112" y="642937"/>
+            <a:ext cx="8867775" cy="5572125"/>
           </a:xfrm>
           <a:prstGeom prst="rect">
             <a:avLst/>
@@ -4608,7 +4605,7 @@
 </file>
 
 <file path=ppt/slides/slide27.xml><?xml version="1.0" encoding="utf-8"?>
-<p:sld xmlns:a="http://schemas.openxmlformats.org/drawingml/2006/main" xmlns:r="http://schemas.openxmlformats.org/officeDocument/2006/relationships" xmlns:p="http://schemas.openxmlformats.org/presentationml/2006/main">
+<p:sld xmlns:a="http://schemas.openxmlformats.org/drawingml/2006/main" xmlns:p="http://schemas.openxmlformats.org/presentationml/2006/main" xmlns:r="http://schemas.openxmlformats.org/officeDocument/2006/relationships">
   <p:cSld>
     <p:spTree>
       <p:nvGrpSpPr>
@@ -4629,7 +4626,7 @@
           <p:cNvPr id="27" name="slide27">
             <a:extLst>
               <a:ext uri="{FF2B5EF4-FFF2-40B4-BE49-F238E27FC236}">
-                <a16:creationId xmlns:a16="http://schemas.microsoft.com/office/drawing/2014/main" id="{C0E6BC37-147E-4EB5-852C-921621FC2CB8}"/>
+                <a16:creationId xmlns:a16="http://schemas.microsoft.com/office/drawing/2014/main" id="{5D39A8F1-636E-4DB6-8675-007C15FF827D}"/>
               </a:ext>
             </a:extLst>
           </p:cNvPr>
@@ -4639,7 +4636,7 @@
           <p:nvPr/>
         </p:nvPicPr>
         <p:blipFill>
-          <a:blip r:embed="rId2">
+          <a:blip r:embed="rId32">
             <a:extLst>
               <a:ext uri="{28A0092B-C50C-407E-A947-70E740481C1C}">
                 <a14:useLocalDpi xmlns:a14="http://schemas.microsoft.com/office/drawing/2010/main" val="0"/>
@@ -4674,7 +4671,7 @@
 </file>
 
 <file path=ppt/slides/slide3.xml><?xml version="1.0" encoding="utf-8"?>
-<p:sld xmlns:a="http://schemas.openxmlformats.org/drawingml/2006/main" xmlns:r="http://schemas.openxmlformats.org/officeDocument/2006/relationships" xmlns:p="http://schemas.openxmlformats.org/presentationml/2006/main">
+<p:sld xmlns:a="http://schemas.openxmlformats.org/drawingml/2006/main" xmlns:p="http://schemas.openxmlformats.org/presentationml/2006/main" xmlns:r="http://schemas.openxmlformats.org/officeDocument/2006/relationships">
   <p:cSld>
     <p:spTree>
       <p:nvGrpSpPr>
@@ -4695,7 +4692,7 @@
           <p:cNvPr id="3" name="slide3">
             <a:extLst>
               <a:ext uri="{FF2B5EF4-FFF2-40B4-BE49-F238E27FC236}">
-                <a16:creationId xmlns:a16="http://schemas.microsoft.com/office/drawing/2014/main" id="{628C36B3-3061-4832-A595-2A8E64C0F991}"/>
+                <a16:creationId xmlns:a16="http://schemas.microsoft.com/office/drawing/2014/main" id="{51ED157F-9585-4181-BE2B-C40AA4D7927A}"/>
               </a:ext>
             </a:extLst>
           </p:cNvPr>
@@ -4705,7 +4702,7 @@
           <p:nvPr/>
         </p:nvPicPr>
         <p:blipFill>
-          <a:blip r:embed="rId2">
+          <a:blip r:embed="rId8">
             <a:extLst>
               <a:ext uri="{28A0092B-C50C-407E-A947-70E740481C1C}">
                 <a14:useLocalDpi xmlns:a14="http://schemas.microsoft.com/office/drawing/2010/main" val="0"/>
@@ -4740,7 +4737,7 @@
 </file>
 
 <file path=ppt/slides/slide4.xml><?xml version="1.0" encoding="utf-8"?>
-<p:sld xmlns:a="http://schemas.openxmlformats.org/drawingml/2006/main" xmlns:r="http://schemas.openxmlformats.org/officeDocument/2006/relationships" xmlns:p="http://schemas.openxmlformats.org/presentationml/2006/main">
+<p:sld xmlns:a="http://schemas.openxmlformats.org/drawingml/2006/main" xmlns:p="http://schemas.openxmlformats.org/presentationml/2006/main" xmlns:r="http://schemas.openxmlformats.org/officeDocument/2006/relationships">
   <p:cSld>
     <p:spTree>
       <p:nvGrpSpPr>
@@ -4761,7 +4758,7 @@
           <p:cNvPr id="4" name="slide4">
             <a:extLst>
               <a:ext uri="{FF2B5EF4-FFF2-40B4-BE49-F238E27FC236}">
-                <a16:creationId xmlns:a16="http://schemas.microsoft.com/office/drawing/2014/main" id="{D8B79E99-A2FA-4134-A4D9-EF8C9B235013}"/>
+                <a16:creationId xmlns:a16="http://schemas.microsoft.com/office/drawing/2014/main" id="{2DD6BBC2-7B9B-4CB9-88BB-FAEED8817635}"/>
               </a:ext>
             </a:extLst>
           </p:cNvPr>
@@ -4771,7 +4768,7 @@
           <p:nvPr/>
         </p:nvPicPr>
         <p:blipFill>
-          <a:blip r:embed="rId2">
+          <a:blip r:embed="rId9">
             <a:extLst>
               <a:ext uri="{28A0092B-C50C-407E-A947-70E740481C1C}">
                 <a14:useLocalDpi xmlns:a14="http://schemas.microsoft.com/office/drawing/2010/main" val="0"/>
@@ -4806,7 +4803,7 @@
 </file>
 
 <file path=ppt/slides/slide5.xml><?xml version="1.0" encoding="utf-8"?>
-<p:sld xmlns:a="http://schemas.openxmlformats.org/drawingml/2006/main" xmlns:r="http://schemas.openxmlformats.org/officeDocument/2006/relationships" xmlns:p="http://schemas.openxmlformats.org/presentationml/2006/main">
+<p:sld xmlns:a="http://schemas.openxmlformats.org/drawingml/2006/main" xmlns:p="http://schemas.openxmlformats.org/presentationml/2006/main" xmlns:r="http://schemas.openxmlformats.org/officeDocument/2006/relationships">
   <p:cSld>
     <p:spTree>
       <p:nvGrpSpPr>
@@ -4827,7 +4824,7 @@
           <p:cNvPr id="5" name="slide5">
             <a:extLst>
               <a:ext uri="{FF2B5EF4-FFF2-40B4-BE49-F238E27FC236}">
-                <a16:creationId xmlns:a16="http://schemas.microsoft.com/office/drawing/2014/main" id="{A9F7DD2B-CBCB-4394-B147-0509A7BF8D0B}"/>
+                <a16:creationId xmlns:a16="http://schemas.microsoft.com/office/drawing/2014/main" id="{3076AE82-A519-473F-803D-6A81E1844573}"/>
               </a:ext>
             </a:extLst>
           </p:cNvPr>
@@ -4837,7 +4834,7 @@
           <p:nvPr/>
         </p:nvPicPr>
         <p:blipFill>
-          <a:blip r:embed="rId2">
+          <a:blip r:embed="rId10">
             <a:extLst>
               <a:ext uri="{28A0092B-C50C-407E-A947-70E740481C1C}">
                 <a14:useLocalDpi xmlns:a14="http://schemas.microsoft.com/office/drawing/2010/main" val="0"/>
@@ -4872,7 +4869,7 @@
 </file>
 
 <file path=ppt/slides/slide6.xml><?xml version="1.0" encoding="utf-8"?>
-<p:sld xmlns:a="http://schemas.openxmlformats.org/drawingml/2006/main" xmlns:r="http://schemas.openxmlformats.org/officeDocument/2006/relationships" xmlns:p="http://schemas.openxmlformats.org/presentationml/2006/main">
+<p:sld xmlns:a="http://schemas.openxmlformats.org/drawingml/2006/main" xmlns:p="http://schemas.openxmlformats.org/presentationml/2006/main" xmlns:r="http://schemas.openxmlformats.org/officeDocument/2006/relationships">
   <p:cSld>
     <p:spTree>
       <p:nvGrpSpPr>
@@ -4893,7 +4890,7 @@
           <p:cNvPr id="6" name="slide6">
             <a:extLst>
               <a:ext uri="{FF2B5EF4-FFF2-40B4-BE49-F238E27FC236}">
-                <a16:creationId xmlns:a16="http://schemas.microsoft.com/office/drawing/2014/main" id="{5167B31F-69DE-4688-A8FB-9CDA974E71F0}"/>
+                <a16:creationId xmlns:a16="http://schemas.microsoft.com/office/drawing/2014/main" id="{A9636578-03CF-4B8B-82DE-BA5E5F791332}"/>
               </a:ext>
             </a:extLst>
           </p:cNvPr>
@@ -4903,7 +4900,7 @@
           <p:nvPr/>
         </p:nvPicPr>
         <p:blipFill>
-          <a:blip r:embed="rId2">
+          <a:blip r:embed="rId11">
             <a:extLst>
               <a:ext uri="{28A0092B-C50C-407E-A947-70E740481C1C}">
                 <a14:useLocalDpi xmlns:a14="http://schemas.microsoft.com/office/drawing/2010/main" val="0"/>
@@ -4938,7 +4935,7 @@
 </file>
 
 <file path=ppt/slides/slide7.xml><?xml version="1.0" encoding="utf-8"?>
-<p:sld xmlns:a="http://schemas.openxmlformats.org/drawingml/2006/main" xmlns:r="http://schemas.openxmlformats.org/officeDocument/2006/relationships" xmlns:p="http://schemas.openxmlformats.org/presentationml/2006/main">
+<p:sld xmlns:a="http://schemas.openxmlformats.org/drawingml/2006/main" xmlns:p="http://schemas.openxmlformats.org/presentationml/2006/main" xmlns:r="http://schemas.openxmlformats.org/officeDocument/2006/relationships">
   <p:cSld>
     <p:spTree>
       <p:nvGrpSpPr>
@@ -4959,7 +4956,7 @@
           <p:cNvPr id="7" name="slide7">
             <a:extLst>
               <a:ext uri="{FF2B5EF4-FFF2-40B4-BE49-F238E27FC236}">
-                <a16:creationId xmlns:a16="http://schemas.microsoft.com/office/drawing/2014/main" id="{80E4C9AD-3343-4547-8CCB-8BD29CAFD866}"/>
+                <a16:creationId xmlns:a16="http://schemas.microsoft.com/office/drawing/2014/main" id="{DB3B679F-A0A6-4B98-815B-26188082BFBE}"/>
               </a:ext>
             </a:extLst>
           </p:cNvPr>
@@ -4969,7 +4966,7 @@
           <p:nvPr/>
         </p:nvPicPr>
         <p:blipFill>
-          <a:blip r:embed="rId2">
+          <a:blip r:embed="rId12">
             <a:extLst>
               <a:ext uri="{28A0092B-C50C-407E-A947-70E740481C1C}">
                 <a14:useLocalDpi xmlns:a14="http://schemas.microsoft.com/office/drawing/2010/main" val="0"/>
@@ -5004,7 +5001,7 @@
 </file>
 
 <file path=ppt/slides/slide8.xml><?xml version="1.0" encoding="utf-8"?>
-<p:sld xmlns:a="http://schemas.openxmlformats.org/drawingml/2006/main" xmlns:r="http://schemas.openxmlformats.org/officeDocument/2006/relationships" xmlns:p="http://schemas.openxmlformats.org/presentationml/2006/main">
+<p:sld xmlns:a="http://schemas.openxmlformats.org/drawingml/2006/main" xmlns:p="http://schemas.openxmlformats.org/presentationml/2006/main" xmlns:r="http://schemas.openxmlformats.org/officeDocument/2006/relationships">
   <p:cSld>
     <p:spTree>
       <p:nvGrpSpPr>
@@ -5025,7 +5022,7 @@
           <p:cNvPr id="8" name="slide8">
             <a:extLst>
               <a:ext uri="{FF2B5EF4-FFF2-40B4-BE49-F238E27FC236}">
-                <a16:creationId xmlns:a16="http://schemas.microsoft.com/office/drawing/2014/main" id="{235A3584-91A9-4D5D-BBF4-6FE4D03CC5F0}"/>
+                <a16:creationId xmlns:a16="http://schemas.microsoft.com/office/drawing/2014/main" id="{7E88F4D6-8020-4834-8F1D-D860B8E4D9C6}"/>
               </a:ext>
             </a:extLst>
           </p:cNvPr>
@@ -5035,7 +5032,7 @@
           <p:nvPr/>
         </p:nvPicPr>
         <p:blipFill>
-          <a:blip r:embed="rId2">
+          <a:blip r:embed="rId13">
             <a:extLst>
               <a:ext uri="{28A0092B-C50C-407E-A947-70E740481C1C}">
                 <a14:useLocalDpi xmlns:a14="http://schemas.microsoft.com/office/drawing/2010/main" val="0"/>
@@ -5070,7 +5067,7 @@
 </file>
 
 <file path=ppt/slides/slide9.xml><?xml version="1.0" encoding="utf-8"?>
-<p:sld xmlns:a="http://schemas.openxmlformats.org/drawingml/2006/main" xmlns:r="http://schemas.openxmlformats.org/officeDocument/2006/relationships" xmlns:p="http://schemas.openxmlformats.org/presentationml/2006/main">
+<p:sld xmlns:a="http://schemas.openxmlformats.org/drawingml/2006/main" xmlns:p="http://schemas.openxmlformats.org/presentationml/2006/main" xmlns:r="http://schemas.openxmlformats.org/officeDocument/2006/relationships">
   <p:cSld>
     <p:spTree>
       <p:nvGrpSpPr>
@@ -5091,7 +5088,7 @@
           <p:cNvPr id="9" name="slide9">
             <a:extLst>
               <a:ext uri="{FF2B5EF4-FFF2-40B4-BE49-F238E27FC236}">
-                <a16:creationId xmlns:a16="http://schemas.microsoft.com/office/drawing/2014/main" id="{7856637F-E4D7-4DAE-A41B-B0A947E367AC}"/>
+                <a16:creationId xmlns:a16="http://schemas.microsoft.com/office/drawing/2014/main" id="{E6B5E7BA-D534-43E7-83E5-CF887730629B}"/>
               </a:ext>
             </a:extLst>
           </p:cNvPr>
@@ -5101,7 +5098,7 @@
           <p:nvPr/>
         </p:nvPicPr>
         <p:blipFill>
-          <a:blip r:embed="rId2">
+          <a:blip r:embed="rId14">
             <a:extLst>
               <a:ext uri="{28A0092B-C50C-407E-A947-70E740481C1C}">
                 <a14:useLocalDpi xmlns:a14="http://schemas.microsoft.com/office/drawing/2010/main" val="0"/>
@@ -5122,6 +5119,36 @@
           </a:prstGeom>
         </p:spPr>
       </p:pic>
+    </p:spTree>
+    <p:extLst>
+      <p:ext uri="{BB962C8B-B14F-4D97-AF65-F5344CB8AC3E}">
+        <p14:creationId xmlns:p14="http://schemas.microsoft.com/office/powerpoint/2010/main" val="95992585"/>
+      </p:ext>
+    </p:extLst>
+  </p:cSld>
+  <p:clrMapOvr>
+    <a:masterClrMapping/>
+  </p:clrMapOvr>
+</p:sld>
+</file>
+
+<file path=ppt/slides/slideTemplate.xml><?xml version="1.0" encoding="utf-8"?>
+<p:sld xmlns:a="http://schemas.openxmlformats.org/drawingml/2006/main" xmlns:r="http://schemas.openxmlformats.org/officeDocument/2006/relationships" xmlns:p="http://schemas.openxmlformats.org/presentationml/2006/main">
+  <p:cSld>
+    <p:spTree>
+      <p:nvGrpSpPr>
+        <p:cNvPr id="1" name=""/>
+        <p:cNvGrpSpPr/>
+        <p:nvPr/>
+      </p:nvGrpSpPr>
+      <p:grpSpPr>
+        <a:xfrm>
+          <a:off x="0" y="0"/>
+          <a:ext cx="0" cy="0"/>
+          <a:chOff x="0" y="0"/>
+          <a:chExt cx="0" cy="0"/>
+        </a:xfrm>
+      </p:grpSpPr>
     </p:spTree>
     <p:extLst>
       <p:ext uri="{BB962C8B-B14F-4D97-AF65-F5344CB8AC3E}">

--- a/Cammi's work/final graphs.pptx
+++ b/Cammi's work/final graphs.pptx
@@ -138,6 +138,35 @@
 </p:presentation>
 </file>
 
+<file path=ppt/changesInfos/changesInfo1.xml><?xml version="1.0" encoding="utf-8"?>
+<pc:chgInfo xmlns:a="http://schemas.openxmlformats.org/drawingml/2006/main" xmlns:r="http://schemas.openxmlformats.org/officeDocument/2006/relationships" xmlns:ac="http://schemas.microsoft.com/office/drawing/2013/main/command" xmlns:pc="http://schemas.microsoft.com/office/powerpoint/2013/main/command">
+  <pc:docChgLst>
+    <pc:chgData name="Sarah Sprole" userId="148eea5a25ae6c36" providerId="LiveId" clId="{75A6427F-AE48-4EEB-843D-06A9C0446C85}"/>
+    <pc:docChg chg="modSld">
+      <pc:chgData name="Sarah Sprole" userId="148eea5a25ae6c36" providerId="LiveId" clId="{75A6427F-AE48-4EEB-843D-06A9C0446C85}" dt="2019-05-15T14:25:39.956" v="0" actId="1076"/>
+      <pc:docMkLst>
+        <pc:docMk/>
+      </pc:docMkLst>
+      <pc:sldChg chg="modSp">
+        <pc:chgData name="Sarah Sprole" userId="148eea5a25ae6c36" providerId="LiveId" clId="{75A6427F-AE48-4EEB-843D-06A9C0446C85}" dt="2019-05-15T14:25:39.956" v="0" actId="1076"/>
+        <pc:sldMkLst>
+          <pc:docMk/>
+          <pc:sldMk cId="95992585" sldId="273"/>
+        </pc:sldMkLst>
+        <pc:picChg chg="mod">
+          <ac:chgData name="Sarah Sprole" userId="148eea5a25ae6c36" providerId="LiveId" clId="{75A6427F-AE48-4EEB-843D-06A9C0446C85}" dt="2019-05-15T14:25:39.956" v="0" actId="1076"/>
+          <ac:picMkLst>
+            <pc:docMk/>
+            <pc:sldMk cId="95992585" sldId="273"/>
+            <ac:picMk id="18" creationId="{51615A16-EB50-4D20-940A-AC5D5C385ECF}"/>
+          </ac:picMkLst>
+        </pc:picChg>
+      </pc:sldChg>
+    </pc:docChg>
+  </pc:docChgLst>
+</pc:chgInfo>
+</file>
+
 <file path=ppt/slideLayouts/slideLayout1.xml><?xml version="1.0" encoding="utf-8"?>
 <p:sldLayout xmlns:a="http://schemas.openxmlformats.org/drawingml/2006/main" xmlns:r="http://schemas.openxmlformats.org/officeDocument/2006/relationships" xmlns:p="http://schemas.openxmlformats.org/presentationml/2006/main" type="title" preserve="1">
   <p:cSld name="Title Slide">
@@ -285,7 +314,7 @@
           <a:p>
             <a:fld id="{EED1C14C-A143-42F5-B247-D0E800131009}" type="datetimeFigureOut">
               <a:rPr lang="en-US" smtClean="0"/>
-              <a:t>5/14/2019</a:t>
+              <a:t>5/15/2019</a:t>
             </a:fld>
             <a:endParaRPr lang="en-US"/>
           </a:p>
@@ -483,7 +512,7 @@
           <a:p>
             <a:fld id="{EED1C14C-A143-42F5-B247-D0E800131009}" type="datetimeFigureOut">
               <a:rPr lang="en-US" smtClean="0"/>
-              <a:t>5/14/2019</a:t>
+              <a:t>5/15/2019</a:t>
             </a:fld>
             <a:endParaRPr lang="en-US"/>
           </a:p>
@@ -691,7 +720,7 @@
           <a:p>
             <a:fld id="{EED1C14C-A143-42F5-B247-D0E800131009}" type="datetimeFigureOut">
               <a:rPr lang="en-US" smtClean="0"/>
-              <a:t>5/14/2019</a:t>
+              <a:t>5/15/2019</a:t>
             </a:fld>
             <a:endParaRPr lang="en-US"/>
           </a:p>
@@ -889,7 +918,7 @@
           <a:p>
             <a:fld id="{EED1C14C-A143-42F5-B247-D0E800131009}" type="datetimeFigureOut">
               <a:rPr lang="en-US" smtClean="0"/>
-              <a:t>5/14/2019</a:t>
+              <a:t>5/15/2019</a:t>
             </a:fld>
             <a:endParaRPr lang="en-US"/>
           </a:p>
@@ -1164,7 +1193,7 @@
           <a:p>
             <a:fld id="{EED1C14C-A143-42F5-B247-D0E800131009}" type="datetimeFigureOut">
               <a:rPr lang="en-US" smtClean="0"/>
-              <a:t>5/14/2019</a:t>
+              <a:t>5/15/2019</a:t>
             </a:fld>
             <a:endParaRPr lang="en-US"/>
           </a:p>
@@ -1429,7 +1458,7 @@
           <a:p>
             <a:fld id="{EED1C14C-A143-42F5-B247-D0E800131009}" type="datetimeFigureOut">
               <a:rPr lang="en-US" smtClean="0"/>
-              <a:t>5/14/2019</a:t>
+              <a:t>5/15/2019</a:t>
             </a:fld>
             <a:endParaRPr lang="en-US"/>
           </a:p>
@@ -1841,7 +1870,7 @@
           <a:p>
             <a:fld id="{EED1C14C-A143-42F5-B247-D0E800131009}" type="datetimeFigureOut">
               <a:rPr lang="en-US" smtClean="0"/>
-              <a:t>5/14/2019</a:t>
+              <a:t>5/15/2019</a:t>
             </a:fld>
             <a:endParaRPr lang="en-US"/>
           </a:p>
@@ -1982,7 +2011,7 @@
           <a:p>
             <a:fld id="{EED1C14C-A143-42F5-B247-D0E800131009}" type="datetimeFigureOut">
               <a:rPr lang="en-US" smtClean="0"/>
-              <a:t>5/14/2019</a:t>
+              <a:t>5/15/2019</a:t>
             </a:fld>
             <a:endParaRPr lang="en-US"/>
           </a:p>
@@ -2095,7 +2124,7 @@
           <a:p>
             <a:fld id="{EED1C14C-A143-42F5-B247-D0E800131009}" type="datetimeFigureOut">
               <a:rPr lang="en-US" smtClean="0"/>
-              <a:t>5/14/2019</a:t>
+              <a:t>5/15/2019</a:t>
             </a:fld>
             <a:endParaRPr lang="en-US"/>
           </a:p>
@@ -2406,7 +2435,7 @@
           <a:p>
             <a:fld id="{EED1C14C-A143-42F5-B247-D0E800131009}" type="datetimeFigureOut">
               <a:rPr lang="en-US" smtClean="0"/>
-              <a:t>5/14/2019</a:t>
+              <a:t>5/15/2019</a:t>
             </a:fld>
             <a:endParaRPr lang="en-US"/>
           </a:p>
@@ -2694,7 +2723,7 @@
           <a:p>
             <a:fld id="{EED1C14C-A143-42F5-B247-D0E800131009}" type="datetimeFigureOut">
               <a:rPr lang="en-US" smtClean="0"/>
-              <a:t>5/14/2019</a:t>
+              <a:t>5/15/2019</a:t>
             </a:fld>
             <a:endParaRPr lang="en-US"/>
           </a:p>
@@ -2935,7 +2964,7 @@
           <a:p>
             <a:fld id="{EED1C14C-A143-42F5-B247-D0E800131009}" type="datetimeFigureOut">
               <a:rPr lang="en-US" smtClean="0"/>
-              <a:t>5/14/2019</a:t>
+              <a:t>5/15/2019</a:t>
             </a:fld>
             <a:endParaRPr lang="en-US"/>
           </a:p>
@@ -3992,7 +4021,7 @@
         </p:blipFill>
         <p:spPr>
           <a:xfrm>
-            <a:off x="2745788" y="0"/>
+            <a:off x="2378236" y="0"/>
             <a:ext cx="6700423" cy="6858000"/>
           </a:xfrm>
           <a:prstGeom prst="rect">
